--- a/linux.pptx
+++ b/linux.pptx
@@ -39,21 +39,20 @@
     <p:sldId id="285" r:id="rId33"/>
     <p:sldId id="286" r:id="rId34"/>
     <p:sldId id="287" r:id="rId35"/>
-    <p:sldId id="288" r:id="rId36"/>
-    <p:sldId id="289" r:id="rId37"/>
-    <p:sldId id="290" r:id="rId38"/>
-    <p:sldId id="291" r:id="rId39"/>
-    <p:sldId id="292" r:id="rId40"/>
-    <p:sldId id="293" r:id="rId41"/>
-    <p:sldId id="294" r:id="rId42"/>
-    <p:sldId id="296" r:id="rId43"/>
-    <p:sldId id="297" r:id="rId44"/>
-    <p:sldId id="298" r:id="rId45"/>
-    <p:sldId id="299" r:id="rId46"/>
-    <p:sldId id="300" r:id="rId47"/>
-    <p:sldId id="306" r:id="rId48"/>
-    <p:sldId id="301" r:id="rId49"/>
-    <p:sldId id="302" r:id="rId50"/>
+    <p:sldId id="289" r:id="rId36"/>
+    <p:sldId id="290" r:id="rId37"/>
+    <p:sldId id="291" r:id="rId38"/>
+    <p:sldId id="292" r:id="rId39"/>
+    <p:sldId id="293" r:id="rId40"/>
+    <p:sldId id="294" r:id="rId41"/>
+    <p:sldId id="296" r:id="rId42"/>
+    <p:sldId id="297" r:id="rId43"/>
+    <p:sldId id="298" r:id="rId44"/>
+    <p:sldId id="299" r:id="rId45"/>
+    <p:sldId id="300" r:id="rId46"/>
+    <p:sldId id="306" r:id="rId47"/>
+    <p:sldId id="301" r:id="rId48"/>
+    <p:sldId id="302" r:id="rId49"/>
   </p:sldIdLst>
   <p:sldSz cx="12192000" cy="6858000"/>
   <p:notesSz cx="6858000" cy="9144000"/>
@@ -152,6 +151,11 @@
       </a:defRPr>
     </a:lvl9pPr>
   </p:defaultTextStyle>
+  <p:extLst>
+    <p:ext uri="{EFAFB233-063F-42B5-8137-9DF3F51BA10A}">
+      <p15:sldGuideLst xmlns:p15="http://schemas.microsoft.com/office/powerpoint/2012/main"/>
+    </p:ext>
+  </p:extLst>
 </p:presentation>
 </file>
 
@@ -4317,7 +4321,7 @@
         </p:nvSpPr>
         <p:spPr>
           <a:xfrm>
-            <a:off x="122721" y="730232"/>
+            <a:off x="122721" y="1559791"/>
             <a:ext cx="11466096" cy="2862322"/>
           </a:xfrm>
           <a:prstGeom prst="rect">
@@ -4856,8 +4860,8 @@
         </p:nvSpPr>
         <p:spPr>
           <a:xfrm>
-            <a:off x="3048802" y="-1246798"/>
-            <a:ext cx="6097604" cy="9356408"/>
+            <a:off x="0" y="766732"/>
+            <a:ext cx="12192000" cy="5324535"/>
           </a:xfrm>
           <a:prstGeom prst="rect">
             <a:avLst/>
@@ -4872,89 +4876,71 @@
           <a:p>
             <a:pPr algn="l"/>
             <a:r>
-              <a:rPr lang="en-US" sz="3200" b="1" i="0" u="none" strike="noStrike" baseline="0" dirty="0">
+              <a:rPr lang="en-IN" sz="2400" b="1" i="0" u="none" strike="noStrike" baseline="0" dirty="0">
                 <a:latin typeface="Helvetica-Bold"/>
               </a:rPr>
-              <a:t>7.5.5. Installing extra packages from the installation CDs</a:t>
-            </a:r>
-          </a:p>
-          <a:p>
-            <a:pPr algn="l"/>
-            <a:r>
-              <a:rPr lang="en-IN" sz="1800" b="1" i="0" u="none" strike="noStrike" baseline="0" dirty="0">
-                <a:latin typeface="Helvetica-Bold"/>
-              </a:rPr>
-              <a:t>7.5.5.1. Mounting a CD</a:t>
-            </a:r>
-          </a:p>
-          <a:p>
-            <a:pPr algn="l"/>
+              <a:t>Mounting a CD</a:t>
+            </a:r>
+          </a:p>
+          <a:p>
+            <a:pPr algn="l"/>
+            <a:endParaRPr lang="en-US" sz="1800" b="0" i="0" u="none" strike="noStrike" baseline="0" dirty="0">
+              <a:latin typeface="Times-Roman"/>
+            </a:endParaRPr>
+          </a:p>
+          <a:p>
+            <a:pPr algn="just"/>
             <a:r>
               <a:rPr lang="en-US" sz="1800" b="0" i="0" u="none" strike="noStrike" baseline="0" dirty="0">
                 <a:latin typeface="Times-Roman"/>
               </a:rPr>
-              <a:t>This is basically done in the same way as installing packages manually, except that you have to append the</a:t>
-            </a:r>
-          </a:p>
-          <a:p>
-            <a:pPr algn="l"/>
+              <a:t>This is basically done in the same way as installing packages manually, except that you have to append the file system of the CD to your machine's file system to make it accessible. On most systems, this will be done automatically upon insertion of a CD in the drive because the </a:t>
+            </a:r>
+            <a:r>
+              <a:rPr lang="en-US" sz="1800" b="1" i="0" u="none" strike="noStrike" baseline="0" dirty="0">
+                <a:latin typeface="Times-Bold"/>
+              </a:rPr>
+              <a:t>automount </a:t>
+            </a:r>
             <a:r>
               <a:rPr lang="en-US" sz="1800" b="0" i="0" u="none" strike="noStrike" baseline="0" dirty="0">
                 <a:latin typeface="Times-Roman"/>
               </a:rPr>
-              <a:t>file system of the CD to your machine's file system to make it accessible. On most systems, this will be done</a:t>
-            </a:r>
-          </a:p>
-          <a:p>
-            <a:pPr algn="l"/>
+              <a:t>daemon is started up at boot time. </a:t>
+            </a:r>
+          </a:p>
+          <a:p>
+            <a:pPr algn="just"/>
+            <a:endParaRPr lang="en-US" dirty="0">
+              <a:latin typeface="Times-Roman"/>
+            </a:endParaRPr>
+          </a:p>
+          <a:p>
+            <a:pPr algn="just"/>
             <a:r>
               <a:rPr lang="en-US" sz="1800" b="0" i="0" u="none" strike="noStrike" baseline="0" dirty="0">
                 <a:latin typeface="Times-Roman"/>
               </a:rPr>
-              <a:t>automatically upon insertion of a CD in the drive because the </a:t>
+              <a:t>If your CD is not made available automatically, issue the </a:t>
             </a:r>
             <a:r>
               <a:rPr lang="en-US" sz="1800" b="1" i="0" u="none" strike="noStrike" baseline="0" dirty="0">
                 <a:latin typeface="Times-Bold"/>
               </a:rPr>
-              <a:t>automount </a:t>
+              <a:t>mount </a:t>
             </a:r>
             <a:r>
               <a:rPr lang="en-US" sz="1800" b="0" i="0" u="none" strike="noStrike" baseline="0" dirty="0">
                 <a:latin typeface="Times-Roman"/>
               </a:rPr>
-              <a:t>daemon is started up at boot time. If</a:t>
-            </a:r>
-          </a:p>
-          <a:p>
-            <a:pPr algn="l"/>
-            <a:r>
-              <a:rPr lang="en-US" sz="1800" b="0" i="0" u="none" strike="noStrike" baseline="0" dirty="0">
-                <a:latin typeface="Times-Roman"/>
-              </a:rPr>
-              <a:t>your CD is not made available automatically, issue the </a:t>
-            </a:r>
-            <a:r>
-              <a:rPr lang="en-US" sz="1800" b="1" i="0" u="none" strike="noStrike" baseline="0" dirty="0">
-                <a:latin typeface="Times-Bold"/>
-              </a:rPr>
-              <a:t>mount </a:t>
-            </a:r>
-            <a:r>
-              <a:rPr lang="en-US" sz="1800" b="0" i="0" u="none" strike="noStrike" baseline="0" dirty="0">
-                <a:latin typeface="Times-Roman"/>
-              </a:rPr>
-              <a:t>command in a terminal window. Depending on</a:t>
-            </a:r>
-          </a:p>
-          <a:p>
-            <a:pPr algn="l"/>
-            <a:r>
-              <a:rPr lang="en-US" sz="1800" b="0" i="0" u="none" strike="noStrike" baseline="0" dirty="0">
-                <a:latin typeface="Times-Roman"/>
-              </a:rPr>
-              <a:t>your actual system configuration, a line similar to this one will usually do the trick:</a:t>
-            </a:r>
+              <a:t>command in a terminal window. Depending on your actual system configuration, a line similar to this one will usually do the trick:</a:t>
+            </a:r>
+          </a:p>
+          <a:p>
+            <a:pPr algn="l"/>
+            <a:endParaRPr lang="en-US" sz="1800" b="1" i="0" u="none" strike="noStrike" baseline="0" dirty="0">
+              <a:latin typeface="Times-Bold"/>
+            </a:endParaRPr>
           </a:p>
           <a:p>
             <a:pPr algn="l"/>
@@ -5006,6 +4992,12 @@
           </a:p>
           <a:p>
             <a:pPr algn="l"/>
+            <a:endParaRPr lang="en-US" sz="1800" b="0" i="0" u="none" strike="noStrike" baseline="0" dirty="0">
+              <a:latin typeface="Times-Roman"/>
+            </a:endParaRPr>
+          </a:p>
+          <a:p>
+            <a:pPr algn="l"/>
             <a:r>
               <a:rPr lang="en-US" sz="1800" b="0" i="0" u="none" strike="noStrike" baseline="0" dirty="0">
                 <a:latin typeface="Times-Roman"/>
@@ -5061,8 +5053,86 @@
               <a:rPr lang="en-US" sz="1800" b="0" i="0" u="none" strike="noStrike" baseline="0" dirty="0">
                 <a:latin typeface="Times-Roman"/>
               </a:rPr>
-              <a:t>, which lists the file systems and</a:t>
-            </a:r>
+              <a:t>, which lists the file systems and their mount points, that make up your file system tree. This is such a line:</a:t>
+            </a:r>
+          </a:p>
+          <a:p>
+            <a:pPr algn="l"/>
+            <a:r>
+              <a:rPr lang="nb-NO" sz="1400" b="0" i="0" u="none" strike="noStrike" baseline="0" dirty="0">
+                <a:latin typeface="Courier"/>
+              </a:rPr>
+              <a:t>[david@jupiter ~] </a:t>
+            </a:r>
+            <a:r>
+              <a:rPr lang="nb-NO" sz="1400" b="1" i="0" u="none" strike="noStrike" baseline="0" dirty="0">
+                <a:latin typeface="Courier-Bold"/>
+              </a:rPr>
+              <a:t>grep cdrom /etc/fstab</a:t>
+            </a:r>
+          </a:p>
+          <a:p>
+            <a:pPr algn="l"/>
+            <a:r>
+              <a:rPr lang="en-IN" sz="1400" b="0" i="0" u="none" strike="noStrike" baseline="0" dirty="0">
+                <a:latin typeface="Courier"/>
+              </a:rPr>
+              <a:t>/dev/</a:t>
+            </a:r>
+            <a:r>
+              <a:rPr lang="en-IN" sz="1400" b="0" i="0" u="none" strike="noStrike" baseline="0" dirty="0" err="1">
+                <a:latin typeface="Courier"/>
+              </a:rPr>
+              <a:t>cdrom</a:t>
+            </a:r>
+            <a:r>
+              <a:rPr lang="en-IN" sz="1400" b="0" i="0" u="none" strike="noStrike" baseline="0" dirty="0">
+                <a:latin typeface="Courier"/>
+              </a:rPr>
+              <a:t> /</a:t>
+            </a:r>
+            <a:r>
+              <a:rPr lang="en-IN" sz="1400" b="0" i="0" u="none" strike="noStrike" baseline="0" dirty="0" err="1">
+                <a:latin typeface="Courier"/>
+              </a:rPr>
+              <a:t>mnt</a:t>
+            </a:r>
+            <a:r>
+              <a:rPr lang="en-IN" sz="1400" b="0" i="0" u="none" strike="noStrike" baseline="0" dirty="0">
+                <a:latin typeface="Courier"/>
+              </a:rPr>
+              <a:t>/</a:t>
+            </a:r>
+            <a:r>
+              <a:rPr lang="en-IN" sz="1400" b="0" i="0" u="none" strike="noStrike" baseline="0" dirty="0" err="1">
+                <a:latin typeface="Courier"/>
+              </a:rPr>
+              <a:t>cdrom</a:t>
+            </a:r>
+            <a:r>
+              <a:rPr lang="en-IN" sz="1400" b="0" i="0" u="none" strike="noStrike" baseline="0" dirty="0">
+                <a:latin typeface="Courier"/>
+              </a:rPr>
+              <a:t> iso9660 </a:t>
+            </a:r>
+            <a:r>
+              <a:rPr lang="en-IN" sz="1400" b="0" i="0" u="none" strike="noStrike" baseline="0" dirty="0" err="1">
+                <a:latin typeface="Courier"/>
+              </a:rPr>
+              <a:t>noauto,owner,ro</a:t>
+            </a:r>
+            <a:r>
+              <a:rPr lang="en-IN" sz="1400" b="0" i="0" u="none" strike="noStrike" baseline="0" dirty="0">
+                <a:latin typeface="Courier"/>
+              </a:rPr>
+              <a:t> 0 0</a:t>
+            </a:r>
+          </a:p>
+          <a:p>
+            <a:pPr algn="l"/>
+            <a:endParaRPr lang="en-US" sz="1800" b="0" i="0" u="none" strike="noStrike" baseline="0" dirty="0">
+              <a:latin typeface="Times-Roman"/>
+            </a:endParaRPr>
           </a:p>
           <a:p>
             <a:pPr algn="l"/>
@@ -5070,276 +5140,98 @@
               <a:rPr lang="en-US" sz="1800" b="0" i="0" u="none" strike="noStrike" baseline="0" dirty="0">
                 <a:latin typeface="Times-Roman"/>
               </a:rPr>
-              <a:t>their mount points, that make up your file system tree. This is such a line:</a:t>
-            </a:r>
-          </a:p>
-          <a:p>
-            <a:pPr algn="l"/>
-            <a:r>
-              <a:rPr lang="nb-NO" sz="1400" b="0" i="0" u="none" strike="noStrike" baseline="0" dirty="0">
-                <a:latin typeface="Courier"/>
-              </a:rPr>
-              <a:t>[david@jupiter ~] </a:t>
-            </a:r>
-            <a:r>
-              <a:rPr lang="nb-NO" sz="1400" b="1" i="0" u="none" strike="noStrike" baseline="0" dirty="0">
-                <a:latin typeface="Courier-Bold"/>
-              </a:rPr>
-              <a:t>grep cdrom /etc/fstab</a:t>
-            </a:r>
-          </a:p>
-          <a:p>
-            <a:pPr algn="l"/>
-            <a:r>
-              <a:rPr lang="en-IN" sz="1400" b="0" i="0" u="none" strike="noStrike" baseline="0" dirty="0">
-                <a:latin typeface="Courier"/>
-              </a:rPr>
-              <a:t>/dev/</a:t>
-            </a:r>
-            <a:r>
-              <a:rPr lang="en-IN" sz="1400" b="0" i="0" u="none" strike="noStrike" baseline="0" dirty="0" err="1">
-                <a:latin typeface="Courier"/>
+              <a:t>This indicates that the system will understand the command </a:t>
+            </a:r>
+            <a:r>
+              <a:rPr lang="en-US" sz="1800" b="1" i="0" u="none" strike="noStrike" baseline="0" dirty="0">
+                <a:latin typeface="Times-Bold"/>
+              </a:rPr>
+              <a:t>mount </a:t>
+            </a:r>
+            <a:r>
+              <a:rPr lang="en-US" sz="1800" b="1" i="0" u="none" strike="noStrike" baseline="0" dirty="0">
+                <a:latin typeface="Courier-Bold"/>
+              </a:rPr>
+              <a:t>/</a:t>
+            </a:r>
+            <a:r>
+              <a:rPr lang="en-US" sz="1800" b="1" i="0" u="none" strike="noStrike" baseline="0" dirty="0" err="1">
+                <a:latin typeface="Courier-Bold"/>
+              </a:rPr>
+              <a:t>mnt</a:t>
+            </a:r>
+            <a:r>
+              <a:rPr lang="en-US" sz="1800" b="1" i="0" u="none" strike="noStrike" baseline="0" dirty="0">
+                <a:latin typeface="Courier-Bold"/>
+              </a:rPr>
+              <a:t>/</a:t>
+            </a:r>
+            <a:r>
+              <a:rPr lang="en-US" sz="1800" b="1" i="0" u="none" strike="noStrike" baseline="0" dirty="0" err="1">
+                <a:latin typeface="Courier-Bold"/>
               </a:rPr>
               <a:t>cdrom</a:t>
             </a:r>
             <a:r>
-              <a:rPr lang="en-IN" sz="1400" b="0" i="0" u="none" strike="noStrike" baseline="0" dirty="0">
-                <a:latin typeface="Courier"/>
-              </a:rPr>
-              <a:t> /</a:t>
-            </a:r>
-            <a:r>
-              <a:rPr lang="en-IN" sz="1400" b="0" i="0" u="none" strike="noStrike" baseline="0" dirty="0" err="1">
-                <a:latin typeface="Courier"/>
-              </a:rPr>
-              <a:t>mnt</a:t>
-            </a:r>
-            <a:r>
-              <a:rPr lang="en-IN" sz="1400" b="0" i="0" u="none" strike="noStrike" baseline="0" dirty="0">
-                <a:latin typeface="Courier"/>
-              </a:rPr>
-              <a:t>/</a:t>
-            </a:r>
-            <a:r>
-              <a:rPr lang="en-IN" sz="1400" b="0" i="0" u="none" strike="noStrike" baseline="0" dirty="0" err="1">
-                <a:latin typeface="Courier"/>
-              </a:rPr>
-              <a:t>cdrom</a:t>
-            </a:r>
-            <a:r>
-              <a:rPr lang="en-IN" sz="1400" b="0" i="0" u="none" strike="noStrike" baseline="0" dirty="0">
-                <a:latin typeface="Courier"/>
-              </a:rPr>
-              <a:t> iso9660 </a:t>
-            </a:r>
-            <a:r>
-              <a:rPr lang="en-IN" sz="1400" b="0" i="0" u="none" strike="noStrike" baseline="0" dirty="0" err="1">
-                <a:latin typeface="Courier"/>
-              </a:rPr>
-              <a:t>noauto,owner,ro</a:t>
-            </a:r>
-            <a:r>
-              <a:rPr lang="en-IN" sz="1400" b="0" i="0" u="none" strike="noStrike" baseline="0" dirty="0">
-                <a:latin typeface="Courier"/>
-              </a:rPr>
-              <a:t> 0 0</a:t>
-            </a:r>
-          </a:p>
-          <a:p>
-            <a:pPr algn="l"/>
-            <a:r>
               <a:rPr lang="en-US" sz="1800" b="0" i="0" u="none" strike="noStrike" baseline="0" dirty="0">
                 <a:latin typeface="Times-Roman"/>
               </a:rPr>
-              <a:t>This indicates that the system will understand the command </a:t>
-            </a:r>
-            <a:r>
-              <a:rPr lang="en-US" sz="1800" b="1" i="0" u="none" strike="noStrike" baseline="0" dirty="0">
-                <a:latin typeface="Times-Bold"/>
-              </a:rPr>
-              <a:t>mount </a:t>
-            </a:r>
-            <a:r>
-              <a:rPr lang="en-US" sz="1800" b="1" i="0" u="none" strike="noStrike" baseline="0" dirty="0">
-                <a:latin typeface="Courier-Bold"/>
-              </a:rPr>
-              <a:t>/</a:t>
-            </a:r>
-            <a:r>
-              <a:rPr lang="en-US" sz="1800" b="1" i="0" u="none" strike="noStrike" baseline="0" dirty="0" err="1">
-                <a:latin typeface="Courier-Bold"/>
-              </a:rPr>
-              <a:t>mnt</a:t>
-            </a:r>
-            <a:r>
-              <a:rPr lang="en-US" sz="1800" b="1" i="0" u="none" strike="noStrike" baseline="0" dirty="0">
-                <a:latin typeface="Courier-Bold"/>
-              </a:rPr>
-              <a:t>/</a:t>
-            </a:r>
-            <a:r>
-              <a:rPr lang="en-US" sz="1800" b="1" i="0" u="none" strike="noStrike" baseline="0" dirty="0" err="1">
-                <a:latin typeface="Courier-Bold"/>
-              </a:rPr>
-              <a:t>cdrom</a:t>
+              <a:t>. The </a:t>
+            </a:r>
+            <a:r>
+              <a:rPr lang="en-US" sz="1800" b="0" i="0" u="none" strike="noStrike" baseline="0" dirty="0" err="1">
+                <a:latin typeface="Courier"/>
+              </a:rPr>
+              <a:t>noauto</a:t>
             </a:r>
             <a:r>
               <a:rPr lang="en-US" sz="1800" b="0" i="0" u="none" strike="noStrike" baseline="0" dirty="0">
-                <a:latin typeface="Times-Roman"/>
-              </a:rPr>
-              <a:t>. The </a:t>
-            </a:r>
-            <a:r>
-              <a:rPr lang="en-US" sz="1800" b="0" i="0" u="none" strike="noStrike" baseline="0" dirty="0" err="1">
-                <a:latin typeface="Courier"/>
-              </a:rPr>
-              <a:t>noauto</a:t>
+                <a:latin typeface="Courier"/>
+              </a:rPr>
+              <a:t> </a:t>
             </a:r>
             <a:r>
               <a:rPr lang="en-US" sz="1800" b="0" i="0" u="none" strike="noStrike" baseline="0" dirty="0">
-                <a:latin typeface="Courier"/>
-              </a:rPr>
-              <a:t> </a:t>
-            </a:r>
-            <a:r>
-              <a:rPr lang="en-US" sz="1800" b="0" i="0" u="none" strike="noStrike" baseline="0" dirty="0">
-                <a:latin typeface="Times-Roman"/>
-              </a:rPr>
-              <a:t>option</a:t>
-            </a:r>
-          </a:p>
-          <a:p>
-            <a:pPr algn="l"/>
-            <a:r>
-              <a:rPr lang="en-US" sz="1800" b="0" i="0" u="none" strike="noStrike" baseline="0" dirty="0">
-                <a:latin typeface="Times-Roman"/>
-              </a:rPr>
-              <a:t>means that on this system, CDs are not mounted at boot time.</a:t>
-            </a:r>
-          </a:p>
-          <a:p>
-            <a:pPr algn="l"/>
-            <a:r>
-              <a:rPr lang="en-US" sz="1800" b="0" i="0" u="none" strike="noStrike" baseline="0" dirty="0">
-                <a:latin typeface="Times-Roman"/>
-              </a:rPr>
-              <a:t>You may even try to right click on the CD icon on your desktop to mount the CD if your file manager doesn't</a:t>
-            </a:r>
-          </a:p>
-          <a:p>
-            <a:pPr algn="l"/>
-            <a:r>
-              <a:rPr lang="en-US" sz="1800" b="0" i="0" u="none" strike="noStrike" baseline="0" dirty="0">
-                <a:latin typeface="Times-Roman"/>
-              </a:rPr>
-              <a:t>do it for you. You can check whether it worked issuing the </a:t>
-            </a:r>
-            <a:r>
-              <a:rPr lang="en-US" sz="1800" b="1" i="0" u="none" strike="noStrike" baseline="0" dirty="0">
-                <a:latin typeface="Times-Bold"/>
-              </a:rPr>
-              <a:t>mount </a:t>
-            </a:r>
-            <a:r>
-              <a:rPr lang="en-US" sz="1800" b="0" i="0" u="none" strike="noStrike" baseline="0" dirty="0">
-                <a:latin typeface="Times-Roman"/>
-              </a:rPr>
-              <a:t>command with no arguments:</a:t>
-            </a:r>
-          </a:p>
-          <a:p>
-            <a:pPr algn="l"/>
-            <a:r>
-              <a:rPr lang="en-US" sz="1400" b="0" i="0" u="none" strike="noStrike" baseline="0" dirty="0">
-                <a:latin typeface="Courier"/>
-              </a:rPr>
-              <a:t>[</a:t>
-            </a:r>
-            <a:r>
-              <a:rPr lang="en-US" sz="1400" b="0" i="0" u="none" strike="noStrike" baseline="0" dirty="0" err="1">
-                <a:latin typeface="Courier"/>
-              </a:rPr>
-              <a:t>david@jupiter</a:t>
-            </a:r>
-            <a:r>
-              <a:rPr lang="en-US" sz="1400" b="0" i="0" u="none" strike="noStrike" baseline="0" dirty="0">
-                <a:latin typeface="Courier"/>
-              </a:rPr>
-              <a:t> ~] </a:t>
-            </a:r>
-            <a:r>
-              <a:rPr lang="en-US" sz="1400" b="1" i="0" u="none" strike="noStrike" baseline="0" dirty="0">
-                <a:latin typeface="Courier-Bold"/>
-              </a:rPr>
-              <a:t>mount | grep </a:t>
-            </a:r>
-            <a:r>
-              <a:rPr lang="en-US" sz="1400" b="1" i="0" u="none" strike="noStrike" baseline="0" dirty="0" err="1">
-                <a:latin typeface="Courier-Bold"/>
-              </a:rPr>
-              <a:t>cdrom</a:t>
-            </a:r>
-            <a:endParaRPr lang="en-US" sz="1400" b="1" i="0" u="none" strike="noStrike" baseline="0" dirty="0">
-              <a:latin typeface="Courier-Bold"/>
-            </a:endParaRPr>
-          </a:p>
-          <a:p>
-            <a:pPr algn="l"/>
-            <a:r>
-              <a:rPr lang="en-IN" sz="1400" b="0" i="0" u="none" strike="noStrike" baseline="0" dirty="0">
-                <a:latin typeface="Courier"/>
-              </a:rPr>
-              <a:t>/dev/</a:t>
-            </a:r>
-            <a:r>
-              <a:rPr lang="en-IN" sz="1400" b="0" i="0" u="none" strike="noStrike" baseline="0" dirty="0" err="1">
-                <a:latin typeface="Courier"/>
-              </a:rPr>
-              <a:t>cdrom</a:t>
-            </a:r>
-            <a:r>
-              <a:rPr lang="en-IN" sz="1400" b="0" i="0" u="none" strike="noStrike" baseline="0" dirty="0">
-                <a:latin typeface="Courier"/>
-              </a:rPr>
-              <a:t> on /</a:t>
-            </a:r>
-            <a:r>
-              <a:rPr lang="en-IN" sz="1400" b="0" i="0" u="none" strike="noStrike" baseline="0" dirty="0" err="1">
-                <a:latin typeface="Courier"/>
-              </a:rPr>
-              <a:t>mnt</a:t>
-            </a:r>
-            <a:r>
-              <a:rPr lang="en-IN" sz="1400" b="0" i="0" u="none" strike="noStrike" baseline="0" dirty="0">
-                <a:latin typeface="Courier"/>
-              </a:rPr>
-              <a:t>/</a:t>
-            </a:r>
-            <a:r>
-              <a:rPr lang="en-IN" sz="1400" b="0" i="0" u="none" strike="noStrike" baseline="0" dirty="0" err="1">
-                <a:latin typeface="Courier"/>
-              </a:rPr>
-              <a:t>cdrom</a:t>
-            </a:r>
-            <a:r>
-              <a:rPr lang="en-IN" sz="1400" b="0" i="0" u="none" strike="noStrike" baseline="0" dirty="0">
-                <a:latin typeface="Courier"/>
-              </a:rPr>
-              <a:t> type iso9660 (</a:t>
-            </a:r>
-            <a:r>
-              <a:rPr lang="en-IN" sz="1400" b="0" i="0" u="none" strike="noStrike" baseline="0" dirty="0" err="1">
-                <a:latin typeface="Courier"/>
-              </a:rPr>
-              <a:t>ro,nosuid,nodev</a:t>
-            </a:r>
-            <a:r>
-              <a:rPr lang="en-IN" sz="1400" b="0" i="0" u="none" strike="noStrike" baseline="0" dirty="0">
-                <a:latin typeface="Courier"/>
-              </a:rPr>
-              <a:t>)</a:t>
-            </a:r>
-            <a:endParaRPr lang="en-IN" dirty="0"/>
+                <a:latin typeface="Times-Roman"/>
+              </a:rPr>
+              <a:t>option means that on this system, CDs are not mounted at boot time.</a:t>
+            </a:r>
+          </a:p>
+        </p:txBody>
+      </p:sp>
+      <p:sp>
+        <p:nvSpPr>
+          <p:cNvPr id="2" name="Rectangle 1">
+            <a:extLst>
+              <a:ext uri="{FF2B5EF4-FFF2-40B4-BE49-F238E27FC236}">
+                <a16:creationId xmlns:a16="http://schemas.microsoft.com/office/drawing/2014/main" id="{00BCC131-234B-4A79-A0C2-9BFA0C716553}"/>
+              </a:ext>
+            </a:extLst>
+          </p:cNvPr>
+          <p:cNvSpPr/>
+          <p:nvPr/>
+        </p:nvSpPr>
+        <p:spPr>
+          <a:xfrm>
+            <a:off x="0" y="0"/>
+            <a:ext cx="8816837" cy="523220"/>
+          </a:xfrm>
+          <a:prstGeom prst="rect">
+            <a:avLst/>
+          </a:prstGeom>
+        </p:spPr>
+        <p:txBody>
+          <a:bodyPr wrap="none">
+            <a:spAutoFit/>
+          </a:bodyPr>
+          <a:lstStyle/>
+          <a:p>
+            <a:r>
+              <a:rPr lang="en-US" sz="2800" b="1" dirty="0">
+                <a:latin typeface="Helvetica-Bold"/>
+              </a:rPr>
+              <a:t>Installing extra packages from the installation CDs</a:t>
+            </a:r>
           </a:p>
         </p:txBody>
       </p:sp>
@@ -9298,8 +9190,8 @@
         </p:nvSpPr>
         <p:spPr>
           <a:xfrm>
-            <a:off x="3048802" y="230530"/>
-            <a:ext cx="6097604" cy="6401753"/>
+            <a:off x="209650" y="758431"/>
+            <a:ext cx="11790672" cy="4524315"/>
           </a:xfrm>
           <a:prstGeom prst="rect">
             <a:avLst/>
@@ -9314,169 +9206,127 @@
           <a:p>
             <a:pPr algn="l"/>
             <a:r>
-              <a:rPr lang="en-IN" sz="3200" b="1" i="0" u="none" strike="noStrike" baseline="0" dirty="0">
+              <a:rPr lang="en-IN" sz="2000" b="1" i="0" u="none" strike="noStrike" baseline="0" dirty="0">
                 <a:latin typeface="Helvetica-Bold"/>
               </a:rPr>
-              <a:t>9.1.1. Preparing your data</a:t>
-            </a:r>
-          </a:p>
-          <a:p>
-            <a:pPr algn="l"/>
-            <a:r>
-              <a:rPr lang="en-IN" sz="1800" b="1" i="0" u="none" strike="noStrike" baseline="0" dirty="0">
-                <a:latin typeface="Helvetica-Bold"/>
-              </a:rPr>
-              <a:t>9.1.1.1. Archiving with tar</a:t>
-            </a:r>
-          </a:p>
-          <a:p>
-            <a:pPr algn="l"/>
-            <a:r>
-              <a:rPr lang="en-US" sz="1800" b="0" i="0" u="none" strike="noStrike" baseline="0" dirty="0">
-                <a:latin typeface="Times-Roman"/>
-              </a:rPr>
-              <a:t>In most cases, we will first collect all the data to back up in a single archive file, which we will compress later</a:t>
-            </a:r>
-          </a:p>
-          <a:p>
-            <a:pPr algn="l"/>
-            <a:r>
-              <a:rPr lang="en-US" sz="1800" b="0" i="0" u="none" strike="noStrike" baseline="0" dirty="0">
-                <a:latin typeface="Times-Roman"/>
-              </a:rPr>
-              <a:t>on. The process of archiving involves concatenating all listed files and taking out unnecessary blanks. In</a:t>
-            </a:r>
-          </a:p>
-          <a:p>
-            <a:pPr algn="l"/>
-            <a:r>
-              <a:rPr lang="en-US" sz="1800" b="0" i="0" u="none" strike="noStrike" baseline="0" dirty="0">
-                <a:latin typeface="Times-Roman"/>
-              </a:rPr>
-              <a:t>Linux, this is commonly done with the </a:t>
-            </a:r>
-            <a:r>
-              <a:rPr lang="en-US" sz="1800" b="1" i="0" u="none" strike="noStrike" baseline="0" dirty="0">
-                <a:latin typeface="Times-Bold"/>
-              </a:rPr>
-              <a:t>tar </a:t>
-            </a:r>
-            <a:r>
-              <a:rPr lang="en-US" sz="1800" b="0" i="0" u="none" strike="noStrike" baseline="0" dirty="0">
-                <a:latin typeface="Times-Roman"/>
-              </a:rPr>
-              <a:t>command. </a:t>
-            </a:r>
-            <a:r>
-              <a:rPr lang="en-US" sz="1800" b="1" i="0" u="none" strike="noStrike" baseline="0" dirty="0">
-                <a:latin typeface="Times-Bold"/>
-              </a:rPr>
-              <a:t>tar </a:t>
-            </a:r>
-            <a:r>
-              <a:rPr lang="en-US" sz="1800" b="0" i="0" u="none" strike="noStrike" baseline="0" dirty="0">
-                <a:latin typeface="Times-Roman"/>
-              </a:rPr>
-              <a:t>was originally designed to archive data on tapes, but</a:t>
-            </a:r>
-          </a:p>
-          <a:p>
-            <a:pPr algn="l"/>
-            <a:r>
-              <a:rPr lang="en-US" sz="1800" b="0" i="0" u="none" strike="noStrike" baseline="0" dirty="0">
-                <a:latin typeface="Times-Roman"/>
-              </a:rPr>
-              <a:t>it can also make archives, known as </a:t>
-            </a:r>
-            <a:r>
-              <a:rPr lang="en-US" sz="1800" b="0" i="1" u="none" strike="noStrike" baseline="0" dirty="0" err="1">
-                <a:latin typeface="Times-Italic"/>
-              </a:rPr>
-              <a:t>tarballs</a:t>
-            </a:r>
-            <a:r>
-              <a:rPr lang="en-US" sz="1800" b="0" i="0" u="none" strike="noStrike" baseline="0" dirty="0">
-                <a:latin typeface="Times-Roman"/>
-              </a:rPr>
-              <a:t>.</a:t>
-            </a:r>
-          </a:p>
-          <a:p>
-            <a:pPr algn="l"/>
-            <a:r>
-              <a:rPr lang="en-US" sz="1800" b="1" i="0" u="none" strike="noStrike" baseline="0" dirty="0">
-                <a:latin typeface="Times-Bold"/>
-              </a:rPr>
-              <a:t>tar </a:t>
-            </a:r>
-            <a:r>
-              <a:rPr lang="en-US" sz="1800" b="0" i="0" u="none" strike="noStrike" baseline="0" dirty="0">
-                <a:latin typeface="Times-Roman"/>
-              </a:rPr>
-              <a:t>has many options, the most important ones are cited below:</a:t>
-            </a:r>
-          </a:p>
-          <a:p>
-            <a:pPr algn="l"/>
-            <a:r>
-              <a:rPr lang="en-IN" sz="1800" b="0" i="0" u="none" strike="noStrike" baseline="0" dirty="0">
-                <a:latin typeface="Symbol" panose="05050102010706020507" pitchFamily="18" charset="2"/>
-              </a:rPr>
-              <a:t>• </a:t>
-            </a:r>
-            <a:r>
-              <a:rPr lang="en-IN" sz="1800" b="0" i="0" u="none" strike="noStrike" baseline="0" dirty="0">
-                <a:latin typeface="Courier"/>
-              </a:rPr>
-              <a:t>-v</a:t>
-            </a:r>
-            <a:r>
-              <a:rPr lang="en-IN" sz="1800" b="0" i="0" u="none" strike="noStrike" baseline="0" dirty="0">
-                <a:latin typeface="Times-Roman"/>
-              </a:rPr>
-              <a:t>: verbose</a:t>
-            </a:r>
-          </a:p>
-          <a:p>
-            <a:pPr algn="l"/>
-            <a:r>
-              <a:rPr lang="en-US" sz="1800" b="0" i="0" u="none" strike="noStrike" baseline="0" dirty="0">
-                <a:latin typeface="Symbol" panose="05050102010706020507" pitchFamily="18" charset="2"/>
-              </a:rPr>
-              <a:t>• </a:t>
-            </a:r>
-            <a:r>
-              <a:rPr lang="en-US" sz="1800" b="0" i="0" u="none" strike="noStrike" baseline="0" dirty="0">
-                <a:latin typeface="Courier"/>
-              </a:rPr>
-              <a:t>-t</a:t>
-            </a:r>
-            <a:r>
-              <a:rPr lang="en-US" sz="1800" b="0" i="0" u="none" strike="noStrike" baseline="0" dirty="0">
-                <a:latin typeface="Times-Roman"/>
-              </a:rPr>
-              <a:t>: test, shows content of a </a:t>
-            </a:r>
-            <a:r>
-              <a:rPr lang="en-US" sz="1800" b="0" i="0" u="none" strike="noStrike" baseline="0" dirty="0" err="1">
-                <a:latin typeface="Times-Roman"/>
-              </a:rPr>
-              <a:t>tarball</a:t>
-            </a:r>
+              <a:t>Archiving with tar</a:t>
+            </a:r>
+          </a:p>
+          <a:p>
+            <a:pPr algn="l"/>
             <a:endParaRPr lang="en-US" sz="1800" b="0" i="0" u="none" strike="noStrike" baseline="0" dirty="0">
               <a:latin typeface="Times-Roman"/>
             </a:endParaRPr>
           </a:p>
           <a:p>
+            <a:pPr algn="just"/>
+            <a:r>
+              <a:rPr lang="en-US" sz="1800" b="0" i="0" u="none" strike="noStrike" baseline="0" dirty="0">
+                <a:latin typeface="Times-Roman"/>
+              </a:rPr>
+              <a:t>In most cases, we will first collect all the data to back up in a single archive file, which we will compress later on. The process of archiving involves concatenating all listed files and taking out unnecessary blanks. In Linux, this is commonly done with the </a:t>
+            </a:r>
+            <a:r>
+              <a:rPr lang="en-US" sz="1800" b="1" i="0" u="none" strike="noStrike" baseline="0" dirty="0">
+                <a:latin typeface="Times-Bold"/>
+              </a:rPr>
+              <a:t>tar </a:t>
+            </a:r>
+            <a:r>
+              <a:rPr lang="en-US" sz="1800" b="0" i="0" u="none" strike="noStrike" baseline="0" dirty="0">
+                <a:latin typeface="Times-Roman"/>
+              </a:rPr>
+              <a:t>command. </a:t>
+            </a:r>
+            <a:r>
+              <a:rPr lang="en-US" sz="1800" b="1" i="0" u="none" strike="noStrike" baseline="0" dirty="0">
+                <a:latin typeface="Times-Bold"/>
+              </a:rPr>
+              <a:t>tar </a:t>
+            </a:r>
+            <a:r>
+              <a:rPr lang="en-US" sz="1800" b="0" i="0" u="none" strike="noStrike" baseline="0" dirty="0">
+                <a:latin typeface="Times-Roman"/>
+              </a:rPr>
+              <a:t>was originally designed to archive data on tapes, but it can also make archives, known as </a:t>
+            </a:r>
+            <a:r>
+              <a:rPr lang="en-US" sz="1800" b="0" i="1" u="none" strike="noStrike" baseline="0" dirty="0" err="1">
+                <a:latin typeface="Times-Italic"/>
+              </a:rPr>
+              <a:t>tarballs</a:t>
+            </a:r>
+            <a:r>
+              <a:rPr lang="en-US" sz="1800" b="0" i="0" u="none" strike="noStrike" baseline="0" dirty="0">
+                <a:latin typeface="Times-Roman"/>
+              </a:rPr>
+              <a:t>.</a:t>
+            </a:r>
+          </a:p>
+          <a:p>
+            <a:pPr algn="l"/>
+            <a:endParaRPr lang="en-US" sz="1800" b="1" i="0" u="none" strike="noStrike" baseline="0" dirty="0">
+              <a:latin typeface="Times-Bold"/>
+            </a:endParaRPr>
+          </a:p>
+          <a:p>
+            <a:pPr algn="l"/>
+            <a:r>
+              <a:rPr lang="en-US" sz="1800" b="1" i="0" u="none" strike="noStrike" baseline="0" dirty="0">
+                <a:latin typeface="Times-Bold"/>
+              </a:rPr>
+              <a:t>tar </a:t>
+            </a:r>
+            <a:r>
+              <a:rPr lang="en-US" sz="1800" b="0" i="0" u="none" strike="noStrike" baseline="0" dirty="0">
+                <a:latin typeface="Times-Roman"/>
+              </a:rPr>
+              <a:t>has many options, the most important ones are cited below:</a:t>
+            </a:r>
+          </a:p>
+          <a:p>
             <a:pPr algn="l"/>
             <a:r>
               <a:rPr lang="en-IN" sz="1800" b="0" i="0" u="none" strike="noStrike" baseline="0" dirty="0">
-                <a:latin typeface="Symbol" panose="05050102010706020507" pitchFamily="18" charset="2"/>
-              </a:rPr>
-              <a:t>• </a:t>
+                <a:latin typeface="Courier"/>
+              </a:rPr>
+              <a:t>-v</a:t>
             </a:r>
             <a:r>
               <a:rPr lang="en-IN" sz="1800" b="0" i="0" u="none" strike="noStrike" baseline="0" dirty="0">
+                <a:latin typeface="Times-Roman"/>
+              </a:rPr>
+              <a:t>: verbose</a:t>
+            </a:r>
+          </a:p>
+          <a:p>
+            <a:pPr algn="l"/>
+            <a:r>
+              <a:rPr lang="en-US" sz="1800" b="0" i="0" u="none" strike="noStrike" baseline="0" dirty="0">
+                <a:latin typeface="Courier"/>
+              </a:rPr>
+              <a:t>-t</a:t>
+            </a:r>
+            <a:r>
+              <a:rPr lang="en-US" sz="1800" b="0" i="0" u="none" strike="noStrike" baseline="0" dirty="0">
+                <a:latin typeface="Times-Roman"/>
+              </a:rPr>
+              <a:t>: test, shows content of a </a:t>
+            </a:r>
+            <a:r>
+              <a:rPr lang="en-US" sz="1800" b="0" i="0" u="none" strike="noStrike" baseline="0" dirty="0" err="1">
+                <a:latin typeface="Times-Roman"/>
+              </a:rPr>
+              <a:t>tarball</a:t>
+            </a:r>
+            <a:endParaRPr lang="en-US" sz="1800" b="0" i="0" u="none" strike="noStrike" baseline="0" dirty="0">
+              <a:latin typeface="Times-Roman"/>
+            </a:endParaRPr>
+          </a:p>
+          <a:p>
+            <a:pPr algn="l"/>
+            <a:r>
+              <a:rPr lang="en-IN" sz="1800" b="0" i="0" u="none" strike="noStrike" baseline="0" dirty="0">
                 <a:latin typeface="Courier"/>
               </a:rPr>
               <a:t>-x</a:t>
@@ -9492,18 +9342,12 @@
             <a:pPr algn="l"/>
             <a:r>
               <a:rPr lang="en-IN" sz="1800" b="0" i="0" u="none" strike="noStrike" baseline="0" dirty="0">
-                <a:latin typeface="Symbol" panose="05050102010706020507" pitchFamily="18" charset="2"/>
-              </a:rPr>
-              <a:t>• </a:t>
+                <a:latin typeface="Courier"/>
+              </a:rPr>
+              <a:t>-c</a:t>
             </a:r>
             <a:r>
               <a:rPr lang="en-IN" sz="1800" b="0" i="0" u="none" strike="noStrike" baseline="0" dirty="0">
-                <a:latin typeface="Courier"/>
-              </a:rPr>
-              <a:t>-c</a:t>
-            </a:r>
-            <a:r>
-              <a:rPr lang="en-IN" sz="1800" b="0" i="0" u="none" strike="noStrike" baseline="0" dirty="0">
                 <a:latin typeface="Times-Roman"/>
               </a:rPr>
               <a:t>: create archive</a:t>
@@ -9583,12 +9427,9 @@
           </a:p>
           <a:p>
             <a:pPr algn="l"/>
-            <a:r>
-              <a:rPr lang="en-IN" sz="1800" b="0" i="0" u="none" strike="noStrike" baseline="0" dirty="0">
-                <a:latin typeface="Symbol" panose="05050102010706020507" pitchFamily="18" charset="2"/>
-              </a:rPr>
-              <a:t>•</a:t>
-            </a:r>
+            <a:endParaRPr lang="en-IN" sz="1800" b="0" i="0" u="none" strike="noStrike" baseline="0" dirty="0">
+              <a:latin typeface="Symbol" panose="05050102010706020507" pitchFamily="18" charset="2"/>
+            </a:endParaRPr>
           </a:p>
           <a:p>
             <a:pPr algn="l"/>
@@ -9596,7 +9437,7 @@
               <a:rPr lang="en-US" sz="1800" b="0" i="0" u="none" strike="noStrike" baseline="0" dirty="0">
                 <a:latin typeface="Symbol" panose="05050102010706020507" pitchFamily="18" charset="2"/>
               </a:rPr>
-              <a:t>• </a:t>
+              <a:t> </a:t>
             </a:r>
             <a:r>
               <a:rPr lang="en-US" sz="1800" b="0" i="0" u="none" strike="noStrike" baseline="0" dirty="0">
@@ -9644,6 +9485,42 @@
               <a:t>options, as you can see from the examples below.</a:t>
             </a:r>
             <a:endParaRPr lang="en-IN" dirty="0"/>
+          </a:p>
+        </p:txBody>
+      </p:sp>
+      <p:sp>
+        <p:nvSpPr>
+          <p:cNvPr id="2" name="Rectangle 1">
+            <a:extLst>
+              <a:ext uri="{FF2B5EF4-FFF2-40B4-BE49-F238E27FC236}">
+                <a16:creationId xmlns:a16="http://schemas.microsoft.com/office/drawing/2014/main" id="{3581EAF2-4712-4361-86A6-455207F6B76B}"/>
+              </a:ext>
+            </a:extLst>
+          </p:cNvPr>
+          <p:cNvSpPr/>
+          <p:nvPr/>
+        </p:nvSpPr>
+        <p:spPr>
+          <a:xfrm>
+            <a:off x="209650" y="0"/>
+            <a:ext cx="3579826" cy="523220"/>
+          </a:xfrm>
+          <a:prstGeom prst="rect">
+            <a:avLst/>
+          </a:prstGeom>
+        </p:spPr>
+        <p:txBody>
+          <a:bodyPr wrap="none">
+            <a:spAutoFit/>
+          </a:bodyPr>
+          <a:lstStyle/>
+          <a:p>
+            <a:r>
+              <a:rPr lang="en-IN" sz="2800" b="1" dirty="0">
+                <a:latin typeface="Helvetica-Bold"/>
+              </a:rPr>
+              <a:t>Preparing your data</a:t>
+            </a:r>
           </a:p>
         </p:txBody>
       </p:sp>
@@ -9691,8 +9568,8 @@
         </p:nvSpPr>
         <p:spPr>
           <a:xfrm>
-            <a:off x="0" y="0"/>
-            <a:ext cx="12406964" cy="9787295"/>
+            <a:off x="0" y="436006"/>
+            <a:ext cx="12406964" cy="6678751"/>
           </a:xfrm>
           <a:prstGeom prst="rect">
             <a:avLst/>
@@ -9707,507 +9584,408 @@
           <a:p>
             <a:pPr algn="l"/>
             <a:r>
+              <a:rPr lang="en-US" sz="1800" b="0" i="0" u="none" strike="noStrike" baseline="0" dirty="0">
+                <a:latin typeface="Times-Roman"/>
+              </a:rPr>
+              <a:t>The archives made with a proprietary </a:t>
+            </a:r>
+            <a:r>
               <a:rPr lang="en-US" sz="1800" b="1" i="0" u="none" strike="noStrike" baseline="0" dirty="0">
                 <a:latin typeface="Times-Bold"/>
               </a:rPr>
+              <a:t>tar </a:t>
+            </a:r>
+            <a:r>
+              <a:rPr lang="en-US" sz="1800" b="0" i="0" u="none" strike="noStrike" baseline="0" dirty="0">
+                <a:latin typeface="Times-Roman"/>
+              </a:rPr>
+              <a:t>version on one system, may be incompatible with </a:t>
+            </a:r>
+            <a:r>
+              <a:rPr lang="en-US" sz="1800" b="1" i="0" u="none" strike="noStrike" baseline="0" dirty="0">
+                <a:latin typeface="Times-Bold"/>
+              </a:rPr>
+              <a:t>tar </a:t>
+            </a:r>
+            <a:r>
+              <a:rPr lang="en-US" sz="1800" b="0" i="0" u="none" strike="noStrike" baseline="0" dirty="0">
+                <a:latin typeface="Times-Roman"/>
+              </a:rPr>
+              <a:t>on another proprietary system. This may cause much headaches, such as if the archive needs to be recovered on a system that doesn't exist anymore. Linux always uses GNU tar. When working on other UNIX machines, enter </a:t>
+            </a:r>
+            <a:r>
+              <a:rPr lang="en-US" sz="1800" b="1" i="0" u="none" strike="noStrike" baseline="0" dirty="0">
+                <a:latin typeface="Times-Bold"/>
+              </a:rPr>
+              <a:t>tar </a:t>
+            </a:r>
+            <a:r>
+              <a:rPr lang="en-US" sz="1800" b="1" i="0" u="none" strike="noStrike" baseline="0" dirty="0">
+                <a:latin typeface="Courier-Bold"/>
+              </a:rPr>
+              <a:t>--help </a:t>
+            </a:r>
+            <a:r>
+              <a:rPr lang="en-US" sz="1800" b="0" i="0" u="none" strike="noStrike" baseline="0" dirty="0">
+                <a:latin typeface="Times-Roman"/>
+              </a:rPr>
+              <a:t>to find out which version you are using. </a:t>
+            </a:r>
+          </a:p>
+          <a:p>
+            <a:pPr algn="l"/>
+            <a:r>
+              <a:rPr lang="en-US" sz="1800" b="0" i="0" u="none" strike="noStrike" baseline="0" dirty="0">
+                <a:latin typeface="Times-Roman"/>
+              </a:rPr>
+              <a:t>In the example below, an archive is created and unpacked.</a:t>
+            </a:r>
+          </a:p>
+          <a:p>
+            <a:pPr algn="l"/>
+            <a:endParaRPr lang="en-IN" sz="1800" b="0" i="0" u="none" strike="noStrike" baseline="0" dirty="0">
+              <a:latin typeface="Courier"/>
+            </a:endParaRPr>
+          </a:p>
+          <a:p>
+            <a:pPr algn="l"/>
+            <a:r>
+              <a:rPr lang="en-IN" sz="1600" b="0" i="0" u="none" strike="noStrike" baseline="0" dirty="0" err="1">
+                <a:latin typeface="Courier"/>
+              </a:rPr>
+              <a:t>gaby</a:t>
+            </a:r>
+            <a:r>
+              <a:rPr lang="en-IN" sz="1600" b="0" i="0" u="none" strike="noStrike" baseline="0" dirty="0">
+                <a:latin typeface="Courier"/>
+              </a:rPr>
+              <a:t>:~&gt; </a:t>
+            </a:r>
+            <a:r>
+              <a:rPr lang="en-IN" sz="1600" b="1" i="0" u="none" strike="noStrike" baseline="0" dirty="0">
+                <a:latin typeface="Courier-Bold"/>
+              </a:rPr>
+              <a:t>ls images/</a:t>
+            </a:r>
+          </a:p>
+          <a:p>
+            <a:pPr algn="l"/>
+            <a:r>
+              <a:rPr lang="nl-NL" sz="1600" b="0" i="0" u="none" strike="noStrike" baseline="0" dirty="0">
+                <a:latin typeface="Courier"/>
+              </a:rPr>
+              <a:t>me+tux.jpg nimf.jpg</a:t>
+            </a:r>
+          </a:p>
+          <a:p>
+            <a:pPr algn="l"/>
+            <a:r>
+              <a:rPr lang="en-IN" sz="1600" b="0" i="0" u="none" strike="noStrike" baseline="0" dirty="0">
+                <a:latin typeface="Courier"/>
+              </a:rPr>
+              <a:t>gaby:~&gt; </a:t>
+            </a:r>
+            <a:r>
+              <a:rPr lang="en-IN" sz="1600" b="1" i="0" u="none" strike="noStrike" baseline="0" dirty="0">
+                <a:latin typeface="Courier-Bold"/>
+              </a:rPr>
+              <a:t>tar </a:t>
+            </a:r>
+            <a:r>
+              <a:rPr lang="en-IN" sz="1600" b="1" i="0" u="none" strike="noStrike" baseline="0" dirty="0" err="1">
+                <a:latin typeface="Courier-Bold"/>
+              </a:rPr>
+              <a:t>cvf</a:t>
+            </a:r>
+            <a:r>
+              <a:rPr lang="en-IN" sz="1600" b="1" i="0" u="none" strike="noStrike" baseline="0" dirty="0">
+                <a:latin typeface="Courier-Bold"/>
+              </a:rPr>
+              <a:t> images-in-a-dir.tar images/</a:t>
+            </a:r>
+          </a:p>
+          <a:p>
+            <a:pPr algn="l"/>
+            <a:r>
+              <a:rPr lang="en-IN" sz="1600" b="0" i="0" u="none" strike="noStrike" baseline="0" dirty="0">
+                <a:latin typeface="Courier"/>
+              </a:rPr>
+              <a:t>images/</a:t>
+            </a:r>
+          </a:p>
+          <a:p>
+            <a:pPr algn="l"/>
+            <a:r>
+              <a:rPr lang="en-IN" sz="1600" b="0" i="0" u="none" strike="noStrike" baseline="0" dirty="0">
+                <a:latin typeface="Courier"/>
+              </a:rPr>
+              <a:t>images/nimf.jpg</a:t>
+            </a:r>
+          </a:p>
+          <a:p>
+            <a:pPr algn="l"/>
+            <a:r>
+              <a:rPr lang="en-IN" sz="1600" b="0" i="0" u="none" strike="noStrike" baseline="0" dirty="0">
+                <a:latin typeface="Courier"/>
+              </a:rPr>
+              <a:t>images/me+tux.jpg</a:t>
+            </a:r>
+          </a:p>
+          <a:p>
+            <a:pPr algn="l"/>
+            <a:r>
+              <a:rPr lang="en-IN" sz="1600" b="0" i="0" u="none" strike="noStrike" baseline="0" dirty="0">
+                <a:latin typeface="Courier"/>
+              </a:rPr>
+              <a:t>gaby:~&gt; </a:t>
+            </a:r>
+            <a:r>
+              <a:rPr lang="en-IN" sz="1600" b="1" i="0" u="none" strike="noStrike" baseline="0" dirty="0">
+                <a:latin typeface="Courier-Bold"/>
+              </a:rPr>
+              <a:t>cd images</a:t>
+            </a:r>
+          </a:p>
+          <a:p>
+            <a:pPr algn="l"/>
+            <a:r>
+              <a:rPr lang="en-US" sz="1600" b="0" i="0" u="none" strike="noStrike" baseline="0" dirty="0" err="1">
+                <a:latin typeface="Courier"/>
+              </a:rPr>
+              <a:t>gaby</a:t>
+            </a:r>
+            <a:r>
+              <a:rPr lang="en-US" sz="1600" b="0" i="0" u="none" strike="noStrike" baseline="0" dirty="0">
+                <a:latin typeface="Courier"/>
+              </a:rPr>
+              <a:t>:~/images&gt; </a:t>
+            </a:r>
+            <a:r>
+              <a:rPr lang="en-US" sz="1600" b="1" i="0" u="none" strike="noStrike" baseline="0" dirty="0">
+                <a:latin typeface="Courier-Bold"/>
+              </a:rPr>
+              <a:t>tar </a:t>
+            </a:r>
+            <a:r>
+              <a:rPr lang="en-US" sz="1600" b="1" i="0" u="none" strike="noStrike" baseline="0" dirty="0" err="1">
+                <a:latin typeface="Courier-Bold"/>
+              </a:rPr>
+              <a:t>cvf</a:t>
+            </a:r>
+            <a:r>
+              <a:rPr lang="en-US" sz="1600" b="1" i="0" u="none" strike="noStrike" baseline="0" dirty="0">
+                <a:latin typeface="Courier-Bold"/>
+              </a:rPr>
+              <a:t> images-without-a-dir.tar *.jpg</a:t>
+            </a:r>
+          </a:p>
+          <a:p>
+            <a:pPr algn="l"/>
+            <a:r>
+              <a:rPr lang="en-IN" sz="1600" b="0" i="0" u="none" strike="noStrike" baseline="0" dirty="0">
+                <a:latin typeface="Courier"/>
+              </a:rPr>
+              <a:t>me+tux.jpg</a:t>
+            </a:r>
+          </a:p>
+          <a:p>
+            <a:pPr algn="l"/>
+            <a:r>
+              <a:rPr lang="en-IN" sz="1600" b="0" i="0" u="none" strike="noStrike" baseline="0" dirty="0">
+                <a:latin typeface="Courier"/>
+              </a:rPr>
+              <a:t>nimf.jpg</a:t>
+            </a:r>
+          </a:p>
+          <a:p>
+            <a:pPr algn="l"/>
+            <a:r>
+              <a:rPr lang="en-IN" sz="1600" b="0" i="0" u="none" strike="noStrike" baseline="0" dirty="0">
+                <a:latin typeface="Courier"/>
+              </a:rPr>
+              <a:t>gaby:~/images&gt; </a:t>
+            </a:r>
+            <a:r>
+              <a:rPr lang="en-IN" sz="1600" b="1" i="0" u="none" strike="noStrike" baseline="0" dirty="0">
+                <a:latin typeface="Courier-Bold"/>
+              </a:rPr>
+              <a:t>cd</a:t>
+            </a:r>
+          </a:p>
+          <a:p>
+            <a:pPr algn="l"/>
+            <a:r>
+              <a:rPr lang="en-IN" sz="1600" b="0" i="0" u="none" strike="noStrike" baseline="0" dirty="0">
+                <a:latin typeface="Courier"/>
+              </a:rPr>
+              <a:t>gaby:~&gt; </a:t>
+            </a:r>
+            <a:r>
+              <a:rPr lang="en-IN" sz="1600" b="1" i="0" u="none" strike="noStrike" baseline="0" dirty="0">
+                <a:latin typeface="Courier-Bold"/>
+              </a:rPr>
+              <a:t>ls */*.tar</a:t>
+            </a:r>
+          </a:p>
+          <a:p>
+            <a:pPr algn="l"/>
+            <a:r>
+              <a:rPr lang="en-IN" sz="1600" b="0" i="0" u="none" strike="noStrike" baseline="0" dirty="0">
+                <a:latin typeface="Courier"/>
+              </a:rPr>
+              <a:t>images/images-without-a-dir.tar</a:t>
+            </a:r>
+          </a:p>
+          <a:p>
+            <a:pPr algn="l"/>
+            <a:r>
+              <a:rPr lang="en-IN" sz="1600" b="0" i="0" u="none" strike="noStrike" baseline="0" dirty="0">
+                <a:latin typeface="Courier"/>
+              </a:rPr>
+              <a:t>gaby:~&gt; </a:t>
+            </a:r>
+            <a:r>
+              <a:rPr lang="en-IN" sz="1600" b="1" i="0" u="none" strike="noStrike" baseline="0" dirty="0">
+                <a:latin typeface="Courier-Bold"/>
+              </a:rPr>
+              <a:t>ls *.tar</a:t>
+            </a:r>
+          </a:p>
+          <a:p>
+            <a:pPr algn="l"/>
+            <a:r>
+              <a:rPr lang="en-IN" sz="1600" b="0" i="0" u="none" strike="noStrike" baseline="0" dirty="0">
+                <a:latin typeface="Courier"/>
+              </a:rPr>
+              <a:t>images-in-a-dir.tar</a:t>
+            </a:r>
+          </a:p>
+          <a:p>
+            <a:pPr algn="l"/>
+            <a:r>
+              <a:rPr lang="en-IN" sz="1600" b="0" i="0" u="none" strike="noStrike" baseline="0" dirty="0">
+                <a:latin typeface="Courier"/>
+              </a:rPr>
+              <a:t>gaby:~&gt; </a:t>
+            </a:r>
+            <a:r>
+              <a:rPr lang="en-IN" sz="1600" b="1" i="0" u="none" strike="noStrike" baseline="0" dirty="0">
+                <a:latin typeface="Courier-Bold"/>
+              </a:rPr>
+              <a:t>tar </a:t>
+            </a:r>
+            <a:r>
+              <a:rPr lang="en-IN" sz="1600" b="1" i="0" u="none" strike="noStrike" baseline="0" dirty="0" err="1">
+                <a:latin typeface="Courier-Bold"/>
+              </a:rPr>
+              <a:t>xvf</a:t>
+            </a:r>
+            <a:r>
+              <a:rPr lang="en-IN" sz="1600" b="1" i="0" u="none" strike="noStrike" baseline="0" dirty="0">
+                <a:latin typeface="Courier-Bold"/>
+              </a:rPr>
+              <a:t> images-in-a-dir.tar</a:t>
+            </a:r>
+          </a:p>
+          <a:p>
+            <a:pPr algn="l"/>
+            <a:r>
+              <a:rPr lang="en-IN" sz="1600" b="0" i="0" u="none" strike="noStrike" baseline="0" dirty="0">
+                <a:latin typeface="Courier"/>
+              </a:rPr>
+              <a:t>images/</a:t>
+            </a:r>
+          </a:p>
+          <a:p>
+            <a:pPr algn="l"/>
+            <a:r>
+              <a:rPr lang="en-IN" sz="1600" b="0" i="0" u="none" strike="noStrike" baseline="0" dirty="0">
+                <a:latin typeface="Courier"/>
+              </a:rPr>
+              <a:t>images/nimf.jpg</a:t>
+            </a:r>
+          </a:p>
+          <a:p>
+            <a:pPr algn="l"/>
+            <a:r>
+              <a:rPr lang="en-IN" sz="1600" b="0" i="0" u="none" strike="noStrike" baseline="0" dirty="0">
+                <a:latin typeface="Courier"/>
+              </a:rPr>
+              <a:t>images/me+tux.jpg</a:t>
+            </a:r>
+          </a:p>
+          <a:p>
+            <a:pPr algn="l"/>
+            <a:r>
+              <a:rPr lang="en-US" sz="1600" b="0" i="0" u="none" strike="noStrike" baseline="0" dirty="0" err="1">
+                <a:latin typeface="Courier"/>
+              </a:rPr>
+              <a:t>gaby</a:t>
+            </a:r>
+            <a:r>
+              <a:rPr lang="en-US" sz="1600" b="0" i="0" u="none" strike="noStrike" baseline="0" dirty="0">
+                <a:latin typeface="Courier"/>
+              </a:rPr>
+              <a:t>:~&gt; </a:t>
+            </a:r>
+            <a:r>
+              <a:rPr lang="en-US" sz="1600" b="1" i="0" u="none" strike="noStrike" baseline="0" dirty="0">
+                <a:latin typeface="Courier-Bold"/>
+              </a:rPr>
+              <a:t>tar </a:t>
+            </a:r>
+            <a:r>
+              <a:rPr lang="en-US" sz="1600" b="1" i="0" u="none" strike="noStrike" baseline="0" dirty="0" err="1">
+                <a:latin typeface="Courier-Bold"/>
+              </a:rPr>
+              <a:t>tvf</a:t>
+            </a:r>
+            <a:r>
+              <a:rPr lang="en-US" sz="1600" b="1" i="0" u="none" strike="noStrike" baseline="0" dirty="0">
+                <a:latin typeface="Courier-Bold"/>
+              </a:rPr>
+              <a:t> images/images-without-dir.tar</a:t>
+            </a:r>
+          </a:p>
+          <a:p>
+            <a:pPr algn="l"/>
+            <a:endParaRPr lang="en-IN" dirty="0"/>
+          </a:p>
+        </p:txBody>
+      </p:sp>
+      <p:sp>
+        <p:nvSpPr>
+          <p:cNvPr id="2" name="Rectangle 1">
+            <a:extLst>
+              <a:ext uri="{FF2B5EF4-FFF2-40B4-BE49-F238E27FC236}">
+                <a16:creationId xmlns:a16="http://schemas.microsoft.com/office/drawing/2014/main" id="{90DF7DCC-68C6-41E1-8EA6-9A99C826DD6F}"/>
+              </a:ext>
+            </a:extLst>
+          </p:cNvPr>
+          <p:cNvSpPr/>
+          <p:nvPr/>
+        </p:nvSpPr>
+        <p:spPr>
+          <a:xfrm>
+            <a:off x="0" y="0"/>
+            <a:ext cx="4839658" cy="523220"/>
+          </a:xfrm>
+          <a:prstGeom prst="rect">
+            <a:avLst/>
+          </a:prstGeom>
+        </p:spPr>
+        <p:txBody>
+          <a:bodyPr wrap="none">
+            <a:spAutoFit/>
+          </a:bodyPr>
+          <a:lstStyle/>
+          <a:p>
+            <a:r>
+              <a:rPr lang="en-US" sz="2800" b="1" dirty="0">
+                <a:latin typeface="Times-Bold"/>
+              </a:rPr>
               <a:t>Use GNU tar for compatibility</a:t>
             </a:r>
-          </a:p>
-          <a:p>
-            <a:pPr algn="l"/>
-            <a:r>
-              <a:rPr lang="en-US" sz="1800" b="0" i="0" u="none" strike="noStrike" baseline="0" dirty="0">
-                <a:latin typeface="Times-Roman"/>
-              </a:rPr>
-              <a:t>The archives made with a proprietary </a:t>
-            </a:r>
-            <a:r>
-              <a:rPr lang="en-US" sz="1800" b="1" i="0" u="none" strike="noStrike" baseline="0" dirty="0">
-                <a:latin typeface="Times-Bold"/>
-              </a:rPr>
-              <a:t>tar </a:t>
-            </a:r>
-            <a:r>
-              <a:rPr lang="en-US" sz="1800" b="0" i="0" u="none" strike="noStrike" baseline="0" dirty="0">
-                <a:latin typeface="Times-Roman"/>
-              </a:rPr>
-              <a:t>version on one system, may be incompatible with </a:t>
-            </a:r>
-            <a:r>
-              <a:rPr lang="en-US" sz="1800" b="1" i="0" u="none" strike="noStrike" baseline="0" dirty="0">
-                <a:latin typeface="Times-Bold"/>
-              </a:rPr>
-              <a:t>tar </a:t>
-            </a:r>
-            <a:r>
-              <a:rPr lang="en-US" sz="1800" b="0" i="0" u="none" strike="noStrike" baseline="0" dirty="0">
-                <a:latin typeface="Times-Roman"/>
-              </a:rPr>
-              <a:t>on</a:t>
-            </a:r>
-          </a:p>
-          <a:p>
-            <a:pPr algn="l"/>
-            <a:r>
-              <a:rPr lang="en-US" sz="1800" b="0" i="0" u="none" strike="noStrike" baseline="0" dirty="0">
-                <a:latin typeface="Times-Roman"/>
-              </a:rPr>
-              <a:t>another proprietary system. This may cause much headaches, such as if the archive needs to be recovered on a system that doesn't exist anymore. Use the GNU </a:t>
-            </a:r>
-            <a:r>
-              <a:rPr lang="en-US" sz="1800" b="1" i="0" u="none" strike="noStrike" baseline="0" dirty="0">
-                <a:latin typeface="Times-Bold"/>
-              </a:rPr>
-              <a:t>tar </a:t>
-            </a:r>
-            <a:r>
-              <a:rPr lang="en-US" sz="1800" b="0" i="0" u="none" strike="noStrike" baseline="0" dirty="0">
-                <a:latin typeface="Times-Roman"/>
-              </a:rPr>
-              <a:t>version on all systems to prevent your system</a:t>
-            </a:r>
-          </a:p>
-          <a:p>
-            <a:pPr algn="l"/>
-            <a:r>
-              <a:rPr lang="en-US" sz="1800" b="0" i="0" u="none" strike="noStrike" baseline="0" dirty="0">
-                <a:latin typeface="Times-Roman"/>
-              </a:rPr>
-              <a:t>admin from bursting into tears. Linux always uses GNU tar. When working on other UNIX machines,</a:t>
-            </a:r>
-          </a:p>
-          <a:p>
-            <a:pPr algn="l"/>
-            <a:r>
-              <a:rPr lang="en-US" sz="1800" b="0" i="0" u="none" strike="noStrike" baseline="0" dirty="0">
-                <a:latin typeface="Times-Roman"/>
-              </a:rPr>
-              <a:t>enter </a:t>
-            </a:r>
-            <a:r>
-              <a:rPr lang="en-US" sz="1800" b="1" i="0" u="none" strike="noStrike" baseline="0" dirty="0">
-                <a:latin typeface="Times-Bold"/>
-              </a:rPr>
-              <a:t>tar </a:t>
-            </a:r>
-            <a:r>
-              <a:rPr lang="en-US" sz="1800" b="1" i="0" u="none" strike="noStrike" baseline="0" dirty="0">
-                <a:latin typeface="Courier-Bold"/>
-              </a:rPr>
-              <a:t>--help </a:t>
-            </a:r>
-            <a:r>
-              <a:rPr lang="en-US" sz="1800" b="0" i="0" u="none" strike="noStrike" baseline="0" dirty="0">
-                <a:latin typeface="Times-Roman"/>
-              </a:rPr>
-              <a:t>to find out which version you are using. Contact your system admin if you don't see</a:t>
-            </a:r>
-          </a:p>
-          <a:p>
-            <a:pPr algn="l"/>
-            <a:r>
-              <a:rPr lang="en-IN" sz="1800" b="0" i="0" u="none" strike="noStrike" baseline="0" dirty="0">
-                <a:latin typeface="Times-Roman"/>
-              </a:rPr>
-              <a:t>the word GNU somewhere.</a:t>
-            </a:r>
-          </a:p>
-          <a:p>
-            <a:pPr algn="l"/>
-            <a:r>
-              <a:rPr lang="en-US" sz="1800" b="0" i="0" u="none" strike="noStrike" baseline="0" dirty="0">
-                <a:latin typeface="Times-Roman"/>
-              </a:rPr>
-              <a:t>In the example below, an archive is created and unpacked.</a:t>
-            </a:r>
-          </a:p>
-          <a:p>
-            <a:pPr algn="l"/>
-            <a:r>
-              <a:rPr lang="en-IN" sz="1800" b="0" i="0" u="none" strike="noStrike" baseline="0" dirty="0">
-                <a:latin typeface="Courier"/>
-              </a:rPr>
-              <a:t>gaby:~&gt; </a:t>
-            </a:r>
-            <a:r>
-              <a:rPr lang="en-IN" sz="1800" b="1" i="0" u="none" strike="noStrike" baseline="0" dirty="0">
-                <a:latin typeface="Courier-Bold"/>
-              </a:rPr>
-              <a:t>ls images/</a:t>
-            </a:r>
-          </a:p>
-          <a:p>
-            <a:pPr algn="l"/>
-            <a:r>
-              <a:rPr lang="nl-NL" sz="1800" b="0" i="0" u="none" strike="noStrike" baseline="0" dirty="0">
-                <a:latin typeface="Courier"/>
-              </a:rPr>
-              <a:t>me+tux.jpg nimf.jpg</a:t>
-            </a:r>
-          </a:p>
-          <a:p>
-            <a:pPr algn="l"/>
-            <a:r>
-              <a:rPr lang="en-IN" sz="1800" b="0" i="0" u="none" strike="noStrike" baseline="0" dirty="0">
-                <a:latin typeface="Courier"/>
-              </a:rPr>
-              <a:t>gaby:~&gt; </a:t>
-            </a:r>
-            <a:r>
-              <a:rPr lang="en-IN" sz="1800" b="1" i="0" u="none" strike="noStrike" baseline="0" dirty="0">
-                <a:latin typeface="Courier-Bold"/>
-              </a:rPr>
-              <a:t>tar </a:t>
-            </a:r>
-            <a:r>
-              <a:rPr lang="en-IN" sz="1800" b="1" i="0" u="none" strike="noStrike" baseline="0" dirty="0" err="1">
-                <a:latin typeface="Courier-Bold"/>
-              </a:rPr>
-              <a:t>cvf</a:t>
-            </a:r>
-            <a:r>
-              <a:rPr lang="en-IN" sz="1800" b="1" i="0" u="none" strike="noStrike" baseline="0" dirty="0">
-                <a:latin typeface="Courier-Bold"/>
-              </a:rPr>
-              <a:t> images-in-a-dir.tar images/</a:t>
-            </a:r>
-          </a:p>
-          <a:p>
-            <a:pPr algn="l"/>
-            <a:r>
-              <a:rPr lang="en-IN" sz="1800" b="0" i="0" u="none" strike="noStrike" baseline="0" dirty="0">
-                <a:latin typeface="Courier"/>
-              </a:rPr>
-              <a:t>images/</a:t>
-            </a:r>
-          </a:p>
-          <a:p>
-            <a:pPr algn="l"/>
-            <a:r>
-              <a:rPr lang="en-IN" sz="1800" b="0" i="0" u="none" strike="noStrike" baseline="0" dirty="0">
-                <a:latin typeface="Courier"/>
-              </a:rPr>
-              <a:t>images/nimf.jpg</a:t>
-            </a:r>
-          </a:p>
-          <a:p>
-            <a:pPr algn="l"/>
-            <a:r>
-              <a:rPr lang="en-IN" sz="1800" b="0" i="0" u="none" strike="noStrike" baseline="0" dirty="0">
-                <a:latin typeface="Courier"/>
-              </a:rPr>
-              <a:t>images/me+tux.jpg</a:t>
-            </a:r>
-          </a:p>
-          <a:p>
-            <a:pPr algn="l"/>
-            <a:r>
-              <a:rPr lang="en-IN" sz="1800" b="0" i="0" u="none" strike="noStrike" baseline="0" dirty="0">
-                <a:latin typeface="Courier"/>
-              </a:rPr>
-              <a:t>gaby:~&gt; </a:t>
-            </a:r>
-            <a:r>
-              <a:rPr lang="en-IN" sz="1800" b="1" i="0" u="none" strike="noStrike" baseline="0" dirty="0">
-                <a:latin typeface="Courier-Bold"/>
-              </a:rPr>
-              <a:t>cd images</a:t>
-            </a:r>
-          </a:p>
-          <a:p>
-            <a:pPr algn="l"/>
-            <a:r>
-              <a:rPr lang="en-US" sz="1800" b="0" i="0" u="none" strike="noStrike" baseline="0" dirty="0" err="1">
-                <a:latin typeface="Courier"/>
-              </a:rPr>
-              <a:t>gaby</a:t>
-            </a:r>
-            <a:r>
-              <a:rPr lang="en-US" sz="1800" b="0" i="0" u="none" strike="noStrike" baseline="0" dirty="0">
-                <a:latin typeface="Courier"/>
-              </a:rPr>
-              <a:t>:~/images&gt; </a:t>
-            </a:r>
-            <a:r>
-              <a:rPr lang="en-US" sz="1800" b="1" i="0" u="none" strike="noStrike" baseline="0" dirty="0">
-                <a:latin typeface="Courier-Bold"/>
-              </a:rPr>
-              <a:t>tar </a:t>
-            </a:r>
-            <a:r>
-              <a:rPr lang="en-US" sz="1800" b="1" i="0" u="none" strike="noStrike" baseline="0" dirty="0" err="1">
-                <a:latin typeface="Courier-Bold"/>
-              </a:rPr>
-              <a:t>cvf</a:t>
-            </a:r>
-            <a:r>
-              <a:rPr lang="en-US" sz="1800" b="1" i="0" u="none" strike="noStrike" baseline="0" dirty="0">
-                <a:latin typeface="Courier-Bold"/>
-              </a:rPr>
-              <a:t> images-without-a-dir.tar *.jpg</a:t>
-            </a:r>
-          </a:p>
-          <a:p>
-            <a:pPr algn="l"/>
-            <a:r>
-              <a:rPr lang="en-IN" sz="1800" b="0" i="0" u="none" strike="noStrike" baseline="0" dirty="0">
-                <a:latin typeface="Courier"/>
-              </a:rPr>
-              <a:t>me+tux.jpg</a:t>
-            </a:r>
-          </a:p>
-          <a:p>
-            <a:pPr algn="l"/>
-            <a:r>
-              <a:rPr lang="en-IN" sz="1800" b="0" i="0" u="none" strike="noStrike" baseline="0" dirty="0">
-                <a:latin typeface="Courier"/>
-              </a:rPr>
-              <a:t>nimf.jpg</a:t>
-            </a:r>
-          </a:p>
-          <a:p>
-            <a:pPr algn="l"/>
-            <a:r>
-              <a:rPr lang="en-IN" sz="1800" b="0" i="0" u="none" strike="noStrike" baseline="0" dirty="0">
-                <a:latin typeface="Courier"/>
-              </a:rPr>
-              <a:t>gaby:~/images&gt; </a:t>
-            </a:r>
-            <a:r>
-              <a:rPr lang="en-IN" sz="1800" b="1" i="0" u="none" strike="noStrike" baseline="0" dirty="0">
-                <a:latin typeface="Courier-Bold"/>
-              </a:rPr>
-              <a:t>cd</a:t>
-            </a:r>
-          </a:p>
-          <a:p>
-            <a:pPr algn="l"/>
-            <a:r>
-              <a:rPr lang="en-IN" sz="1800" b="0" i="0" u="none" strike="noStrike" baseline="0" dirty="0">
-                <a:latin typeface="Courier"/>
-              </a:rPr>
-              <a:t>gaby:~&gt; </a:t>
-            </a:r>
-            <a:r>
-              <a:rPr lang="en-IN" sz="1800" b="1" i="0" u="none" strike="noStrike" baseline="0" dirty="0">
-                <a:latin typeface="Courier-Bold"/>
-              </a:rPr>
-              <a:t>ls */*.tar</a:t>
-            </a:r>
-          </a:p>
-          <a:p>
-            <a:pPr algn="l"/>
-            <a:r>
-              <a:rPr lang="en-IN" sz="1800" b="0" i="0" u="none" strike="noStrike" baseline="0" dirty="0">
-                <a:latin typeface="Courier"/>
-              </a:rPr>
-              <a:t>images/images-without-a-dir.tar</a:t>
-            </a:r>
-          </a:p>
-          <a:p>
-            <a:pPr algn="l"/>
-            <a:r>
-              <a:rPr lang="en-IN" sz="1800" b="0" i="0" u="none" strike="noStrike" baseline="0" dirty="0">
-                <a:latin typeface="Courier"/>
-              </a:rPr>
-              <a:t>gaby:~&gt; </a:t>
-            </a:r>
-            <a:r>
-              <a:rPr lang="en-IN" sz="1800" b="1" i="0" u="none" strike="noStrike" baseline="0" dirty="0">
-                <a:latin typeface="Courier-Bold"/>
-              </a:rPr>
-              <a:t>ls *.tar</a:t>
-            </a:r>
-          </a:p>
-          <a:p>
-            <a:pPr algn="l"/>
-            <a:r>
-              <a:rPr lang="en-IN" sz="1800" b="0" i="0" u="none" strike="noStrike" baseline="0" dirty="0">
-                <a:latin typeface="Courier"/>
-              </a:rPr>
-              <a:t>images-in-a-dir.tar</a:t>
-            </a:r>
-          </a:p>
-          <a:p>
-            <a:pPr algn="l"/>
-            <a:r>
-              <a:rPr lang="en-IN" sz="1800" b="0" i="0" u="none" strike="noStrike" baseline="0" dirty="0">
-                <a:latin typeface="Courier"/>
-              </a:rPr>
-              <a:t>gaby:~&gt; </a:t>
-            </a:r>
-            <a:r>
-              <a:rPr lang="en-IN" sz="1800" b="1" i="0" u="none" strike="noStrike" baseline="0" dirty="0">
-                <a:latin typeface="Courier-Bold"/>
-              </a:rPr>
-              <a:t>tar </a:t>
-            </a:r>
-            <a:r>
-              <a:rPr lang="en-IN" sz="1800" b="1" i="0" u="none" strike="noStrike" baseline="0" dirty="0" err="1">
-                <a:latin typeface="Courier-Bold"/>
-              </a:rPr>
-              <a:t>xvf</a:t>
-            </a:r>
-            <a:r>
-              <a:rPr lang="en-IN" sz="1800" b="1" i="0" u="none" strike="noStrike" baseline="0" dirty="0">
-                <a:latin typeface="Courier-Bold"/>
-              </a:rPr>
-              <a:t> images-in-a-dir.tar</a:t>
-            </a:r>
-          </a:p>
-          <a:p>
-            <a:pPr algn="l"/>
-            <a:r>
-              <a:rPr lang="en-IN" sz="1800" b="0" i="0" u="none" strike="noStrike" baseline="0" dirty="0">
-                <a:latin typeface="Courier"/>
-              </a:rPr>
-              <a:t>images/</a:t>
-            </a:r>
-          </a:p>
-          <a:p>
-            <a:pPr algn="l"/>
-            <a:r>
-              <a:rPr lang="en-IN" sz="1800" b="0" i="0" u="none" strike="noStrike" baseline="0" dirty="0">
-                <a:latin typeface="Courier"/>
-              </a:rPr>
-              <a:t>images/nimf.jpg</a:t>
-            </a:r>
-          </a:p>
-          <a:p>
-            <a:pPr algn="l"/>
-            <a:r>
-              <a:rPr lang="en-IN" sz="1800" b="0" i="0" u="none" strike="noStrike" baseline="0" dirty="0">
-                <a:latin typeface="Courier"/>
-              </a:rPr>
-              <a:t>images/me+tux.jpg</a:t>
-            </a:r>
-          </a:p>
-          <a:p>
-            <a:pPr algn="l"/>
-            <a:r>
-              <a:rPr lang="en-US" sz="1800" b="0" i="0" u="none" strike="noStrike" baseline="0" dirty="0" err="1">
-                <a:latin typeface="Courier"/>
-              </a:rPr>
-              <a:t>gaby</a:t>
-            </a:r>
-            <a:r>
-              <a:rPr lang="en-US" sz="1800" b="0" i="0" u="none" strike="noStrike" baseline="0" dirty="0">
-                <a:latin typeface="Courier"/>
-              </a:rPr>
-              <a:t>:~&gt; </a:t>
-            </a:r>
-            <a:r>
-              <a:rPr lang="en-US" sz="1800" b="1" i="0" u="none" strike="noStrike" baseline="0" dirty="0">
-                <a:latin typeface="Courier-Bold"/>
-              </a:rPr>
-              <a:t>tar </a:t>
-            </a:r>
-            <a:r>
-              <a:rPr lang="en-US" sz="1800" b="1" i="0" u="none" strike="noStrike" baseline="0" dirty="0" err="1">
-                <a:latin typeface="Courier-Bold"/>
-              </a:rPr>
-              <a:t>tvf</a:t>
-            </a:r>
-            <a:r>
-              <a:rPr lang="en-US" sz="1800" b="1" i="0" u="none" strike="noStrike" baseline="0" dirty="0">
-                <a:latin typeface="Courier-Bold"/>
-              </a:rPr>
-              <a:t> images/images-without-dir.tar</a:t>
-            </a:r>
-          </a:p>
-          <a:p>
-            <a:pPr algn="l"/>
-            <a:r>
-              <a:rPr lang="pt-BR" sz="1800" b="0" i="0" u="none" strike="noStrike" baseline="0" dirty="0">
-                <a:latin typeface="Courier"/>
-              </a:rPr>
-              <a:t>-rw-r--r-- gaby/gaby 42888 1999-06-30 20:52:25 me+tux.jpg</a:t>
-            </a:r>
-          </a:p>
-          <a:p>
-            <a:pPr algn="l"/>
-            <a:r>
-              <a:rPr lang="pl-PL" sz="1800" b="0" i="0" u="none" strike="noStrike" baseline="0" dirty="0">
-                <a:latin typeface="Courier"/>
-              </a:rPr>
-              <a:t>-rw-r--r-- gaby/gaby 7578 2000-01-26 12:58:46 nimf.jpg</a:t>
-            </a:r>
-          </a:p>
-          <a:p>
-            <a:pPr algn="l"/>
-            <a:r>
-              <a:rPr lang="en-US" sz="1800" b="0" i="0" u="none" strike="noStrike" baseline="0" dirty="0" err="1">
-                <a:latin typeface="Courier"/>
-              </a:rPr>
-              <a:t>gaby</a:t>
-            </a:r>
-            <a:r>
-              <a:rPr lang="en-US" sz="1800" b="0" i="0" u="none" strike="noStrike" baseline="0" dirty="0">
-                <a:latin typeface="Courier"/>
-              </a:rPr>
-              <a:t>:~&gt; </a:t>
-            </a:r>
-            <a:r>
-              <a:rPr lang="en-US" sz="1800" b="1" i="0" u="none" strike="noStrike" baseline="0" dirty="0">
-                <a:latin typeface="Courier-Bold"/>
-              </a:rPr>
-              <a:t>tar </a:t>
-            </a:r>
-            <a:r>
-              <a:rPr lang="en-US" sz="1800" b="1" i="0" u="none" strike="noStrike" baseline="0" dirty="0" err="1">
-                <a:latin typeface="Courier-Bold"/>
-              </a:rPr>
-              <a:t>xvf</a:t>
-            </a:r>
-            <a:r>
-              <a:rPr lang="en-US" sz="1800" b="1" i="0" u="none" strike="noStrike" baseline="0" dirty="0">
-                <a:latin typeface="Courier-Bold"/>
-              </a:rPr>
-              <a:t> images/images-without-a-dir.tar</a:t>
-            </a:r>
-          </a:p>
-          <a:p>
-            <a:pPr algn="l"/>
-            <a:r>
-              <a:rPr lang="en-IN" sz="1800" b="0" i="0" u="none" strike="noStrike" baseline="0" dirty="0">
-                <a:latin typeface="Courier"/>
-              </a:rPr>
-              <a:t>me+tux.jpg</a:t>
-            </a:r>
-          </a:p>
-          <a:p>
-            <a:pPr algn="l"/>
-            <a:r>
-              <a:rPr lang="en-IN" sz="1800" b="0" i="0" u="none" strike="noStrike" baseline="0" dirty="0">
-                <a:latin typeface="Courier"/>
-              </a:rPr>
-              <a:t>nimf.jpg</a:t>
-            </a:r>
-          </a:p>
-          <a:p>
-            <a:pPr algn="l"/>
-            <a:r>
-              <a:rPr lang="en-IN" sz="1800" b="0" i="0" u="none" strike="noStrike" baseline="0" dirty="0">
-                <a:latin typeface="Courier"/>
-              </a:rPr>
-              <a:t>gaby:~&gt; </a:t>
-            </a:r>
-            <a:r>
-              <a:rPr lang="en-IN" sz="1800" b="1" i="0" u="none" strike="noStrike" baseline="0" dirty="0">
-                <a:latin typeface="Courier-Bold"/>
-              </a:rPr>
-              <a:t>ls *.jpg</a:t>
-            </a:r>
-          </a:p>
-          <a:p>
-            <a:pPr algn="l"/>
-            <a:r>
-              <a:rPr lang="nl-NL" sz="1800" b="0" i="0" u="none" strike="noStrike" baseline="0" dirty="0">
-                <a:latin typeface="Courier"/>
-              </a:rPr>
-              <a:t>me+tux.jpg nimf.jpg</a:t>
-            </a:r>
-            <a:endParaRPr lang="en-IN" dirty="0"/>
           </a:p>
         </p:txBody>
       </p:sp>
@@ -10556,8 +10334,8 @@
         </p:nvSpPr>
         <p:spPr>
           <a:xfrm>
-            <a:off x="3048802" y="1169249"/>
-            <a:ext cx="6097604" cy="4524315"/>
+            <a:off x="0" y="3319251"/>
+            <a:ext cx="11896627" cy="2031325"/>
           </a:xfrm>
           <a:prstGeom prst="rect">
             <a:avLst/>
@@ -10570,85 +10348,61 @@
           </a:bodyPr>
           <a:lstStyle/>
           <a:p>
-            <a:pPr algn="l"/>
+            <a:pPr algn="just"/>
             <a:r>
               <a:rPr lang="en-US" sz="1800" b="0" i="0" u="none" strike="noStrike" baseline="0" dirty="0">
                 <a:latin typeface="Times-Roman"/>
               </a:rPr>
-              <a:t>This example also illustrates the difference between a tarred directory and a bunch of tarred files. It is</a:t>
-            </a:r>
-          </a:p>
-          <a:p>
-            <a:pPr algn="l"/>
+              <a:t>This example also illustrates the difference between a tarred directory and a bunch of tarred files. It is advisable to only compress directories, so files don't get spread all over when unpacking the </a:t>
+            </a:r>
+            <a:r>
+              <a:rPr lang="en-US" sz="1800" b="0" i="0" u="none" strike="noStrike" baseline="0" dirty="0" err="1">
+                <a:latin typeface="Times-Roman"/>
+              </a:rPr>
+              <a:t>tarball</a:t>
+            </a:r>
             <a:r>
               <a:rPr lang="en-US" sz="1800" b="0" i="0" u="none" strike="noStrike" baseline="0" dirty="0">
                 <a:latin typeface="Times-Roman"/>
               </a:rPr>
-              <a:t>advisable to only compress directories, so files don't get spread all over when unpacking the </a:t>
-            </a:r>
-            <a:r>
-              <a:rPr lang="en-US" sz="1800" b="0" i="0" u="none" strike="noStrike" baseline="0" dirty="0" err="1">
-                <a:latin typeface="Times-Roman"/>
-              </a:rPr>
-              <a:t>tarball</a:t>
-            </a:r>
+              <a:t> (which may be on another system, where you may not know which files were already there and which are the ones </a:t>
+            </a:r>
+            <a:r>
+              <a:rPr lang="en-IN" sz="1800" b="0" i="0" u="none" strike="noStrike" baseline="0" dirty="0">
+                <a:latin typeface="Times-Roman"/>
+              </a:rPr>
+              <a:t>from the archive).</a:t>
+            </a:r>
+          </a:p>
+          <a:p>
+            <a:pPr algn="just"/>
+            <a:endParaRPr lang="en-US" sz="1800" b="0" i="0" u="none" strike="noStrike" baseline="0" dirty="0">
+              <a:latin typeface="Times-Roman"/>
+            </a:endParaRPr>
+          </a:p>
+          <a:p>
+            <a:pPr algn="just"/>
             <a:r>
               <a:rPr lang="en-US" sz="1800" b="0" i="0" u="none" strike="noStrike" baseline="0" dirty="0">
                 <a:latin typeface="Times-Roman"/>
               </a:rPr>
-              <a:t> (which</a:t>
-            </a:r>
-          </a:p>
-          <a:p>
-            <a:pPr algn="l"/>
+              <a:t>When a tape drive is connected to your machine and configured by your system administrator, the file names ending in </a:t>
+            </a:r>
             <a:r>
               <a:rPr lang="en-US" sz="1800" b="0" i="0" u="none" strike="noStrike" baseline="0" dirty="0">
-                <a:latin typeface="Times-Roman"/>
-              </a:rPr>
-              <a:t>may be on another system, where you may not know which files were already there and which are the ones</a:t>
-            </a:r>
-          </a:p>
-          <a:p>
-            <a:pPr algn="l"/>
-            <a:r>
-              <a:rPr lang="en-IN" sz="1800" b="0" i="0" u="none" strike="noStrike" baseline="0" dirty="0">
-                <a:latin typeface="Times-Roman"/>
-              </a:rPr>
-              <a:t>from the archive).</a:t>
-            </a:r>
-          </a:p>
-          <a:p>
-            <a:pPr algn="l"/>
+                <a:latin typeface="Courier"/>
+              </a:rPr>
+              <a:t>.tar </a:t>
+            </a:r>
             <a:r>
               <a:rPr lang="en-US" sz="1800" b="0" i="0" u="none" strike="noStrike" baseline="0" dirty="0">
                 <a:latin typeface="Times-Roman"/>
               </a:rPr>
-              <a:t>When a tape drive is connected to your machine and configured by your system administrator, the file names</a:t>
-            </a:r>
-          </a:p>
-          <a:p>
-            <a:pPr algn="l"/>
-            <a:r>
-              <a:rPr lang="en-US" sz="1800" b="0" i="0" u="none" strike="noStrike" baseline="0" dirty="0">
-                <a:latin typeface="Times-Roman"/>
-              </a:rPr>
-              <a:t>ending in </a:t>
-            </a:r>
-            <a:r>
-              <a:rPr lang="en-US" sz="1800" b="0" i="0" u="none" strike="noStrike" baseline="0" dirty="0">
-                <a:latin typeface="Courier"/>
-              </a:rPr>
-              <a:t>.tar </a:t>
-            </a:r>
-            <a:r>
-              <a:rPr lang="en-US" sz="1800" b="0" i="0" u="none" strike="noStrike" baseline="0" dirty="0">
-                <a:latin typeface="Times-Roman"/>
-              </a:rPr>
               <a:t>are replaced with the tape device name, for example:</a:t>
             </a:r>
           </a:p>
           <a:p>
-            <a:pPr algn="l"/>
+            <a:pPr algn="just"/>
             <a:r>
               <a:rPr lang="nb-NO" sz="1800" b="1" i="0" u="none" strike="noStrike" baseline="0" dirty="0">
                 <a:latin typeface="Times-Bold"/>
@@ -10662,36 +10416,126 @@
               <a:t>cvf /dev/tape mail/</a:t>
             </a:r>
           </a:p>
-          <a:p>
-            <a:pPr algn="l"/>
-            <a:r>
-              <a:rPr lang="en-US" sz="1800" b="0" i="0" u="none" strike="noStrike" baseline="0" dirty="0">
-                <a:latin typeface="Times-Roman"/>
-              </a:rPr>
-              <a:t>The directory </a:t>
-            </a:r>
-            <a:r>
-              <a:rPr lang="en-US" sz="1800" b="0" i="0" u="none" strike="noStrike" baseline="0" dirty="0">
-                <a:latin typeface="Courier"/>
-              </a:rPr>
-              <a:t>mail </a:t>
-            </a:r>
-            <a:r>
-              <a:rPr lang="en-US" sz="1800" b="0" i="0" u="none" strike="noStrike" baseline="0" dirty="0">
-                <a:latin typeface="Times-Roman"/>
-              </a:rPr>
-              <a:t>and all the files it contains are compressed into a file that is written on the tape</a:t>
-            </a:r>
-          </a:p>
-          <a:p>
-            <a:pPr algn="l"/>
-            <a:r>
-              <a:rPr lang="en-US" sz="1800" b="0" i="0" u="none" strike="noStrike" baseline="0" dirty="0">
-                <a:latin typeface="Times-Roman"/>
-              </a:rPr>
-              <a:t>immediately. A content listing is displayed because we used the verbose option.</a:t>
-            </a:r>
-            <a:endParaRPr lang="en-IN" dirty="0"/>
+        </p:txBody>
+      </p:sp>
+      <p:sp>
+        <p:nvSpPr>
+          <p:cNvPr id="2" name="Rectangle 1">
+            <a:extLst>
+              <a:ext uri="{FF2B5EF4-FFF2-40B4-BE49-F238E27FC236}">
+                <a16:creationId xmlns:a16="http://schemas.microsoft.com/office/drawing/2014/main" id="{E35FF136-789E-4ED9-99AD-D105620F73AD}"/>
+              </a:ext>
+            </a:extLst>
+          </p:cNvPr>
+          <p:cNvSpPr/>
+          <p:nvPr/>
+        </p:nvSpPr>
+        <p:spPr>
+          <a:xfrm>
+            <a:off x="0" y="512799"/>
+            <a:ext cx="6096000" cy="2308324"/>
+          </a:xfrm>
+          <a:prstGeom prst="rect">
+            <a:avLst/>
+          </a:prstGeom>
+        </p:spPr>
+        <p:txBody>
+          <a:bodyPr>
+            <a:spAutoFit/>
+          </a:bodyPr>
+          <a:lstStyle/>
+          <a:p>
+            <a:r>
+              <a:rPr lang="pt-BR" sz="1600" dirty="0">
+                <a:latin typeface="Courier"/>
+              </a:rPr>
+              <a:t>-rw-r--r-- gaby/gaby 42888 1999-06-30 20:52:25 me+tux.jpg</a:t>
+            </a:r>
+          </a:p>
+          <a:p>
+            <a:r>
+              <a:rPr lang="pl-PL" sz="1600" dirty="0">
+                <a:latin typeface="Courier"/>
+              </a:rPr>
+              <a:t>-rw-r--r-- gaby/gaby 7578 2000-01-26 12:58:46 nimf.jpg</a:t>
+            </a:r>
+          </a:p>
+          <a:p>
+            <a:r>
+              <a:rPr lang="en-US" sz="1600" dirty="0" err="1">
+                <a:latin typeface="Courier"/>
+              </a:rPr>
+              <a:t>gaby</a:t>
+            </a:r>
+            <a:r>
+              <a:rPr lang="en-US" sz="1600" dirty="0">
+                <a:latin typeface="Courier"/>
+              </a:rPr>
+              <a:t>:~&gt; </a:t>
+            </a:r>
+            <a:r>
+              <a:rPr lang="en-US" sz="1600" b="1" dirty="0">
+                <a:latin typeface="Courier-Bold"/>
+              </a:rPr>
+              <a:t>tar </a:t>
+            </a:r>
+            <a:r>
+              <a:rPr lang="en-US" sz="1600" b="1" dirty="0" err="1">
+                <a:latin typeface="Courier-Bold"/>
+              </a:rPr>
+              <a:t>xvf</a:t>
+            </a:r>
+            <a:r>
+              <a:rPr lang="en-US" sz="1600" b="1" dirty="0">
+                <a:latin typeface="Courier-Bold"/>
+              </a:rPr>
+              <a:t> images/images-without-a-dir.tar</a:t>
+            </a:r>
+          </a:p>
+          <a:p>
+            <a:r>
+              <a:rPr lang="en-IN" sz="1600" dirty="0">
+                <a:latin typeface="Courier"/>
+              </a:rPr>
+              <a:t>me+tux.jpg</a:t>
+            </a:r>
+          </a:p>
+          <a:p>
+            <a:r>
+              <a:rPr lang="en-IN" sz="1600" dirty="0">
+                <a:latin typeface="Courier"/>
+              </a:rPr>
+              <a:t>nimf.jpg</a:t>
+            </a:r>
+          </a:p>
+          <a:p>
+            <a:r>
+              <a:rPr lang="en-IN" sz="1600" dirty="0" err="1">
+                <a:latin typeface="Courier"/>
+              </a:rPr>
+              <a:t>gaby</a:t>
+            </a:r>
+            <a:r>
+              <a:rPr lang="en-IN" sz="1600" dirty="0">
+                <a:latin typeface="Courier"/>
+              </a:rPr>
+              <a:t>:~&gt; </a:t>
+            </a:r>
+            <a:r>
+              <a:rPr lang="en-IN" sz="1600" b="1" dirty="0">
+                <a:latin typeface="Courier-Bold"/>
+              </a:rPr>
+              <a:t>ls *.jpg</a:t>
+            </a:r>
+          </a:p>
+          <a:p>
+            <a:r>
+              <a:rPr lang="nl-NL" sz="1600" dirty="0">
+                <a:latin typeface="Courier"/>
+              </a:rPr>
+              <a:t>me+tux.jpg nimf.jpg</a:t>
+            </a:r>
+            <a:endParaRPr lang="en-US" sz="1600" dirty="0"/>
           </a:p>
         </p:txBody>
       </p:sp>
@@ -10739,8 +10583,8 @@
         </p:nvSpPr>
         <p:spPr>
           <a:xfrm>
-            <a:off x="-1" y="-1462241"/>
-            <a:ext cx="12050829" cy="7694414"/>
+            <a:off x="0" y="523220"/>
+            <a:ext cx="12050829" cy="6401753"/>
           </a:xfrm>
           <a:prstGeom prst="rect">
             <a:avLst/>
@@ -10753,542 +10597,364 @@
           </a:bodyPr>
           <a:lstStyle/>
           <a:p>
-            <a:pPr algn="l"/>
+            <a:pPr algn="just"/>
+            <a:r>
+              <a:rPr lang="en-US" sz="1800" b="0" i="0" u="none" strike="noStrike" baseline="0" dirty="0">
+                <a:latin typeface="Times-Roman"/>
+              </a:rPr>
+              <a:t>The </a:t>
+            </a:r>
             <a:r>
               <a:rPr lang="en-US" sz="1800" b="1" i="0" u="none" strike="noStrike" baseline="0" dirty="0">
+                <a:latin typeface="Times-Bold"/>
+              </a:rPr>
+              <a:t>tar </a:t>
+            </a:r>
+            <a:r>
+              <a:rPr lang="en-US" sz="1800" b="0" i="0" u="none" strike="noStrike" baseline="0" dirty="0">
+                <a:latin typeface="Times-Roman"/>
+              </a:rPr>
+              <a:t>tool supports the creation of incremental backups, using the </a:t>
+            </a:r>
+            <a:r>
+              <a:rPr lang="en-US" sz="1800" b="0" i="0" u="none" strike="noStrike" baseline="0" dirty="0">
+                <a:latin typeface="Courier"/>
+              </a:rPr>
+              <a:t>-N </a:t>
+            </a:r>
+            <a:r>
+              <a:rPr lang="en-US" sz="1800" b="0" i="0" u="none" strike="noStrike" baseline="0" dirty="0">
+                <a:latin typeface="Times-Roman"/>
+              </a:rPr>
+              <a:t>option. With this option, you can specify a date, and </a:t>
+            </a:r>
+            <a:r>
+              <a:rPr lang="en-US" sz="1800" b="1" i="0" u="none" strike="noStrike" baseline="0" dirty="0">
+                <a:latin typeface="Times-Bold"/>
+              </a:rPr>
+              <a:t>tar </a:t>
+            </a:r>
+            <a:r>
+              <a:rPr lang="en-US" sz="1800" b="0" i="0" u="none" strike="noStrike" baseline="0" dirty="0">
+                <a:latin typeface="Times-Roman"/>
+              </a:rPr>
+              <a:t>will check modification time of all specified files against this date. If files are changed more recent than date, they will be included in the backup. </a:t>
+            </a:r>
+          </a:p>
+          <a:p>
+            <a:pPr algn="just"/>
+            <a:endParaRPr lang="en-US" dirty="0">
+              <a:latin typeface="Times-Roman"/>
+            </a:endParaRPr>
+          </a:p>
+          <a:p>
+            <a:pPr algn="just"/>
+            <a:r>
+              <a:rPr lang="en-US" sz="1800" b="0" i="0" u="none" strike="noStrike" baseline="0" dirty="0">
+                <a:latin typeface="Times-Roman"/>
+              </a:rPr>
+              <a:t>The example below uses the timestamp on a previous archive as the date value. First, the initial archive is created and the timestamp on the initial backup file is shown. Then a new file is created, upon which we take a new backup, containing only this new file:</a:t>
+            </a:r>
+          </a:p>
+          <a:p>
+            <a:pPr algn="l"/>
+            <a:endParaRPr lang="en-IN" sz="1400" b="0" i="0" u="none" strike="noStrike" baseline="0" dirty="0">
+              <a:latin typeface="Courier"/>
+            </a:endParaRPr>
+          </a:p>
+          <a:p>
+            <a:pPr algn="l"/>
+            <a:r>
+              <a:rPr lang="en-IN" sz="1500" b="0" i="0" u="none" strike="noStrike" baseline="0" dirty="0">
+                <a:latin typeface="Courier"/>
+              </a:rPr>
+              <a:t>jimmy:~&gt; </a:t>
+            </a:r>
+            <a:r>
+              <a:rPr lang="en-IN" sz="1500" b="1" i="0" u="none" strike="noStrike" baseline="0" dirty="0">
+                <a:latin typeface="Courier-Bold"/>
+              </a:rPr>
+              <a:t>tar </a:t>
+            </a:r>
+            <a:r>
+              <a:rPr lang="en-IN" sz="1500" b="1" i="0" u="none" strike="noStrike" baseline="0" dirty="0" err="1">
+                <a:latin typeface="Courier-Bold"/>
+              </a:rPr>
+              <a:t>cvpf</a:t>
+            </a:r>
+            <a:r>
+              <a:rPr lang="en-IN" sz="1500" b="1" i="0" u="none" strike="noStrike" baseline="0" dirty="0">
+                <a:latin typeface="Courier-Bold"/>
+              </a:rPr>
+              <a:t> /var/</a:t>
+            </a:r>
+            <a:r>
+              <a:rPr lang="en-IN" sz="1500" b="1" i="0" u="none" strike="noStrike" baseline="0" dirty="0" err="1">
+                <a:latin typeface="Courier-Bold"/>
+              </a:rPr>
+              <a:t>tmp</a:t>
+            </a:r>
+            <a:r>
+              <a:rPr lang="en-IN" sz="1500" b="1" i="0" u="none" strike="noStrike" baseline="0" dirty="0">
+                <a:latin typeface="Courier-Bold"/>
+              </a:rPr>
+              <a:t>/javaproggies.tar java/*.java</a:t>
+            </a:r>
+          </a:p>
+          <a:p>
+            <a:pPr algn="l"/>
+            <a:r>
+              <a:rPr lang="en-IN" sz="1500" b="0" i="0" u="none" strike="noStrike" baseline="0" dirty="0">
+                <a:latin typeface="Courier"/>
+              </a:rPr>
+              <a:t>java/btw.java</a:t>
+            </a:r>
+          </a:p>
+          <a:p>
+            <a:pPr algn="l"/>
+            <a:r>
+              <a:rPr lang="en-IN" sz="1500" b="0" i="0" u="none" strike="noStrike" baseline="0" dirty="0">
+                <a:latin typeface="Courier"/>
+              </a:rPr>
+              <a:t>java/error.java</a:t>
+            </a:r>
+          </a:p>
+          <a:p>
+            <a:pPr algn="l"/>
+            <a:r>
+              <a:rPr lang="en-IN" sz="1500" b="0" i="0" u="none" strike="noStrike" baseline="0" dirty="0">
+                <a:latin typeface="Courier"/>
+              </a:rPr>
+              <a:t>java/hello.java</a:t>
+            </a:r>
+          </a:p>
+          <a:p>
+            <a:pPr algn="l"/>
+            <a:r>
+              <a:rPr lang="en-IN" sz="1500" b="0" i="0" u="none" strike="noStrike" baseline="0" dirty="0">
+                <a:latin typeface="Courier"/>
+              </a:rPr>
+              <a:t>java/income2.java</a:t>
+            </a:r>
+          </a:p>
+          <a:p>
+            <a:pPr algn="l"/>
+            <a:r>
+              <a:rPr lang="en-IN" sz="1500" b="0" i="0" u="none" strike="noStrike" baseline="0" dirty="0">
+                <a:latin typeface="Courier"/>
+              </a:rPr>
+              <a:t>java/income.java</a:t>
+            </a:r>
+          </a:p>
+          <a:p>
+            <a:pPr algn="l"/>
+            <a:r>
+              <a:rPr lang="en-IN" sz="1500" b="0" i="0" u="none" strike="noStrike" baseline="0" dirty="0">
+                <a:latin typeface="Courier"/>
+              </a:rPr>
+              <a:t>java/inputdevice.java</a:t>
+            </a:r>
+          </a:p>
+          <a:p>
+            <a:pPr algn="l"/>
+            <a:r>
+              <a:rPr lang="en-IN" sz="1500" b="0" i="0" u="none" strike="noStrike" baseline="0" dirty="0">
+                <a:latin typeface="Courier"/>
+              </a:rPr>
+              <a:t>java/input.java</a:t>
+            </a:r>
+          </a:p>
+          <a:p>
+            <a:pPr algn="l"/>
+            <a:r>
+              <a:rPr lang="en-IN" sz="1500" b="0" i="0" u="none" strike="noStrike" baseline="0" dirty="0">
+                <a:latin typeface="Courier"/>
+              </a:rPr>
+              <a:t>java/master.java</a:t>
+            </a:r>
+          </a:p>
+          <a:p>
+            <a:pPr algn="l"/>
+            <a:r>
+              <a:rPr lang="en-IN" sz="1500" b="0" i="0" u="none" strike="noStrike" baseline="0" dirty="0">
+                <a:latin typeface="Courier"/>
+              </a:rPr>
+              <a:t>java/method1.java</a:t>
+            </a:r>
+          </a:p>
+          <a:p>
+            <a:pPr algn="l"/>
+            <a:r>
+              <a:rPr lang="en-IN" sz="1500" b="0" i="0" u="none" strike="noStrike" baseline="0" dirty="0">
+                <a:latin typeface="Courier"/>
+              </a:rPr>
+              <a:t>java/mood.java</a:t>
+            </a:r>
+          </a:p>
+          <a:p>
+            <a:pPr algn="l"/>
+            <a:r>
+              <a:rPr lang="en-IN" sz="1500" b="0" i="0" u="none" strike="noStrike" baseline="0" dirty="0">
+                <a:latin typeface="Courier"/>
+              </a:rPr>
+              <a:t>java/moodywaitress.java</a:t>
+            </a:r>
+          </a:p>
+          <a:p>
+            <a:pPr algn="l"/>
+            <a:r>
+              <a:rPr lang="en-IN" sz="1500" b="0" i="0" u="none" strike="noStrike" baseline="0" dirty="0">
+                <a:latin typeface="Courier"/>
+              </a:rPr>
+              <a:t>java/test3.java</a:t>
+            </a:r>
+          </a:p>
+          <a:p>
+            <a:pPr algn="l"/>
+            <a:r>
+              <a:rPr lang="en-IN" sz="1500" b="0" i="0" u="none" strike="noStrike" baseline="0" dirty="0">
+                <a:latin typeface="Courier"/>
+              </a:rPr>
+              <a:t>java/TestOne.java</a:t>
+            </a:r>
+          </a:p>
+          <a:p>
+            <a:pPr algn="l"/>
+            <a:r>
+              <a:rPr lang="en-IN" sz="1500" b="0" i="0" u="none" strike="noStrike" baseline="0" dirty="0">
+                <a:latin typeface="Courier"/>
+              </a:rPr>
+              <a:t>java/TestTwo.java</a:t>
+            </a:r>
+          </a:p>
+          <a:p>
+            <a:pPr algn="l"/>
+            <a:r>
+              <a:rPr lang="en-IN" sz="1500" b="0" i="0" u="none" strike="noStrike" baseline="0" dirty="0">
+                <a:latin typeface="Courier"/>
+              </a:rPr>
+              <a:t>java/Vehicle.java</a:t>
+            </a:r>
+          </a:p>
+          <a:p>
+            <a:pPr algn="l"/>
+            <a:r>
+              <a:rPr lang="en-IN" sz="1500" b="0" i="0" u="none" strike="noStrike" baseline="0" dirty="0">
+                <a:latin typeface="Courier"/>
+              </a:rPr>
+              <a:t>jimmy:~&gt; </a:t>
+            </a:r>
+            <a:r>
+              <a:rPr lang="en-IN" sz="1500" b="1" i="0" u="none" strike="noStrike" baseline="0" dirty="0">
+                <a:latin typeface="Courier-Bold"/>
+              </a:rPr>
+              <a:t>ls -l /var/</a:t>
+            </a:r>
+            <a:r>
+              <a:rPr lang="en-IN" sz="1500" b="1" i="0" u="none" strike="noStrike" baseline="0" dirty="0" err="1">
+                <a:latin typeface="Courier-Bold"/>
+              </a:rPr>
+              <a:t>tmp</a:t>
+            </a:r>
+            <a:r>
+              <a:rPr lang="en-IN" sz="1500" b="1" i="0" u="none" strike="noStrike" baseline="0" dirty="0">
+                <a:latin typeface="Courier-Bold"/>
+              </a:rPr>
+              <a:t>/javaproggies.tar</a:t>
+            </a:r>
+          </a:p>
+          <a:p>
+            <a:pPr algn="l"/>
+            <a:r>
+              <a:rPr lang="en-IN" sz="1500" b="0" i="0" u="none" strike="noStrike" baseline="0" dirty="0">
+                <a:latin typeface="Courier"/>
+              </a:rPr>
+              <a:t>-</a:t>
+            </a:r>
+            <a:r>
+              <a:rPr lang="en-IN" sz="1500" b="0" i="0" u="none" strike="noStrike" baseline="0" dirty="0" err="1">
+                <a:latin typeface="Courier"/>
+              </a:rPr>
+              <a:t>rw</a:t>
+            </a:r>
+            <a:r>
+              <a:rPr lang="en-IN" sz="1500" b="0" i="0" u="none" strike="noStrike" baseline="0" dirty="0">
+                <a:latin typeface="Courier"/>
+              </a:rPr>
+              <a:t>-</a:t>
+            </a:r>
+            <a:r>
+              <a:rPr lang="en-IN" sz="1500" b="0" i="0" u="none" strike="noStrike" baseline="0" dirty="0" err="1">
+                <a:latin typeface="Courier"/>
+              </a:rPr>
+              <a:t>rw</a:t>
+            </a:r>
+            <a:r>
+              <a:rPr lang="en-IN" sz="1500" b="0" i="0" u="none" strike="noStrike" baseline="0" dirty="0">
+                <a:latin typeface="Courier"/>
+              </a:rPr>
+              <a:t>-r-- 1 jimmy </a:t>
+            </a:r>
+            <a:r>
+              <a:rPr lang="en-IN" sz="1500" b="0" i="0" u="none" strike="noStrike" baseline="0" dirty="0" err="1">
+                <a:latin typeface="Courier"/>
+              </a:rPr>
+              <a:t>jimmy</a:t>
+            </a:r>
+            <a:r>
+              <a:rPr lang="en-IN" sz="1500" b="0" i="0" u="none" strike="noStrike" baseline="0" dirty="0">
+                <a:latin typeface="Courier"/>
+              </a:rPr>
+              <a:t> 10240 Jan 21 11:58 /var/</a:t>
+            </a:r>
+            <a:r>
+              <a:rPr lang="en-IN" sz="1500" b="0" i="0" u="none" strike="noStrike" baseline="0" dirty="0" err="1">
+                <a:latin typeface="Courier"/>
+              </a:rPr>
+              <a:t>tmp</a:t>
+            </a:r>
+            <a:r>
+              <a:rPr lang="en-IN" sz="1500" b="0" i="0" u="none" strike="noStrike" baseline="0" dirty="0">
+                <a:latin typeface="Courier"/>
+              </a:rPr>
+              <a:t>/javaproggies.tar</a:t>
+            </a:r>
+          </a:p>
+        </p:txBody>
+      </p:sp>
+      <p:sp>
+        <p:nvSpPr>
+          <p:cNvPr id="2" name="Rectangle 1">
+            <a:extLst>
+              <a:ext uri="{FF2B5EF4-FFF2-40B4-BE49-F238E27FC236}">
+                <a16:creationId xmlns:a16="http://schemas.microsoft.com/office/drawing/2014/main" id="{7F5FF6A5-CC6B-44B8-919A-F5E46C10F7AB}"/>
+              </a:ext>
+            </a:extLst>
+          </p:cNvPr>
+          <p:cNvSpPr/>
+          <p:nvPr/>
+        </p:nvSpPr>
+        <p:spPr>
+          <a:xfrm>
+            <a:off x="0" y="0"/>
+            <a:ext cx="5139548" cy="523220"/>
+          </a:xfrm>
+          <a:prstGeom prst="rect">
+            <a:avLst/>
+          </a:prstGeom>
+        </p:spPr>
+        <p:txBody>
+          <a:bodyPr wrap="none">
+            <a:spAutoFit/>
+          </a:bodyPr>
+          <a:lstStyle/>
+          <a:p>
+            <a:r>
+              <a:rPr lang="en-US" sz="2800" b="1" dirty="0">
                 <a:latin typeface="Helvetica-Bold"/>
               </a:rPr>
-              <a:t>9.1.1.2. Incremental backups with tar</a:t>
-            </a:r>
-          </a:p>
-          <a:p>
-            <a:pPr algn="l"/>
-            <a:r>
-              <a:rPr lang="en-US" sz="1800" b="0" i="0" u="none" strike="noStrike" baseline="0" dirty="0">
-                <a:latin typeface="Times-Roman"/>
-              </a:rPr>
-              <a:t>The </a:t>
-            </a:r>
-            <a:r>
-              <a:rPr lang="en-US" sz="1800" b="1" i="0" u="none" strike="noStrike" baseline="0" dirty="0">
-                <a:latin typeface="Times-Bold"/>
-              </a:rPr>
-              <a:t>tar </a:t>
-            </a:r>
-            <a:r>
-              <a:rPr lang="en-US" sz="1800" b="0" i="0" u="none" strike="noStrike" baseline="0" dirty="0">
-                <a:latin typeface="Times-Roman"/>
-              </a:rPr>
-              <a:t>tool supports the creation of incremental backups, using the </a:t>
-            </a:r>
-            <a:r>
-              <a:rPr lang="en-US" sz="1800" b="0" i="0" u="none" strike="noStrike" baseline="0" dirty="0">
-                <a:latin typeface="Courier"/>
-              </a:rPr>
-              <a:t>-N </a:t>
-            </a:r>
-            <a:r>
-              <a:rPr lang="en-US" sz="1800" b="0" i="0" u="none" strike="noStrike" baseline="0" dirty="0">
-                <a:latin typeface="Times-Roman"/>
-              </a:rPr>
-              <a:t>option. With this option, you can</a:t>
-            </a:r>
-          </a:p>
-          <a:p>
-            <a:pPr algn="l"/>
-            <a:r>
-              <a:rPr lang="en-US" sz="1800" b="0" i="0" u="none" strike="noStrike" baseline="0" dirty="0">
-                <a:latin typeface="Times-Roman"/>
-              </a:rPr>
-              <a:t>specify a date, and </a:t>
-            </a:r>
-            <a:r>
-              <a:rPr lang="en-US" sz="1800" b="1" i="0" u="none" strike="noStrike" baseline="0" dirty="0">
-                <a:latin typeface="Times-Bold"/>
-              </a:rPr>
-              <a:t>tar </a:t>
-            </a:r>
-            <a:r>
-              <a:rPr lang="en-US" sz="1800" b="0" i="0" u="none" strike="noStrike" baseline="0" dirty="0">
-                <a:latin typeface="Times-Roman"/>
-              </a:rPr>
-              <a:t>will check modification time of all specified files against this date. If files are changed</a:t>
-            </a:r>
-          </a:p>
-          <a:p>
-            <a:pPr algn="l"/>
-            <a:r>
-              <a:rPr lang="en-US" sz="1800" b="0" i="0" u="none" strike="noStrike" baseline="0" dirty="0">
-                <a:latin typeface="Times-Roman"/>
-              </a:rPr>
-              <a:t>more recent than date, they will be included in the backup. The example below uses the timestamp on a</a:t>
-            </a:r>
-          </a:p>
-          <a:p>
-            <a:pPr algn="l"/>
-            <a:r>
-              <a:rPr lang="en-US" sz="1800" b="0" i="0" u="none" strike="noStrike" baseline="0" dirty="0">
-                <a:latin typeface="Times-Roman"/>
-              </a:rPr>
-              <a:t>previous archive as the date value. First, the initial archive is created and the timestamp on the initial backup</a:t>
-            </a:r>
-          </a:p>
-          <a:p>
-            <a:pPr algn="l"/>
-            <a:r>
-              <a:rPr lang="en-US" sz="1800" b="0" i="0" u="none" strike="noStrike" baseline="0" dirty="0">
-                <a:latin typeface="Times-Roman"/>
-              </a:rPr>
-              <a:t>file is shown. Then a new file is created, upon which we take a new backup, containing only this new file:</a:t>
-            </a:r>
-          </a:p>
-          <a:p>
-            <a:pPr algn="l"/>
-            <a:r>
-              <a:rPr lang="en-IN" sz="1400" b="0" i="0" u="none" strike="noStrike" baseline="0" dirty="0">
-                <a:latin typeface="Courier"/>
-              </a:rPr>
-              <a:t>jimmy:~&gt; </a:t>
-            </a:r>
-            <a:r>
-              <a:rPr lang="en-IN" sz="1400" b="1" i="0" u="none" strike="noStrike" baseline="0" dirty="0">
-                <a:latin typeface="Courier-Bold"/>
-              </a:rPr>
-              <a:t>tar </a:t>
-            </a:r>
-            <a:r>
-              <a:rPr lang="en-IN" sz="1400" b="1" i="0" u="none" strike="noStrike" baseline="0" dirty="0" err="1">
-                <a:latin typeface="Courier-Bold"/>
-              </a:rPr>
-              <a:t>cvpf</a:t>
-            </a:r>
-            <a:r>
-              <a:rPr lang="en-IN" sz="1400" b="1" i="0" u="none" strike="noStrike" baseline="0" dirty="0">
-                <a:latin typeface="Courier-Bold"/>
-              </a:rPr>
-              <a:t> /var/</a:t>
-            </a:r>
-            <a:r>
-              <a:rPr lang="en-IN" sz="1400" b="1" i="0" u="none" strike="noStrike" baseline="0" dirty="0" err="1">
-                <a:latin typeface="Courier-Bold"/>
-              </a:rPr>
-              <a:t>tmp</a:t>
-            </a:r>
-            <a:r>
-              <a:rPr lang="en-IN" sz="1400" b="1" i="0" u="none" strike="noStrike" baseline="0" dirty="0">
-                <a:latin typeface="Courier-Bold"/>
-              </a:rPr>
-              <a:t>/javaproggies.tar java/*.java</a:t>
-            </a:r>
-          </a:p>
-          <a:p>
-            <a:pPr algn="l"/>
-            <a:r>
-              <a:rPr lang="en-IN" sz="1400" b="0" i="0" u="none" strike="noStrike" baseline="0" dirty="0">
-                <a:latin typeface="Courier"/>
-              </a:rPr>
-              <a:t>java/btw.java</a:t>
-            </a:r>
-          </a:p>
-          <a:p>
-            <a:pPr algn="l"/>
-            <a:r>
-              <a:rPr lang="en-IN" sz="1400" b="0" i="0" u="none" strike="noStrike" baseline="0" dirty="0">
-                <a:latin typeface="Courier"/>
-              </a:rPr>
-              <a:t>java/error.java</a:t>
-            </a:r>
-          </a:p>
-          <a:p>
-            <a:pPr algn="l"/>
-            <a:r>
-              <a:rPr lang="en-IN" sz="1400" b="0" i="0" u="none" strike="noStrike" baseline="0" dirty="0">
-                <a:latin typeface="Courier"/>
-              </a:rPr>
-              <a:t>java/hello.java</a:t>
-            </a:r>
-          </a:p>
-          <a:p>
-            <a:pPr algn="l"/>
-            <a:r>
-              <a:rPr lang="en-IN" sz="1400" b="0" i="0" u="none" strike="noStrike" baseline="0" dirty="0">
-                <a:latin typeface="Courier"/>
-              </a:rPr>
-              <a:t>java/income2.java</a:t>
-            </a:r>
-          </a:p>
-          <a:p>
-            <a:pPr algn="l"/>
-            <a:r>
-              <a:rPr lang="en-IN" sz="1400" b="0" i="0" u="none" strike="noStrike" baseline="0" dirty="0">
-                <a:latin typeface="Courier"/>
-              </a:rPr>
-              <a:t>java/income.java</a:t>
-            </a:r>
-          </a:p>
-          <a:p>
-            <a:pPr algn="l"/>
-            <a:r>
-              <a:rPr lang="en-IN" sz="1400" b="0" i="0" u="none" strike="noStrike" baseline="0" dirty="0">
-                <a:latin typeface="Courier"/>
-              </a:rPr>
-              <a:t>java/inputdevice.java</a:t>
-            </a:r>
-          </a:p>
-          <a:p>
-            <a:pPr algn="l"/>
-            <a:r>
-              <a:rPr lang="en-IN" sz="1400" b="0" i="0" u="none" strike="noStrike" baseline="0" dirty="0">
-                <a:latin typeface="Courier"/>
-              </a:rPr>
-              <a:t>java/input.java</a:t>
-            </a:r>
-          </a:p>
-          <a:p>
-            <a:pPr algn="l"/>
-            <a:r>
-              <a:rPr lang="en-IN" sz="1400" b="0" i="0" u="none" strike="noStrike" baseline="0" dirty="0">
-                <a:latin typeface="Courier"/>
-              </a:rPr>
-              <a:t>java/master.java</a:t>
-            </a:r>
-          </a:p>
-          <a:p>
-            <a:pPr algn="l"/>
-            <a:r>
-              <a:rPr lang="en-IN" sz="1400" b="0" i="0" u="none" strike="noStrike" baseline="0" dirty="0">
-                <a:latin typeface="Courier"/>
-              </a:rPr>
-              <a:t>java/method1.java</a:t>
-            </a:r>
-          </a:p>
-          <a:p>
-            <a:pPr algn="l"/>
-            <a:r>
-              <a:rPr lang="en-IN" sz="1400" b="0" i="0" u="none" strike="noStrike" baseline="0" dirty="0">
-                <a:latin typeface="Courier"/>
-              </a:rPr>
-              <a:t>java/mood.java</a:t>
-            </a:r>
-          </a:p>
-          <a:p>
-            <a:pPr algn="l"/>
-            <a:r>
-              <a:rPr lang="en-IN" sz="1400" b="0" i="0" u="none" strike="noStrike" baseline="0" dirty="0">
-                <a:latin typeface="Courier"/>
-              </a:rPr>
-              <a:t>java/moodywaitress.java</a:t>
-            </a:r>
-          </a:p>
-          <a:p>
-            <a:pPr algn="l"/>
-            <a:r>
-              <a:rPr lang="en-IN" sz="1400" b="0" i="0" u="none" strike="noStrike" baseline="0" dirty="0">
-                <a:latin typeface="Courier"/>
-              </a:rPr>
-              <a:t>java/test3.java</a:t>
-            </a:r>
-          </a:p>
-          <a:p>
-            <a:pPr algn="l"/>
-            <a:r>
-              <a:rPr lang="en-IN" sz="1400" b="0" i="0" u="none" strike="noStrike" baseline="0" dirty="0">
-                <a:latin typeface="Courier"/>
-              </a:rPr>
-              <a:t>java/TestOne.java</a:t>
-            </a:r>
-          </a:p>
-          <a:p>
-            <a:pPr algn="l"/>
-            <a:r>
-              <a:rPr lang="en-IN" sz="1400" b="0" i="0" u="none" strike="noStrike" baseline="0" dirty="0">
-                <a:latin typeface="Courier"/>
-              </a:rPr>
-              <a:t>java/TestTwo.java</a:t>
-            </a:r>
-          </a:p>
-          <a:p>
-            <a:pPr algn="l"/>
-            <a:r>
-              <a:rPr lang="en-IN" sz="1400" b="0" i="0" u="none" strike="noStrike" baseline="0" dirty="0">
-                <a:latin typeface="Courier"/>
-              </a:rPr>
-              <a:t>java/Vehicle.java</a:t>
-            </a:r>
-          </a:p>
-          <a:p>
-            <a:pPr algn="l"/>
-            <a:r>
-              <a:rPr lang="en-IN" sz="1400" b="0" i="0" u="none" strike="noStrike" baseline="0" dirty="0">
-                <a:latin typeface="Courier"/>
-              </a:rPr>
-              <a:t>jimmy:~&gt; </a:t>
-            </a:r>
-            <a:r>
-              <a:rPr lang="en-IN" sz="1400" b="1" i="0" u="none" strike="noStrike" baseline="0" dirty="0">
-                <a:latin typeface="Courier-Bold"/>
-              </a:rPr>
-              <a:t>ls -l /var/</a:t>
-            </a:r>
-            <a:r>
-              <a:rPr lang="en-IN" sz="1400" b="1" i="0" u="none" strike="noStrike" baseline="0" dirty="0" err="1">
-                <a:latin typeface="Courier-Bold"/>
-              </a:rPr>
-              <a:t>tmp</a:t>
-            </a:r>
-            <a:r>
-              <a:rPr lang="en-IN" sz="1400" b="1" i="0" u="none" strike="noStrike" baseline="0" dirty="0">
-                <a:latin typeface="Courier-Bold"/>
-              </a:rPr>
-              <a:t>/javaproggies.tar</a:t>
-            </a:r>
-          </a:p>
-          <a:p>
-            <a:pPr algn="l"/>
-            <a:r>
-              <a:rPr lang="en-IN" sz="1400" b="0" i="0" u="none" strike="noStrike" baseline="0" dirty="0">
-                <a:latin typeface="Courier"/>
-              </a:rPr>
-              <a:t>-</a:t>
-            </a:r>
-            <a:r>
-              <a:rPr lang="en-IN" sz="1400" b="0" i="0" u="none" strike="noStrike" baseline="0" dirty="0" err="1">
-                <a:latin typeface="Courier"/>
-              </a:rPr>
-              <a:t>rw</a:t>
-            </a:r>
-            <a:r>
-              <a:rPr lang="en-IN" sz="1400" b="0" i="0" u="none" strike="noStrike" baseline="0" dirty="0">
-                <a:latin typeface="Courier"/>
-              </a:rPr>
-              <a:t>-</a:t>
-            </a:r>
-            <a:r>
-              <a:rPr lang="en-IN" sz="1400" b="0" i="0" u="none" strike="noStrike" baseline="0" dirty="0" err="1">
-                <a:latin typeface="Courier"/>
-              </a:rPr>
-              <a:t>rw</a:t>
-            </a:r>
-            <a:r>
-              <a:rPr lang="en-IN" sz="1400" b="0" i="0" u="none" strike="noStrike" baseline="0" dirty="0">
-                <a:latin typeface="Courier"/>
-              </a:rPr>
-              <a:t>-r-- 1 jimmy </a:t>
-            </a:r>
-            <a:r>
-              <a:rPr lang="en-IN" sz="1400" b="0" i="0" u="none" strike="noStrike" baseline="0" dirty="0" err="1">
-                <a:latin typeface="Courier"/>
-              </a:rPr>
-              <a:t>jimmy</a:t>
-            </a:r>
-            <a:r>
-              <a:rPr lang="en-IN" sz="1400" b="0" i="0" u="none" strike="noStrike" baseline="0" dirty="0">
-                <a:latin typeface="Courier"/>
-              </a:rPr>
-              <a:t> 10240 Jan 21 11:58 /var/</a:t>
-            </a:r>
-            <a:r>
-              <a:rPr lang="en-IN" sz="1400" b="0" i="0" u="none" strike="noStrike" baseline="0" dirty="0" err="1">
-                <a:latin typeface="Courier"/>
-              </a:rPr>
-              <a:t>tmp</a:t>
-            </a:r>
-            <a:r>
-              <a:rPr lang="en-IN" sz="1400" b="0" i="0" u="none" strike="noStrike" baseline="0" dirty="0">
-                <a:latin typeface="Courier"/>
-              </a:rPr>
-              <a:t>/javaproggies.tar</a:t>
-            </a:r>
-          </a:p>
-          <a:p>
-            <a:pPr algn="l"/>
-            <a:r>
-              <a:rPr lang="en-IN" sz="1400" b="0" i="0" u="none" strike="noStrike" baseline="0" dirty="0">
-                <a:latin typeface="Courier"/>
-              </a:rPr>
-              <a:t>jimmy:~&gt; </a:t>
-            </a:r>
-            <a:r>
-              <a:rPr lang="en-IN" sz="1400" b="1" i="0" u="none" strike="noStrike" baseline="0" dirty="0">
-                <a:latin typeface="Courier-Bold"/>
-              </a:rPr>
-              <a:t>touch java/newprog.java</a:t>
-            </a:r>
-          </a:p>
-          <a:p>
-            <a:pPr algn="l"/>
-            <a:r>
-              <a:rPr lang="en-IN" sz="1400" b="0" i="0" u="none" strike="noStrike" baseline="0" dirty="0">
-                <a:latin typeface="Courier"/>
-              </a:rPr>
-              <a:t>jimmy:~&gt; </a:t>
-            </a:r>
-            <a:r>
-              <a:rPr lang="en-IN" sz="1400" b="1" i="0" u="none" strike="noStrike" baseline="0" dirty="0">
-                <a:latin typeface="Courier-Bold"/>
-              </a:rPr>
-              <a:t>tar -N /var/</a:t>
-            </a:r>
-            <a:r>
-              <a:rPr lang="en-IN" sz="1400" b="1" i="0" u="none" strike="noStrike" baseline="0" dirty="0" err="1">
-                <a:latin typeface="Courier-Bold"/>
-              </a:rPr>
-              <a:t>tmp</a:t>
-            </a:r>
-            <a:r>
-              <a:rPr lang="en-IN" sz="1400" b="1" i="0" u="none" strike="noStrike" baseline="0" dirty="0">
-                <a:latin typeface="Courier-Bold"/>
-              </a:rPr>
-              <a:t>/javaproggies.tar \</a:t>
-            </a:r>
-          </a:p>
-          <a:p>
-            <a:pPr algn="l"/>
-            <a:r>
-              <a:rPr lang="en-IN" sz="1400" b="1" i="0" u="none" strike="noStrike" baseline="0" dirty="0">
-                <a:latin typeface="Courier-Bold"/>
-              </a:rPr>
-              <a:t>-</a:t>
-            </a:r>
-            <a:r>
-              <a:rPr lang="en-IN" sz="1400" b="1" i="0" u="none" strike="noStrike" baseline="0" dirty="0" err="1">
-                <a:latin typeface="Courier-Bold"/>
-              </a:rPr>
-              <a:t>cvp</a:t>
-            </a:r>
-            <a:r>
-              <a:rPr lang="en-IN" sz="1400" b="1" i="0" u="none" strike="noStrike" baseline="0" dirty="0">
-                <a:latin typeface="Courier-Bold"/>
-              </a:rPr>
-              <a:t> /var/</a:t>
-            </a:r>
-            <a:r>
-              <a:rPr lang="en-IN" sz="1400" b="1" i="0" u="none" strike="noStrike" baseline="0" dirty="0" err="1">
-                <a:latin typeface="Courier-Bold"/>
-              </a:rPr>
-              <a:t>tmp</a:t>
-            </a:r>
-            <a:r>
-              <a:rPr lang="en-IN" sz="1400" b="1" i="0" u="none" strike="noStrike" baseline="0" dirty="0">
-                <a:latin typeface="Courier-Bold"/>
-              </a:rPr>
-              <a:t>/incremental1-javaproggies.tar java/*.java 2&gt; /dev/null</a:t>
-            </a:r>
-          </a:p>
-          <a:p>
-            <a:pPr algn="l"/>
-            <a:r>
-              <a:rPr lang="en-IN" sz="1400" b="0" i="0" u="none" strike="noStrike" baseline="0" dirty="0">
-                <a:latin typeface="Courier"/>
-              </a:rPr>
-              <a:t>java/newprog.java</a:t>
-            </a:r>
-          </a:p>
-          <a:p>
-            <a:pPr algn="l"/>
-            <a:r>
-              <a:rPr lang="en-IN" sz="1400" b="0" i="0" u="none" strike="noStrike" baseline="0" dirty="0">
-                <a:latin typeface="Courier"/>
-              </a:rPr>
-              <a:t>jimmy:~&gt; </a:t>
-            </a:r>
-            <a:r>
-              <a:rPr lang="en-IN" sz="1400" b="1" i="0" u="none" strike="noStrike" baseline="0" dirty="0">
-                <a:latin typeface="Courier-Bold"/>
-              </a:rPr>
-              <a:t>cd /var/</a:t>
-            </a:r>
-            <a:r>
-              <a:rPr lang="en-IN" sz="1400" b="1" i="0" u="none" strike="noStrike" baseline="0" dirty="0" err="1">
-                <a:latin typeface="Courier-Bold"/>
-              </a:rPr>
-              <a:t>tmp</a:t>
-            </a:r>
-            <a:r>
-              <a:rPr lang="en-IN" sz="1400" b="1" i="0" u="none" strike="noStrike" baseline="0" dirty="0">
-                <a:latin typeface="Courier-Bold"/>
-              </a:rPr>
-              <a:t>/</a:t>
-            </a:r>
-          </a:p>
-          <a:p>
-            <a:pPr algn="l"/>
-            <a:r>
-              <a:rPr lang="en-IN" sz="1400" b="0" i="0" u="none" strike="noStrike" baseline="0" dirty="0">
-                <a:latin typeface="Courier"/>
-              </a:rPr>
-              <a:t>jimmy:~&gt; </a:t>
-            </a:r>
-            <a:r>
-              <a:rPr lang="en-IN" sz="1400" b="1" i="0" u="none" strike="noStrike" baseline="0" dirty="0">
-                <a:latin typeface="Courier-Bold"/>
-              </a:rPr>
-              <a:t>tar </a:t>
-            </a:r>
-            <a:r>
-              <a:rPr lang="en-IN" sz="1400" b="1" i="0" u="none" strike="noStrike" baseline="0" dirty="0" err="1">
-                <a:latin typeface="Courier-Bold"/>
-              </a:rPr>
-              <a:t>xvf</a:t>
-            </a:r>
-            <a:r>
-              <a:rPr lang="en-IN" sz="1400" b="1" i="0" u="none" strike="noStrike" baseline="0" dirty="0">
-                <a:latin typeface="Courier-Bold"/>
-              </a:rPr>
-              <a:t> incremental1-javaproggies.tar</a:t>
-            </a:r>
-          </a:p>
-          <a:p>
-            <a:pPr algn="l"/>
-            <a:r>
-              <a:rPr lang="en-IN" sz="1400" b="0" i="0" u="none" strike="noStrike" baseline="0" dirty="0">
-                <a:latin typeface="Courier"/>
-              </a:rPr>
-              <a:t>java/newprog.java</a:t>
-            </a:r>
-          </a:p>
-          <a:p>
-            <a:pPr algn="l"/>
-            <a:r>
-              <a:rPr lang="en-US" sz="1800" b="0" i="0" u="none" strike="noStrike" baseline="0" dirty="0">
-                <a:latin typeface="Times-Roman"/>
-              </a:rPr>
-              <a:t>Standard errors are redirected to </a:t>
-            </a:r>
-            <a:r>
-              <a:rPr lang="en-US" sz="1800" b="0" i="0" u="none" strike="noStrike" baseline="0" dirty="0">
-                <a:latin typeface="Courier"/>
-              </a:rPr>
-              <a:t>/dev/null</a:t>
-            </a:r>
-            <a:r>
-              <a:rPr lang="en-US" sz="1800" b="0" i="0" u="none" strike="noStrike" baseline="0" dirty="0">
-                <a:latin typeface="Times-Roman"/>
-              </a:rPr>
-              <a:t>. If you don't do this, </a:t>
-            </a:r>
-            <a:r>
-              <a:rPr lang="en-US" sz="1800" b="1" i="0" u="none" strike="noStrike" baseline="0" dirty="0">
-                <a:latin typeface="Times-Bold"/>
-              </a:rPr>
-              <a:t>tar </a:t>
-            </a:r>
-            <a:r>
-              <a:rPr lang="en-US" sz="1800" b="0" i="0" u="none" strike="noStrike" baseline="0" dirty="0">
-                <a:latin typeface="Times-Roman"/>
-              </a:rPr>
-              <a:t>will print a message for each</a:t>
-            </a:r>
-          </a:p>
-          <a:p>
-            <a:pPr algn="l"/>
-            <a:r>
-              <a:rPr lang="en-US" sz="1800" b="0" i="0" u="none" strike="noStrike" baseline="0" dirty="0">
-                <a:latin typeface="Times-Roman"/>
-              </a:rPr>
-              <a:t>unchanged file, telling you it won't be dumped.</a:t>
-            </a:r>
-            <a:endParaRPr lang="en-IN" dirty="0"/>
+              <a:t>Incremental backups with tar</a:t>
+            </a:r>
           </a:p>
         </p:txBody>
       </p:sp>
@@ -11336,8 +11002,8 @@
         </p:nvSpPr>
         <p:spPr>
           <a:xfrm>
-            <a:off x="3048802" y="969194"/>
-            <a:ext cx="6097604" cy="7417415"/>
+            <a:off x="0" y="1788737"/>
+            <a:ext cx="12192000" cy="5139869"/>
           </a:xfrm>
           <a:prstGeom prst="rect">
             <a:avLst/>
@@ -11350,63 +11016,33 @@
           </a:bodyPr>
           <a:lstStyle/>
           <a:p>
-            <a:pPr algn="l"/>
-            <a:r>
-              <a:rPr lang="en-US" sz="1800" b="0" i="0" u="none" strike="noStrike" baseline="0" dirty="0">
-                <a:latin typeface="Times-Roman"/>
-              </a:rPr>
-              <a:t>This way of working has the disadvantage that it looks at timestamps on files. Say that you download an</a:t>
-            </a:r>
-          </a:p>
-          <a:p>
-            <a:pPr algn="l"/>
-            <a:r>
-              <a:rPr lang="en-US" sz="1800" b="0" i="0" u="none" strike="noStrike" baseline="0" dirty="0">
-                <a:latin typeface="Times-Roman"/>
-              </a:rPr>
-              <a:t>archive into the directory containing your backups, and the archive contains files that have been created two</a:t>
-            </a:r>
-          </a:p>
-          <a:p>
-            <a:pPr algn="l"/>
-            <a:r>
-              <a:rPr lang="en-US" sz="1800" b="0" i="0" u="none" strike="noStrike" baseline="0" dirty="0">
-                <a:latin typeface="Times-Roman"/>
-              </a:rPr>
-              <a:t>years ago. When checking the timestamps of those files against the timestamp on the initial archive, the new</a:t>
-            </a:r>
-          </a:p>
-          <a:p>
-            <a:pPr algn="l"/>
-            <a:r>
-              <a:rPr lang="en-US" sz="1800" b="0" i="0" u="none" strike="noStrike" baseline="0" dirty="0">
-                <a:latin typeface="Times-Roman"/>
-              </a:rPr>
-              <a:t>files will actually seem old to </a:t>
-            </a:r>
-            <a:r>
-              <a:rPr lang="en-US" sz="1800" b="1" i="0" u="none" strike="noStrike" baseline="0" dirty="0">
+            <a:pPr algn="just"/>
+            <a:r>
+              <a:rPr lang="en-US" sz="1600" b="0" i="0" u="none" strike="noStrike" baseline="0" dirty="0">
+                <a:latin typeface="Times-Roman"/>
+              </a:rPr>
+              <a:t>This way of working has the disadvantage that it looks at timestamps on files. Say that you download an archive into the directory containing your backups, and the archive contains files that have been created two years ago. When checking the timestamps of those files against the timestamp on the initial archive, the new files will actually seem old to </a:t>
+            </a:r>
+            <a:r>
+              <a:rPr lang="en-US" sz="1600" b="1" i="0" u="none" strike="noStrike" baseline="0" dirty="0">
                 <a:latin typeface="Times-Bold"/>
               </a:rPr>
               <a:t>tar</a:t>
             </a:r>
             <a:r>
-              <a:rPr lang="en-US" sz="1800" b="0" i="0" u="none" strike="noStrike" baseline="0" dirty="0">
+              <a:rPr lang="en-US" sz="1600" b="0" i="0" u="none" strike="noStrike" baseline="0" dirty="0">
                 <a:latin typeface="Times-Roman"/>
               </a:rPr>
               <a:t>, and will not be included in an incremental backup made using the </a:t>
             </a:r>
             <a:r>
-              <a:rPr lang="en-US" sz="1800" b="0" i="0" u="none" strike="noStrike" baseline="0" dirty="0">
-                <a:latin typeface="Courier"/>
-              </a:rPr>
-              <a:t>-N</a:t>
-            </a:r>
-          </a:p>
-          <a:p>
-            <a:pPr algn="l"/>
-            <a:r>
-              <a:rPr lang="en-IN" sz="1800" b="0" i="0" u="none" strike="noStrike" baseline="0" dirty="0">
+              <a:rPr lang="en-US" sz="1600" b="0" i="0" u="none" strike="noStrike" baseline="0" dirty="0">
+                <a:latin typeface="Courier"/>
+              </a:rPr>
+              <a:t>–N </a:t>
+            </a:r>
+            <a:r>
+              <a:rPr lang="en-IN" sz="1600" b="0" i="0" u="none" strike="noStrike" baseline="0" dirty="0">
                 <a:latin typeface="Times-Roman"/>
               </a:rPr>
               <a:t>option.</a:t>
@@ -11414,20 +11050,26 @@
           </a:p>
           <a:p>
             <a:pPr algn="l"/>
-            <a:r>
-              <a:rPr lang="en-US" sz="1800" b="0" i="0" u="none" strike="noStrike" baseline="0" dirty="0">
+            <a:endParaRPr lang="en-US" sz="1600" b="0" i="0" u="none" strike="noStrike" baseline="0" dirty="0">
+              <a:latin typeface="Times-Roman"/>
+            </a:endParaRPr>
+          </a:p>
+          <a:p>
+            <a:pPr algn="l"/>
+            <a:r>
+              <a:rPr lang="en-US" sz="1600" b="0" i="0" u="none" strike="noStrike" baseline="0" dirty="0">
                 <a:latin typeface="Times-Roman"/>
               </a:rPr>
               <a:t>A better choice would be the </a:t>
             </a:r>
             <a:r>
-              <a:rPr lang="en-US" sz="1800" b="0" i="0" u="none" strike="noStrike" baseline="0" dirty="0">
+              <a:rPr lang="en-US" sz="1600" b="0" i="0" u="none" strike="noStrike" baseline="0" dirty="0">
                 <a:latin typeface="Courier"/>
               </a:rPr>
               <a:t>-g </a:t>
             </a:r>
             <a:r>
-              <a:rPr lang="en-US" sz="1800" b="0" i="0" u="none" strike="noStrike" baseline="0" dirty="0">
+              <a:rPr lang="en-US" sz="1600" b="0" i="0" u="none" strike="noStrike" baseline="0" dirty="0">
                 <a:latin typeface="Times-Roman"/>
               </a:rPr>
               <a:t>option, which will create a list of files to backup. When making incremental</a:t>
@@ -11436,7 +11078,7 @@
           <a:p>
             <a:pPr algn="l"/>
             <a:r>
-              <a:rPr lang="en-US" sz="1800" b="0" i="0" u="none" strike="noStrike" baseline="0" dirty="0">
+              <a:rPr lang="en-US" sz="1600" b="0" i="0" u="none" strike="noStrike" baseline="0" dirty="0">
                 <a:latin typeface="Times-Roman"/>
               </a:rPr>
               <a:t>backups, files are checked against this list. This is how it works:</a:t>
@@ -11444,26 +11086,32 @@
           </a:p>
           <a:p>
             <a:pPr algn="l"/>
-            <a:r>
-              <a:rPr lang="en-IN" sz="1400" b="0" i="0" u="none" strike="noStrike" baseline="0" dirty="0">
+            <a:endParaRPr lang="en-IN" sz="1200" b="0" i="0" u="none" strike="noStrike" baseline="0" dirty="0">
+              <a:latin typeface="Courier"/>
+            </a:endParaRPr>
+          </a:p>
+          <a:p>
+            <a:pPr algn="l"/>
+            <a:r>
+              <a:rPr lang="en-IN" sz="1600" b="0" i="0" u="none" strike="noStrike" baseline="0" dirty="0">
                 <a:latin typeface="Courier"/>
               </a:rPr>
               <a:t>jimmy:~&gt; </a:t>
             </a:r>
             <a:r>
-              <a:rPr lang="en-IN" sz="1400" b="1" i="0" u="none" strike="noStrike" baseline="0" dirty="0">
+              <a:rPr lang="en-IN" sz="1600" b="1" i="0" u="none" strike="noStrike" baseline="0" dirty="0">
                 <a:latin typeface="Courier-Bold"/>
               </a:rPr>
               <a:t>tar </a:t>
             </a:r>
             <a:r>
-              <a:rPr lang="en-IN" sz="1400" b="1" i="0" u="none" strike="noStrike" baseline="0" dirty="0" err="1">
+              <a:rPr lang="en-IN" sz="1600" b="1" i="0" u="none" strike="noStrike" baseline="0" dirty="0" err="1">
                 <a:latin typeface="Courier-Bold"/>
               </a:rPr>
               <a:t>cvpf</a:t>
             </a:r>
             <a:r>
-              <a:rPr lang="en-IN" sz="1400" b="1" i="0" u="none" strike="noStrike" baseline="0" dirty="0">
+              <a:rPr lang="en-IN" sz="1600" b="1" i="0" u="none" strike="noStrike" baseline="0" dirty="0">
                 <a:latin typeface="Courier-Bold"/>
               </a:rPr>
               <a:t> work-20030121.tar -g snapshot-20030121 work/</a:t>
@@ -11472,7 +11120,7 @@
           <a:p>
             <a:pPr algn="l"/>
             <a:r>
-              <a:rPr lang="en-IN" sz="1400" b="0" i="0" u="none" strike="noStrike" baseline="0" dirty="0">
+              <a:rPr lang="en-IN" sz="1600" b="0" i="0" u="none" strike="noStrike" baseline="0" dirty="0">
                 <a:latin typeface="Courier"/>
               </a:rPr>
               <a:t>work/</a:t>
@@ -11481,7 +11129,7 @@
           <a:p>
             <a:pPr algn="l"/>
             <a:r>
-              <a:rPr lang="en-IN" sz="1400" b="0" i="0" u="none" strike="noStrike" baseline="0" dirty="0">
+              <a:rPr lang="en-IN" sz="1600" b="0" i="0" u="none" strike="noStrike" baseline="0" dirty="0">
                 <a:latin typeface="Courier"/>
               </a:rPr>
               <a:t>work/file1</a:t>
@@ -11490,7 +11138,7 @@
           <a:p>
             <a:pPr algn="l"/>
             <a:r>
-              <a:rPr lang="en-IN" sz="1400" b="0" i="0" u="none" strike="noStrike" baseline="0" dirty="0">
+              <a:rPr lang="en-IN" sz="1600" b="0" i="0" u="none" strike="noStrike" baseline="0" dirty="0">
                 <a:latin typeface="Courier"/>
               </a:rPr>
               <a:t>work/file2</a:t>
@@ -11499,7 +11147,7 @@
           <a:p>
             <a:pPr algn="l"/>
             <a:r>
-              <a:rPr lang="en-IN" sz="1400" b="0" i="0" u="none" strike="noStrike" baseline="0" dirty="0">
+              <a:rPr lang="en-IN" sz="1600" b="0" i="0" u="none" strike="noStrike" baseline="0" dirty="0">
                 <a:latin typeface="Courier"/>
               </a:rPr>
               <a:t>work/file3</a:t>
@@ -11508,13 +11156,13 @@
           <a:p>
             <a:pPr algn="l"/>
             <a:r>
-              <a:rPr lang="en-IN" sz="1400" b="0" i="0" u="none" strike="noStrike" baseline="0" dirty="0">
+              <a:rPr lang="en-IN" sz="1600" b="0" i="0" u="none" strike="noStrike" baseline="0" dirty="0">
                 <a:latin typeface="Courier"/>
               </a:rPr>
               <a:t>jimmy:~&gt; </a:t>
             </a:r>
             <a:r>
-              <a:rPr lang="en-IN" sz="1400" b="1" i="0" u="none" strike="noStrike" baseline="0" dirty="0">
+              <a:rPr lang="en-IN" sz="1600" b="1" i="0" u="none" strike="noStrike" baseline="0" dirty="0">
                 <a:latin typeface="Courier-Bold"/>
               </a:rPr>
               <a:t>file snapshot-20030121</a:t>
@@ -11523,7 +11171,7 @@
           <a:p>
             <a:pPr algn="l"/>
             <a:r>
-              <a:rPr lang="en-IN" sz="1800" b="0" i="0" u="none" strike="noStrike" baseline="0" dirty="0">
+              <a:rPr lang="en-IN" sz="1600" b="0" i="0" u="none" strike="noStrike" baseline="0" dirty="0">
                 <a:latin typeface="Courier"/>
               </a:rPr>
               <a:t>snapshot-20030121: ASCII text</a:t>
@@ -11532,43 +11180,43 @@
           <a:p>
             <a:pPr algn="l"/>
             <a:r>
-              <a:rPr lang="en-US" sz="1800" b="0" i="0" u="none" strike="noStrike" baseline="0" dirty="0">
+              <a:rPr lang="en-US" sz="1600" b="0" i="0" u="none" strike="noStrike" baseline="0" dirty="0">
                 <a:latin typeface="Times-Roman"/>
               </a:rPr>
               <a:t>The next day, user </a:t>
             </a:r>
             <a:r>
-              <a:rPr lang="en-US" sz="1800" b="0" i="1" u="none" strike="noStrike" baseline="0" dirty="0">
+              <a:rPr lang="en-US" sz="1600" b="0" i="1" u="none" strike="noStrike" baseline="0" dirty="0">
                 <a:latin typeface="Times-Italic"/>
               </a:rPr>
               <a:t>jimmy </a:t>
             </a:r>
             <a:r>
-              <a:rPr lang="en-US" sz="1800" b="0" i="0" u="none" strike="noStrike" baseline="0" dirty="0">
+              <a:rPr lang="en-US" sz="1600" b="0" i="0" u="none" strike="noStrike" baseline="0" dirty="0">
                 <a:latin typeface="Times-Roman"/>
               </a:rPr>
               <a:t>works on </a:t>
             </a:r>
             <a:r>
-              <a:rPr lang="en-US" sz="1800" b="0" i="0" u="none" strike="noStrike" baseline="0" dirty="0">
+              <a:rPr lang="en-US" sz="1600" b="0" i="0" u="none" strike="noStrike" baseline="0" dirty="0">
                 <a:latin typeface="Courier"/>
               </a:rPr>
               <a:t>file3 </a:t>
             </a:r>
             <a:r>
-              <a:rPr lang="en-US" sz="1800" b="0" i="0" u="none" strike="noStrike" baseline="0" dirty="0">
+              <a:rPr lang="en-US" sz="1600" b="0" i="0" u="none" strike="noStrike" baseline="0" dirty="0">
                 <a:latin typeface="Times-Roman"/>
               </a:rPr>
               <a:t>a bit more, and creates </a:t>
             </a:r>
             <a:r>
-              <a:rPr lang="en-US" sz="1800" b="0" i="0" u="none" strike="noStrike" baseline="0" dirty="0">
+              <a:rPr lang="en-US" sz="1600" b="0" i="0" u="none" strike="noStrike" baseline="0" dirty="0">
                 <a:latin typeface="Courier"/>
               </a:rPr>
               <a:t>file4</a:t>
             </a:r>
             <a:r>
-              <a:rPr lang="en-US" sz="1800" b="0" i="0" u="none" strike="noStrike" baseline="0" dirty="0">
+              <a:rPr lang="en-US" sz="1600" b="0" i="0" u="none" strike="noStrike" baseline="0" dirty="0">
                 <a:latin typeface="Times-Roman"/>
               </a:rPr>
               <a:t>. At the end of the day, he makes a</a:t>
@@ -11577,7 +11225,7 @@
           <a:p>
             <a:pPr algn="l"/>
             <a:r>
-              <a:rPr lang="en-IN" sz="1800" b="0" i="0" u="none" strike="noStrike" baseline="0" dirty="0">
+              <a:rPr lang="en-IN" sz="1600" b="0" i="0" u="none" strike="noStrike" baseline="0" dirty="0">
                 <a:latin typeface="Times-Roman"/>
               </a:rPr>
               <a:t>new backup:</a:t>
@@ -11586,25 +11234,25 @@
           <a:p>
             <a:pPr algn="l"/>
             <a:r>
-              <a:rPr lang="en-IN" sz="1800" b="0" i="0" u="none" strike="noStrike" baseline="0" dirty="0">
+              <a:rPr lang="en-IN" sz="1600" b="0" i="0" u="none" strike="noStrike" baseline="0" dirty="0">
                 <a:latin typeface="Courier"/>
               </a:rPr>
               <a:t>jimmy:~&gt; </a:t>
             </a:r>
             <a:r>
-              <a:rPr lang="en-IN" sz="1800" b="1" i="0" u="none" strike="noStrike" baseline="0" dirty="0">
+              <a:rPr lang="en-IN" sz="1600" b="1" i="0" u="none" strike="noStrike" baseline="0" dirty="0">
                 <a:latin typeface="Courier-Bold"/>
               </a:rPr>
               <a:t>tar </a:t>
             </a:r>
             <a:r>
-              <a:rPr lang="en-IN" sz="1800" b="1" i="0" u="none" strike="noStrike" baseline="0" dirty="0" err="1">
+              <a:rPr lang="en-IN" sz="1600" b="1" i="0" u="none" strike="noStrike" baseline="0" dirty="0" err="1">
                 <a:latin typeface="Courier-Bold"/>
               </a:rPr>
               <a:t>cvpf</a:t>
             </a:r>
             <a:r>
-              <a:rPr lang="en-IN" sz="1800" b="1" i="0" u="none" strike="noStrike" baseline="0" dirty="0">
+              <a:rPr lang="en-IN" sz="1600" b="1" i="0" u="none" strike="noStrike" baseline="0" dirty="0">
                 <a:latin typeface="Courier-Bold"/>
               </a:rPr>
               <a:t> work-20030122.tar -g snapshot-20030121 work/</a:t>
@@ -11613,7 +11261,7 @@
           <a:p>
             <a:pPr algn="l"/>
             <a:r>
-              <a:rPr lang="en-IN" sz="1800" b="0" i="0" u="none" strike="noStrike" baseline="0" dirty="0">
+              <a:rPr lang="en-IN" sz="1600" b="0" i="0" u="none" strike="noStrike" baseline="0" dirty="0">
                 <a:latin typeface="Courier"/>
               </a:rPr>
               <a:t>work/</a:t>
@@ -11622,7 +11270,7 @@
           <a:p>
             <a:pPr algn="l"/>
             <a:r>
-              <a:rPr lang="en-IN" sz="1800" b="0" i="0" u="none" strike="noStrike" baseline="0" dirty="0">
+              <a:rPr lang="en-IN" sz="1600" b="0" i="0" u="none" strike="noStrike" baseline="0" dirty="0">
                 <a:latin typeface="Courier"/>
               </a:rPr>
               <a:t>work/file3</a:t>
@@ -11631,12 +11279,180 @@
           <a:p>
             <a:pPr algn="l"/>
             <a:r>
-              <a:rPr lang="en-IN" sz="1800" b="0" i="0" u="none" strike="noStrike" baseline="0" dirty="0">
+              <a:rPr lang="en-IN" sz="1600" b="0" i="0" u="none" strike="noStrike" baseline="0" dirty="0">
                 <a:latin typeface="Courier"/>
               </a:rPr>
               <a:t>work/file4</a:t>
             </a:r>
             <a:endParaRPr lang="en-IN" dirty="0"/>
+          </a:p>
+        </p:txBody>
+      </p:sp>
+      <p:sp>
+        <p:nvSpPr>
+          <p:cNvPr id="2" name="Rectangle 1">
+            <a:extLst>
+              <a:ext uri="{FF2B5EF4-FFF2-40B4-BE49-F238E27FC236}">
+                <a16:creationId xmlns:a16="http://schemas.microsoft.com/office/drawing/2014/main" id="{68E962B9-0E12-4D99-81B0-22DE7759AA1E}"/>
+              </a:ext>
+            </a:extLst>
+          </p:cNvPr>
+          <p:cNvSpPr/>
+          <p:nvPr/>
+        </p:nvSpPr>
+        <p:spPr>
+          <a:xfrm>
+            <a:off x="-1" y="0"/>
+            <a:ext cx="12191999" cy="1600438"/>
+          </a:xfrm>
+          <a:prstGeom prst="rect">
+            <a:avLst/>
+          </a:prstGeom>
+        </p:spPr>
+        <p:txBody>
+          <a:bodyPr wrap="square">
+            <a:spAutoFit/>
+          </a:bodyPr>
+          <a:lstStyle/>
+          <a:p>
+            <a:r>
+              <a:rPr lang="en-IN" sz="1400" dirty="0">
+                <a:latin typeface="Courier"/>
+              </a:rPr>
+              <a:t>jimmy:~&gt; </a:t>
+            </a:r>
+            <a:r>
+              <a:rPr lang="en-IN" sz="1400" b="1" dirty="0">
+                <a:latin typeface="Courier-Bold"/>
+              </a:rPr>
+              <a:t>touch java/newprog.java</a:t>
+            </a:r>
+          </a:p>
+          <a:p>
+            <a:r>
+              <a:rPr lang="en-IN" sz="1400" dirty="0">
+                <a:latin typeface="Courier"/>
+              </a:rPr>
+              <a:t>jimmy:~&gt; </a:t>
+            </a:r>
+            <a:r>
+              <a:rPr lang="en-IN" sz="1400" b="1" dirty="0">
+                <a:latin typeface="Courier-Bold"/>
+              </a:rPr>
+              <a:t>tar -N /var/</a:t>
+            </a:r>
+            <a:r>
+              <a:rPr lang="en-IN" sz="1400" b="1" dirty="0" err="1">
+                <a:latin typeface="Courier-Bold"/>
+              </a:rPr>
+              <a:t>tmp</a:t>
+            </a:r>
+            <a:r>
+              <a:rPr lang="en-IN" sz="1400" b="1" dirty="0">
+                <a:latin typeface="Courier-Bold"/>
+              </a:rPr>
+              <a:t>/javaproggies.tar \</a:t>
+            </a:r>
+          </a:p>
+          <a:p>
+            <a:r>
+              <a:rPr lang="en-IN" sz="1400" b="1" dirty="0">
+                <a:latin typeface="Courier-Bold"/>
+              </a:rPr>
+              <a:t>-</a:t>
+            </a:r>
+            <a:r>
+              <a:rPr lang="en-IN" sz="1400" b="1" dirty="0" err="1">
+                <a:latin typeface="Courier-Bold"/>
+              </a:rPr>
+              <a:t>cvp</a:t>
+            </a:r>
+            <a:r>
+              <a:rPr lang="en-IN" sz="1400" b="1" dirty="0">
+                <a:latin typeface="Courier-Bold"/>
+              </a:rPr>
+              <a:t> /var/</a:t>
+            </a:r>
+            <a:r>
+              <a:rPr lang="en-IN" sz="1400" b="1" dirty="0" err="1">
+                <a:latin typeface="Courier-Bold"/>
+              </a:rPr>
+              <a:t>tmp</a:t>
+            </a:r>
+            <a:r>
+              <a:rPr lang="en-IN" sz="1400" b="1" dirty="0">
+                <a:latin typeface="Courier-Bold"/>
+              </a:rPr>
+              <a:t>/incremental1-javaproggies.tar java/*.java 2&gt; /dev/null</a:t>
+            </a:r>
+          </a:p>
+          <a:p>
+            <a:r>
+              <a:rPr lang="en-IN" sz="1400" dirty="0">
+                <a:latin typeface="Courier"/>
+              </a:rPr>
+              <a:t>java/newprog.java</a:t>
+            </a:r>
+          </a:p>
+          <a:p>
+            <a:r>
+              <a:rPr lang="en-IN" sz="1400" dirty="0">
+                <a:latin typeface="Courier"/>
+              </a:rPr>
+              <a:t>jimmy:~&gt; </a:t>
+            </a:r>
+            <a:r>
+              <a:rPr lang="en-IN" sz="1400" b="1" dirty="0">
+                <a:latin typeface="Courier-Bold"/>
+              </a:rPr>
+              <a:t>cd /var/</a:t>
+            </a:r>
+            <a:r>
+              <a:rPr lang="en-IN" sz="1400" b="1" dirty="0" err="1">
+                <a:latin typeface="Courier-Bold"/>
+              </a:rPr>
+              <a:t>tmp</a:t>
+            </a:r>
+            <a:r>
+              <a:rPr lang="en-IN" sz="1400" b="1" dirty="0">
+                <a:latin typeface="Courier-Bold"/>
+              </a:rPr>
+              <a:t>/</a:t>
+            </a:r>
+          </a:p>
+          <a:p>
+            <a:r>
+              <a:rPr lang="en-IN" sz="1400" dirty="0">
+                <a:latin typeface="Courier"/>
+              </a:rPr>
+              <a:t>jimmy:~&gt; </a:t>
+            </a:r>
+            <a:r>
+              <a:rPr lang="en-IN" sz="1400" b="1" dirty="0">
+                <a:latin typeface="Courier-Bold"/>
+              </a:rPr>
+              <a:t>tar </a:t>
+            </a:r>
+            <a:r>
+              <a:rPr lang="en-IN" sz="1400" b="1" dirty="0" err="1">
+                <a:latin typeface="Courier-Bold"/>
+              </a:rPr>
+              <a:t>xvf</a:t>
+            </a:r>
+            <a:r>
+              <a:rPr lang="en-IN" sz="1400" b="1" dirty="0">
+                <a:latin typeface="Courier-Bold"/>
+              </a:rPr>
+              <a:t> incremental1-javaproggies.tar</a:t>
+            </a:r>
+          </a:p>
+          <a:p>
+            <a:r>
+              <a:rPr lang="en-IN" sz="1400" dirty="0">
+                <a:latin typeface="Courier"/>
+              </a:rPr>
+              <a:t>java/newprog.java</a:t>
+            </a:r>
           </a:p>
         </p:txBody>
       </p:sp>
@@ -11684,8 +11500,8 @@
         </p:nvSpPr>
         <p:spPr>
           <a:xfrm>
-            <a:off x="3048802" y="-138802"/>
-            <a:ext cx="6097604" cy="7140416"/>
+            <a:off x="0" y="747317"/>
+            <a:ext cx="12389963" cy="5632311"/>
           </a:xfrm>
           <a:prstGeom prst="rect">
             <a:avLst/>
@@ -11700,528 +11516,556 @@
           <a:p>
             <a:pPr algn="l"/>
             <a:r>
-              <a:rPr lang="en-US" sz="1800" b="1" i="0" u="none" strike="noStrike" baseline="0" dirty="0">
+              <a:rPr lang="en-US" sz="2000" b="0" i="0" u="none" strike="noStrike" baseline="0" dirty="0">
+                <a:latin typeface="Times-Roman"/>
+              </a:rPr>
+              <a:t>Data, including </a:t>
+            </a:r>
+            <a:r>
+              <a:rPr lang="en-US" sz="2000" b="0" i="0" u="none" strike="noStrike" baseline="0" dirty="0" err="1">
+                <a:latin typeface="Times-Roman"/>
+              </a:rPr>
+              <a:t>tarballs</a:t>
+            </a:r>
+            <a:r>
+              <a:rPr lang="en-US" sz="2000" b="0" i="0" u="none" strike="noStrike" baseline="0" dirty="0">
+                <a:latin typeface="Times-Roman"/>
+              </a:rPr>
+              <a:t>, can be compressed using zip tools. The </a:t>
+            </a:r>
+            <a:r>
+              <a:rPr lang="en-US" sz="2000" b="1" i="0" u="none" strike="noStrike" baseline="0" dirty="0" err="1">
+                <a:latin typeface="Times-Bold"/>
+              </a:rPr>
+              <a:t>gzip</a:t>
+            </a:r>
+            <a:r>
+              <a:rPr lang="en-US" sz="2000" b="1" i="0" u="none" strike="noStrike" baseline="0" dirty="0">
+                <a:latin typeface="Times-Bold"/>
+              </a:rPr>
+              <a:t> </a:t>
+            </a:r>
+            <a:r>
+              <a:rPr lang="en-US" sz="2000" b="0" i="0" u="none" strike="noStrike" baseline="0" dirty="0">
+                <a:latin typeface="Times-Roman"/>
+              </a:rPr>
+              <a:t>command will add the suffix .</a:t>
+            </a:r>
+            <a:r>
+              <a:rPr lang="en-US" sz="2000" b="0" i="0" u="none" strike="noStrike" baseline="0" dirty="0" err="1">
+                <a:latin typeface="Times-Roman"/>
+              </a:rPr>
+              <a:t>gz</a:t>
+            </a:r>
+            <a:r>
+              <a:rPr lang="en-US" sz="2000" b="0" i="0" u="none" strike="noStrike" baseline="0" dirty="0">
+                <a:latin typeface="Times-Roman"/>
+              </a:rPr>
+              <a:t> to the</a:t>
+            </a:r>
+          </a:p>
+          <a:p>
+            <a:pPr algn="l"/>
+            <a:r>
+              <a:rPr lang="en-US" sz="2000" b="0" i="0" u="none" strike="noStrike" baseline="0" dirty="0">
+                <a:latin typeface="Times-Roman"/>
+              </a:rPr>
+              <a:t>file name and remove the original file.</a:t>
+            </a:r>
+          </a:p>
+          <a:p>
+            <a:pPr algn="l"/>
+            <a:r>
+              <a:rPr lang="nb-NO" sz="2000" b="0" i="0" u="none" strike="noStrike" baseline="0" dirty="0">
+                <a:latin typeface="Courier"/>
+              </a:rPr>
+              <a:t>jimmy:~&gt; </a:t>
+            </a:r>
+            <a:r>
+              <a:rPr lang="nb-NO" sz="2000" b="1" i="0" u="none" strike="noStrike" baseline="0" dirty="0">
+                <a:latin typeface="Courier-Bold"/>
+              </a:rPr>
+              <a:t>ls -la | grep tar</a:t>
+            </a:r>
+          </a:p>
+          <a:p>
+            <a:pPr algn="l"/>
+            <a:r>
+              <a:rPr lang="en-IN" sz="2000" b="0" i="0" u="none" strike="noStrike" baseline="0" dirty="0">
+                <a:latin typeface="Courier"/>
+              </a:rPr>
+              <a:t>-</a:t>
+            </a:r>
+            <a:r>
+              <a:rPr lang="en-IN" sz="2000" b="0" i="0" u="none" strike="noStrike" baseline="0" dirty="0" err="1">
+                <a:latin typeface="Courier"/>
+              </a:rPr>
+              <a:t>rw</a:t>
+            </a:r>
+            <a:r>
+              <a:rPr lang="en-IN" sz="2000" b="0" i="0" u="none" strike="noStrike" baseline="0" dirty="0">
+                <a:latin typeface="Courier"/>
+              </a:rPr>
+              <a:t>-</a:t>
+            </a:r>
+            <a:r>
+              <a:rPr lang="en-IN" sz="2000" b="0" i="0" u="none" strike="noStrike" baseline="0" dirty="0" err="1">
+                <a:latin typeface="Courier"/>
+              </a:rPr>
+              <a:t>rw</a:t>
+            </a:r>
+            <a:r>
+              <a:rPr lang="en-IN" sz="2000" b="0" i="0" u="none" strike="noStrike" baseline="0" dirty="0">
+                <a:latin typeface="Courier"/>
+              </a:rPr>
+              <a:t>-r-- 1 jimmy </a:t>
+            </a:r>
+            <a:r>
+              <a:rPr lang="en-IN" sz="2000" b="0" i="0" u="none" strike="noStrike" baseline="0" dirty="0" err="1">
+                <a:latin typeface="Courier"/>
+              </a:rPr>
+              <a:t>jimmy</a:t>
+            </a:r>
+            <a:r>
+              <a:rPr lang="en-IN" sz="2000" b="0" i="0" u="none" strike="noStrike" baseline="0" dirty="0">
+                <a:latin typeface="Courier"/>
+              </a:rPr>
+              <a:t> 61440 Jun 6 14:08 images-without-dir.tar</a:t>
+            </a:r>
+          </a:p>
+          <a:p>
+            <a:pPr algn="l"/>
+            <a:r>
+              <a:rPr lang="en-IN" sz="2000" b="0" i="0" u="none" strike="noStrike" baseline="0" dirty="0">
+                <a:latin typeface="Courier"/>
+              </a:rPr>
+              <a:t>jimmy:~&gt; </a:t>
+            </a:r>
+            <a:r>
+              <a:rPr lang="en-IN" sz="2000" b="1" i="0" u="none" strike="noStrike" baseline="0" dirty="0" err="1">
+                <a:latin typeface="Courier-Bold"/>
+              </a:rPr>
+              <a:t>gzip</a:t>
+            </a:r>
+            <a:r>
+              <a:rPr lang="en-IN" sz="2000" b="1" i="0" u="none" strike="noStrike" baseline="0" dirty="0">
+                <a:latin typeface="Courier-Bold"/>
+              </a:rPr>
+              <a:t> images-without-dir.tar</a:t>
+            </a:r>
+          </a:p>
+          <a:p>
+            <a:pPr algn="l"/>
+            <a:r>
+              <a:rPr lang="en-US" sz="2000" b="0" i="0" u="none" strike="noStrike" baseline="0" dirty="0">
+                <a:latin typeface="Courier"/>
+              </a:rPr>
+              <a:t>jimmy:~&gt; </a:t>
+            </a:r>
+            <a:r>
+              <a:rPr lang="en-US" sz="2000" b="1" i="0" u="none" strike="noStrike" baseline="0" dirty="0">
+                <a:latin typeface="Courier-Bold"/>
+              </a:rPr>
+              <a:t>ls -la images-without-dir.tar.gz</a:t>
+            </a:r>
+          </a:p>
+          <a:p>
+            <a:pPr algn="l"/>
+            <a:r>
+              <a:rPr lang="en-IN" sz="2000" b="0" i="0" u="none" strike="noStrike" baseline="0" dirty="0">
+                <a:latin typeface="Courier"/>
+              </a:rPr>
+              <a:t>-</a:t>
+            </a:r>
+            <a:r>
+              <a:rPr lang="en-IN" sz="2000" b="0" i="0" u="none" strike="noStrike" baseline="0" dirty="0" err="1">
+                <a:latin typeface="Courier"/>
+              </a:rPr>
+              <a:t>rw</a:t>
+            </a:r>
+            <a:r>
+              <a:rPr lang="en-IN" sz="2000" b="0" i="0" u="none" strike="noStrike" baseline="0" dirty="0">
+                <a:latin typeface="Courier"/>
+              </a:rPr>
+              <a:t>-</a:t>
+            </a:r>
+            <a:r>
+              <a:rPr lang="en-IN" sz="2000" b="0" i="0" u="none" strike="noStrike" baseline="0" dirty="0" err="1">
+                <a:latin typeface="Courier"/>
+              </a:rPr>
+              <a:t>rw</a:t>
+            </a:r>
+            <a:r>
+              <a:rPr lang="en-IN" sz="2000" b="0" i="0" u="none" strike="noStrike" baseline="0" dirty="0">
+                <a:latin typeface="Courier"/>
+              </a:rPr>
+              <a:t>-r-- 1 jimmy </a:t>
+            </a:r>
+            <a:r>
+              <a:rPr lang="en-IN" sz="2000" b="0" i="0" u="none" strike="noStrike" baseline="0" dirty="0" err="1">
+                <a:latin typeface="Courier"/>
+              </a:rPr>
+              <a:t>jimmy</a:t>
+            </a:r>
+            <a:r>
+              <a:rPr lang="en-IN" sz="2000" b="0" i="0" u="none" strike="noStrike" baseline="0" dirty="0">
+                <a:latin typeface="Courier"/>
+              </a:rPr>
+              <a:t> 50562 Jun 6 14:08 images-without-dir.tar.gz</a:t>
+            </a:r>
+          </a:p>
+          <a:p>
+            <a:pPr algn="l"/>
+            <a:r>
+              <a:rPr lang="en-US" sz="2000" b="0" i="0" u="none" strike="noStrike" baseline="0" dirty="0" err="1">
+                <a:latin typeface="Times-Roman"/>
+              </a:rPr>
+              <a:t>Uncompress</a:t>
+            </a:r>
+            <a:r>
+              <a:rPr lang="en-US" sz="2000" b="0" i="0" u="none" strike="noStrike" baseline="0" dirty="0">
+                <a:latin typeface="Times-Roman"/>
+              </a:rPr>
+              <a:t> </a:t>
+            </a:r>
+            <a:r>
+              <a:rPr lang="en-US" sz="2000" b="0" i="0" u="none" strike="noStrike" baseline="0" dirty="0" err="1">
+                <a:latin typeface="Times-Roman"/>
+              </a:rPr>
+              <a:t>gzipped</a:t>
+            </a:r>
+            <a:r>
+              <a:rPr lang="en-US" sz="2000" b="0" i="0" u="none" strike="noStrike" baseline="0" dirty="0">
+                <a:latin typeface="Times-Roman"/>
+              </a:rPr>
+              <a:t> files with the </a:t>
+            </a:r>
+            <a:r>
+              <a:rPr lang="en-US" sz="2000" b="0" i="0" u="none" strike="noStrike" baseline="0" dirty="0">
+                <a:latin typeface="Courier"/>
+              </a:rPr>
+              <a:t>-d </a:t>
+            </a:r>
+            <a:r>
+              <a:rPr lang="en-US" sz="2000" b="0" i="0" u="none" strike="noStrike" baseline="0" dirty="0">
+                <a:latin typeface="Times-Roman"/>
+              </a:rPr>
+              <a:t>option.</a:t>
+            </a:r>
+          </a:p>
+          <a:p>
+            <a:pPr algn="l"/>
+            <a:r>
+              <a:rPr lang="en-US" sz="2000" b="1" i="0" u="none" strike="noStrike" baseline="0" dirty="0">
+                <a:latin typeface="Times-Bold"/>
+              </a:rPr>
+              <a:t>bzip2 </a:t>
+            </a:r>
+            <a:r>
+              <a:rPr lang="en-US" sz="2000" b="0" i="0" u="none" strike="noStrike" baseline="0" dirty="0">
+                <a:latin typeface="Times-Roman"/>
+              </a:rPr>
+              <a:t>works in a similar way, but uses an improved compression algorithm, thus creating smaller files. See</a:t>
+            </a:r>
+          </a:p>
+          <a:p>
+            <a:pPr algn="l"/>
+            <a:r>
+              <a:rPr lang="en-US" sz="2000" b="0" i="0" u="none" strike="noStrike" baseline="0" dirty="0">
+                <a:latin typeface="Times-Roman"/>
+              </a:rPr>
+              <a:t>the </a:t>
+            </a:r>
+            <a:r>
+              <a:rPr lang="en-US" sz="2000" b="1" i="0" u="none" strike="noStrike" baseline="0" dirty="0">
+                <a:latin typeface="Times-Bold"/>
+              </a:rPr>
+              <a:t>bzip2 </a:t>
+            </a:r>
+            <a:r>
+              <a:rPr lang="en-US" sz="2000" b="0" i="0" u="none" strike="noStrike" baseline="0" dirty="0">
+                <a:latin typeface="Times-Roman"/>
+              </a:rPr>
+              <a:t>info pages for more.</a:t>
+            </a:r>
+          </a:p>
+          <a:p>
+            <a:pPr algn="l"/>
+            <a:r>
+              <a:rPr lang="en-US" sz="2000" b="0" i="0" u="none" strike="noStrike" baseline="0" dirty="0">
+                <a:latin typeface="Times-Roman"/>
+              </a:rPr>
+              <a:t>Linux software packages are often distributed in a </a:t>
+            </a:r>
+            <a:r>
+              <a:rPr lang="en-US" sz="2000" b="0" i="0" u="none" strike="noStrike" baseline="0" dirty="0" err="1">
+                <a:latin typeface="Times-Roman"/>
+              </a:rPr>
+              <a:t>gzipped</a:t>
+            </a:r>
+            <a:r>
+              <a:rPr lang="en-US" sz="2000" b="0" i="0" u="none" strike="noStrike" baseline="0" dirty="0">
+                <a:latin typeface="Times-Roman"/>
+              </a:rPr>
+              <a:t> </a:t>
+            </a:r>
+            <a:r>
+              <a:rPr lang="en-US" sz="2000" b="0" i="0" u="none" strike="noStrike" baseline="0" dirty="0" err="1">
+                <a:latin typeface="Times-Roman"/>
+              </a:rPr>
+              <a:t>tarball</a:t>
+            </a:r>
+            <a:r>
+              <a:rPr lang="en-US" sz="2000" b="0" i="0" u="none" strike="noStrike" baseline="0" dirty="0">
+                <a:latin typeface="Times-Roman"/>
+              </a:rPr>
+              <a:t>. The sensible thing to do after unpacking</a:t>
+            </a:r>
+          </a:p>
+          <a:p>
+            <a:pPr algn="l"/>
+            <a:r>
+              <a:rPr lang="en-US" sz="2000" b="0" i="0" u="none" strike="noStrike" baseline="0" dirty="0">
+                <a:latin typeface="Times-Roman"/>
+              </a:rPr>
+              <a:t>that kind of archives is find the </a:t>
+            </a:r>
+            <a:r>
+              <a:rPr lang="en-US" sz="2000" b="0" i="0" u="none" strike="noStrike" baseline="0" dirty="0">
+                <a:latin typeface="Courier"/>
+              </a:rPr>
+              <a:t>README </a:t>
+            </a:r>
+            <a:r>
+              <a:rPr lang="en-US" sz="2000" b="0" i="0" u="none" strike="noStrike" baseline="0" dirty="0">
+                <a:latin typeface="Times-Roman"/>
+              </a:rPr>
+              <a:t>and read it. It will generally contain guidelines to installing the</a:t>
+            </a:r>
+          </a:p>
+          <a:p>
+            <a:pPr algn="l"/>
+            <a:r>
+              <a:rPr lang="en-IN" sz="2000" b="0" i="0" u="none" strike="noStrike" baseline="0" dirty="0">
+                <a:latin typeface="Times-Roman"/>
+              </a:rPr>
+              <a:t>package.</a:t>
+            </a:r>
+          </a:p>
+          <a:p>
+            <a:pPr algn="l"/>
+            <a:r>
+              <a:rPr lang="en-US" sz="2000" b="0" i="0" u="none" strike="noStrike" baseline="0" dirty="0">
+                <a:latin typeface="Times-Roman"/>
+              </a:rPr>
+              <a:t>The GNU </a:t>
+            </a:r>
+            <a:r>
+              <a:rPr lang="en-US" sz="2000" b="1" i="0" u="none" strike="noStrike" baseline="0" dirty="0">
+                <a:latin typeface="Times-Bold"/>
+              </a:rPr>
+              <a:t>tar </a:t>
+            </a:r>
+            <a:r>
+              <a:rPr lang="en-US" sz="2000" b="0" i="0" u="none" strike="noStrike" baseline="0" dirty="0">
+                <a:latin typeface="Times-Roman"/>
+              </a:rPr>
+              <a:t>command is aware of </a:t>
+            </a:r>
+            <a:r>
+              <a:rPr lang="en-US" sz="2000" b="0" i="0" u="none" strike="noStrike" baseline="0" dirty="0" err="1">
+                <a:latin typeface="Times-Roman"/>
+              </a:rPr>
+              <a:t>gzipped</a:t>
+            </a:r>
+            <a:r>
+              <a:rPr lang="en-US" sz="2000" b="0" i="0" u="none" strike="noStrike" baseline="0" dirty="0">
+                <a:latin typeface="Times-Roman"/>
+              </a:rPr>
+              <a:t> files. Use the command</a:t>
+            </a:r>
+          </a:p>
+          <a:p>
+            <a:pPr algn="l"/>
+            <a:r>
+              <a:rPr lang="en-IN" sz="2000" b="1" i="0" u="none" strike="noStrike" baseline="0" dirty="0">
+                <a:latin typeface="Times-Bold"/>
+              </a:rPr>
+              <a:t>tar </a:t>
+            </a:r>
+            <a:r>
+              <a:rPr lang="en-IN" sz="2000" b="1" i="0" u="none" strike="noStrike" baseline="0" dirty="0" err="1">
+                <a:latin typeface="Courier-Bold"/>
+              </a:rPr>
+              <a:t>zxvf</a:t>
+            </a:r>
+            <a:r>
+              <a:rPr lang="en-IN" sz="2000" b="1" i="0" u="none" strike="noStrike" baseline="0" dirty="0">
+                <a:latin typeface="Courier-Bold"/>
+              </a:rPr>
+              <a:t> file.tar.gz</a:t>
+            </a:r>
+          </a:p>
+          <a:p>
+            <a:pPr algn="l"/>
+            <a:r>
+              <a:rPr lang="en-US" sz="2000" b="0" i="0" u="none" strike="noStrike" baseline="0" dirty="0">
+                <a:latin typeface="Times-Roman"/>
+              </a:rPr>
+              <a:t>for unzipping and </a:t>
+            </a:r>
+            <a:r>
+              <a:rPr lang="en-US" sz="2000" b="0" i="0" u="none" strike="noStrike" baseline="0" dirty="0" err="1">
+                <a:latin typeface="Times-Roman"/>
+              </a:rPr>
+              <a:t>untarring</a:t>
+            </a:r>
+            <a:r>
+              <a:rPr lang="en-US" sz="2000" b="0" i="0" u="none" strike="noStrike" baseline="0" dirty="0">
+                <a:latin typeface="Times-Roman"/>
+              </a:rPr>
+              <a:t> </a:t>
+            </a:r>
+            <a:r>
+              <a:rPr lang="en-US" sz="2000" b="0" i="0" u="none" strike="noStrike" baseline="0" dirty="0">
+                <a:latin typeface="Courier"/>
+              </a:rPr>
+              <a:t>.tar.gz </a:t>
+            </a:r>
+            <a:r>
+              <a:rPr lang="en-US" sz="2000" b="0" i="0" u="none" strike="noStrike" baseline="0" dirty="0">
+                <a:latin typeface="Times-Roman"/>
+              </a:rPr>
+              <a:t>or </a:t>
+            </a:r>
+            <a:r>
+              <a:rPr lang="en-US" sz="2000" b="0" i="0" u="none" strike="noStrike" baseline="0" dirty="0">
+                <a:latin typeface="Courier"/>
+              </a:rPr>
+              <a:t>.</a:t>
+            </a:r>
+            <a:r>
+              <a:rPr lang="en-US" sz="2000" b="0" i="0" u="none" strike="noStrike" baseline="0" dirty="0" err="1">
+                <a:latin typeface="Courier"/>
+              </a:rPr>
+              <a:t>tgz</a:t>
+            </a:r>
+            <a:r>
+              <a:rPr lang="en-US" sz="2000" b="0" i="0" u="none" strike="noStrike" baseline="0" dirty="0">
+                <a:latin typeface="Courier"/>
+              </a:rPr>
+              <a:t> </a:t>
+            </a:r>
+            <a:r>
+              <a:rPr lang="en-US" sz="2000" b="0" i="0" u="none" strike="noStrike" baseline="0" dirty="0">
+                <a:latin typeface="Times-Roman"/>
+              </a:rPr>
+              <a:t>files. Use</a:t>
+            </a:r>
+          </a:p>
+          <a:p>
+            <a:pPr algn="l"/>
+            <a:r>
+              <a:rPr lang="en-IN" sz="2000" b="1" i="0" u="none" strike="noStrike" baseline="0" dirty="0">
+                <a:latin typeface="Times-Bold"/>
+              </a:rPr>
+              <a:t>tar </a:t>
+            </a:r>
+            <a:r>
+              <a:rPr lang="en-IN" sz="2000" b="1" i="0" u="none" strike="noStrike" baseline="0" dirty="0" err="1">
+                <a:latin typeface="Courier-Bold"/>
+              </a:rPr>
+              <a:t>jxvf</a:t>
+            </a:r>
+            <a:r>
+              <a:rPr lang="en-IN" sz="2000" b="1" i="0" u="none" strike="noStrike" baseline="0" dirty="0">
+                <a:latin typeface="Courier-Bold"/>
+              </a:rPr>
+              <a:t> file.tar.bz2</a:t>
+            </a:r>
+          </a:p>
+          <a:p>
+            <a:pPr algn="l"/>
+            <a:r>
+              <a:rPr lang="en-US" sz="2000" b="0" i="0" u="none" strike="noStrike" baseline="0" dirty="0">
+                <a:latin typeface="Times-Roman"/>
+              </a:rPr>
+              <a:t>for unpacking </a:t>
+            </a:r>
+            <a:r>
+              <a:rPr lang="en-US" sz="2000" b="1" i="0" u="none" strike="noStrike" baseline="0" dirty="0">
+                <a:latin typeface="Times-Bold"/>
+              </a:rPr>
+              <a:t>tar </a:t>
+            </a:r>
+            <a:r>
+              <a:rPr lang="en-US" sz="2000" b="0" i="0" u="none" strike="noStrike" baseline="0" dirty="0">
+                <a:latin typeface="Times-Roman"/>
+              </a:rPr>
+              <a:t>archives that were compressed with </a:t>
+            </a:r>
+            <a:r>
+              <a:rPr lang="en-US" sz="2000" b="1" i="0" u="none" strike="noStrike" baseline="0" dirty="0">
+                <a:latin typeface="Times-Bold"/>
+              </a:rPr>
+              <a:t>bzip2</a:t>
+            </a:r>
+            <a:r>
+              <a:rPr lang="en-US" sz="2000" b="0" i="0" u="none" strike="noStrike" baseline="0" dirty="0">
+                <a:latin typeface="Times-Roman"/>
+              </a:rPr>
+              <a:t>.</a:t>
+            </a:r>
+            <a:endParaRPr lang="en-IN" dirty="0"/>
+          </a:p>
+        </p:txBody>
+      </p:sp>
+      <p:sp>
+        <p:nvSpPr>
+          <p:cNvPr id="2" name="Rectangle 1">
+            <a:extLst>
+              <a:ext uri="{FF2B5EF4-FFF2-40B4-BE49-F238E27FC236}">
+                <a16:creationId xmlns:a16="http://schemas.microsoft.com/office/drawing/2014/main" id="{D91A594B-0667-4CB6-A2FD-D52D6C7AB9D9}"/>
+              </a:ext>
+            </a:extLst>
+          </p:cNvPr>
+          <p:cNvSpPr/>
+          <p:nvPr/>
+        </p:nvSpPr>
+        <p:spPr>
+          <a:xfrm>
+            <a:off x="0" y="48922"/>
+            <a:ext cx="8230138" cy="523220"/>
+          </a:xfrm>
+          <a:prstGeom prst="rect">
+            <a:avLst/>
+          </a:prstGeom>
+        </p:spPr>
+        <p:txBody>
+          <a:bodyPr wrap="none">
+            <a:spAutoFit/>
+          </a:bodyPr>
+          <a:lstStyle/>
+          <a:p>
+            <a:r>
+              <a:rPr lang="en-US" sz="2800" b="1" dirty="0">
                 <a:latin typeface="Helvetica-Bold"/>
               </a:rPr>
-              <a:t>9.1.1.3. Compressing and unpacking with </a:t>
-            </a:r>
-            <a:r>
-              <a:rPr lang="en-US" sz="1800" b="1" i="0" u="none" strike="noStrike" baseline="0" dirty="0" err="1">
+              <a:t>Compressing and unpacking with </a:t>
+            </a:r>
+            <a:r>
+              <a:rPr lang="en-US" sz="2800" b="1" dirty="0" err="1">
                 <a:latin typeface="Helvetica-Bold"/>
               </a:rPr>
               <a:t>gzip</a:t>
             </a:r>
             <a:r>
-              <a:rPr lang="en-US" sz="1800" b="1" i="0" u="none" strike="noStrike" baseline="0" dirty="0">
+              <a:rPr lang="en-US" sz="2800" b="1" dirty="0">
                 <a:latin typeface="Helvetica-Bold"/>
               </a:rPr>
               <a:t> or bzip2</a:t>
             </a:r>
-          </a:p>
-          <a:p>
-            <a:pPr algn="l"/>
-            <a:r>
-              <a:rPr lang="en-US" sz="1800" b="0" i="0" u="none" strike="noStrike" baseline="0" dirty="0">
-                <a:latin typeface="Times-Roman"/>
-              </a:rPr>
-              <a:t>Data, including </a:t>
-            </a:r>
-            <a:r>
-              <a:rPr lang="en-US" sz="1800" b="0" i="0" u="none" strike="noStrike" baseline="0" dirty="0" err="1">
-                <a:latin typeface="Times-Roman"/>
-              </a:rPr>
-              <a:t>tarballs</a:t>
-            </a:r>
-            <a:r>
-              <a:rPr lang="en-US" sz="1800" b="0" i="0" u="none" strike="noStrike" baseline="0" dirty="0">
-                <a:latin typeface="Times-Roman"/>
-              </a:rPr>
-              <a:t>, can be compressed using zip tools. The </a:t>
-            </a:r>
-            <a:r>
-              <a:rPr lang="en-US" sz="1800" b="1" i="0" u="none" strike="noStrike" baseline="0" dirty="0" err="1">
-                <a:latin typeface="Times-Bold"/>
-              </a:rPr>
-              <a:t>gzip</a:t>
-            </a:r>
-            <a:r>
-              <a:rPr lang="en-US" sz="1800" b="1" i="0" u="none" strike="noStrike" baseline="0" dirty="0">
-                <a:latin typeface="Times-Bold"/>
-              </a:rPr>
-              <a:t> </a:t>
-            </a:r>
-            <a:r>
-              <a:rPr lang="en-US" sz="1800" b="0" i="0" u="none" strike="noStrike" baseline="0" dirty="0">
-                <a:latin typeface="Times-Roman"/>
-              </a:rPr>
-              <a:t>command will add the suffix .</a:t>
-            </a:r>
-            <a:r>
-              <a:rPr lang="en-US" sz="1800" b="0" i="0" u="none" strike="noStrike" baseline="0" dirty="0" err="1">
-                <a:latin typeface="Times-Roman"/>
-              </a:rPr>
-              <a:t>gz</a:t>
-            </a:r>
-            <a:r>
-              <a:rPr lang="en-US" sz="1800" b="0" i="0" u="none" strike="noStrike" baseline="0" dirty="0">
-                <a:latin typeface="Times-Roman"/>
-              </a:rPr>
-              <a:t> to the</a:t>
-            </a:r>
-          </a:p>
-          <a:p>
-            <a:pPr algn="l"/>
-            <a:r>
-              <a:rPr lang="en-US" sz="1800" b="0" i="0" u="none" strike="noStrike" baseline="0" dirty="0">
-                <a:latin typeface="Times-Roman"/>
-              </a:rPr>
-              <a:t>file name and remove the original file.</a:t>
-            </a:r>
-          </a:p>
-          <a:p>
-            <a:pPr algn="l"/>
-            <a:r>
-              <a:rPr lang="nb-NO" sz="1400" b="0" i="0" u="none" strike="noStrike" baseline="0" dirty="0">
-                <a:latin typeface="Courier"/>
-              </a:rPr>
-              <a:t>jimmy:~&gt; </a:t>
-            </a:r>
-            <a:r>
-              <a:rPr lang="nb-NO" sz="1400" b="1" i="0" u="none" strike="noStrike" baseline="0" dirty="0">
-                <a:latin typeface="Courier-Bold"/>
-              </a:rPr>
-              <a:t>ls -la | grep tar</a:t>
-            </a:r>
-          </a:p>
-          <a:p>
-            <a:pPr algn="l"/>
-            <a:r>
-              <a:rPr lang="en-IN" sz="1400" b="0" i="0" u="none" strike="noStrike" baseline="0" dirty="0">
-                <a:latin typeface="Courier"/>
-              </a:rPr>
-              <a:t>-</a:t>
-            </a:r>
-            <a:r>
-              <a:rPr lang="en-IN" sz="1400" b="0" i="0" u="none" strike="noStrike" baseline="0" dirty="0" err="1">
-                <a:latin typeface="Courier"/>
-              </a:rPr>
-              <a:t>rw</a:t>
-            </a:r>
-            <a:r>
-              <a:rPr lang="en-IN" sz="1400" b="0" i="0" u="none" strike="noStrike" baseline="0" dirty="0">
-                <a:latin typeface="Courier"/>
-              </a:rPr>
-              <a:t>-</a:t>
-            </a:r>
-            <a:r>
-              <a:rPr lang="en-IN" sz="1400" b="0" i="0" u="none" strike="noStrike" baseline="0" dirty="0" err="1">
-                <a:latin typeface="Courier"/>
-              </a:rPr>
-              <a:t>rw</a:t>
-            </a:r>
-            <a:r>
-              <a:rPr lang="en-IN" sz="1400" b="0" i="0" u="none" strike="noStrike" baseline="0" dirty="0">
-                <a:latin typeface="Courier"/>
-              </a:rPr>
-              <a:t>-r-- 1 jimmy </a:t>
-            </a:r>
-            <a:r>
-              <a:rPr lang="en-IN" sz="1400" b="0" i="0" u="none" strike="noStrike" baseline="0" dirty="0" err="1">
-                <a:latin typeface="Courier"/>
-              </a:rPr>
-              <a:t>jimmy</a:t>
-            </a:r>
-            <a:r>
-              <a:rPr lang="en-IN" sz="1400" b="0" i="0" u="none" strike="noStrike" baseline="0" dirty="0">
-                <a:latin typeface="Courier"/>
-              </a:rPr>
-              <a:t> 61440 Jun 6 14:08 images-without-dir.tar</a:t>
-            </a:r>
-          </a:p>
-          <a:p>
-            <a:pPr algn="l"/>
-            <a:r>
-              <a:rPr lang="en-IN" sz="1400" b="0" i="0" u="none" strike="noStrike" baseline="0" dirty="0">
-                <a:latin typeface="Courier"/>
-              </a:rPr>
-              <a:t>jimmy:~&gt; </a:t>
-            </a:r>
-            <a:r>
-              <a:rPr lang="en-IN" sz="1400" b="1" i="0" u="none" strike="noStrike" baseline="0" dirty="0" err="1">
-                <a:latin typeface="Courier-Bold"/>
-              </a:rPr>
-              <a:t>gzip</a:t>
-            </a:r>
-            <a:r>
-              <a:rPr lang="en-IN" sz="1400" b="1" i="0" u="none" strike="noStrike" baseline="0" dirty="0">
-                <a:latin typeface="Courier-Bold"/>
-              </a:rPr>
-              <a:t> images-without-dir.tar</a:t>
-            </a:r>
-          </a:p>
-          <a:p>
-            <a:pPr algn="l"/>
-            <a:r>
-              <a:rPr lang="en-US" sz="1400" b="0" i="0" u="none" strike="noStrike" baseline="0" dirty="0">
-                <a:latin typeface="Courier"/>
-              </a:rPr>
-              <a:t>jimmy:~&gt; </a:t>
-            </a:r>
-            <a:r>
-              <a:rPr lang="en-US" sz="1400" b="1" i="0" u="none" strike="noStrike" baseline="0" dirty="0">
-                <a:latin typeface="Courier-Bold"/>
-              </a:rPr>
-              <a:t>ls -la images-without-dir.tar.gz</a:t>
-            </a:r>
-          </a:p>
-          <a:p>
-            <a:pPr algn="l"/>
-            <a:r>
-              <a:rPr lang="en-IN" sz="1400" b="0" i="0" u="none" strike="noStrike" baseline="0" dirty="0">
-                <a:latin typeface="Courier"/>
-              </a:rPr>
-              <a:t>-</a:t>
-            </a:r>
-            <a:r>
-              <a:rPr lang="en-IN" sz="1400" b="0" i="0" u="none" strike="noStrike" baseline="0" dirty="0" err="1">
-                <a:latin typeface="Courier"/>
-              </a:rPr>
-              <a:t>rw</a:t>
-            </a:r>
-            <a:r>
-              <a:rPr lang="en-IN" sz="1400" b="0" i="0" u="none" strike="noStrike" baseline="0" dirty="0">
-                <a:latin typeface="Courier"/>
-              </a:rPr>
-              <a:t>-</a:t>
-            </a:r>
-            <a:r>
-              <a:rPr lang="en-IN" sz="1400" b="0" i="0" u="none" strike="noStrike" baseline="0" dirty="0" err="1">
-                <a:latin typeface="Courier"/>
-              </a:rPr>
-              <a:t>rw</a:t>
-            </a:r>
-            <a:r>
-              <a:rPr lang="en-IN" sz="1400" b="0" i="0" u="none" strike="noStrike" baseline="0" dirty="0">
-                <a:latin typeface="Courier"/>
-              </a:rPr>
-              <a:t>-r-- 1 jimmy </a:t>
-            </a:r>
-            <a:r>
-              <a:rPr lang="en-IN" sz="1400" b="0" i="0" u="none" strike="noStrike" baseline="0" dirty="0" err="1">
-                <a:latin typeface="Courier"/>
-              </a:rPr>
-              <a:t>jimmy</a:t>
-            </a:r>
-            <a:r>
-              <a:rPr lang="en-IN" sz="1400" b="0" i="0" u="none" strike="noStrike" baseline="0" dirty="0">
-                <a:latin typeface="Courier"/>
-              </a:rPr>
-              <a:t> 50562 Jun 6 14:08 images-without-dir.tar.gz</a:t>
-            </a:r>
-          </a:p>
-          <a:p>
-            <a:pPr algn="l"/>
-            <a:r>
-              <a:rPr lang="en-US" sz="1800" b="0" i="0" u="none" strike="noStrike" baseline="0" dirty="0" err="1">
-                <a:latin typeface="Times-Roman"/>
-              </a:rPr>
-              <a:t>Uncompress</a:t>
-            </a:r>
-            <a:r>
-              <a:rPr lang="en-US" sz="1800" b="0" i="0" u="none" strike="noStrike" baseline="0" dirty="0">
-                <a:latin typeface="Times-Roman"/>
-              </a:rPr>
-              <a:t> </a:t>
-            </a:r>
-            <a:r>
-              <a:rPr lang="en-US" sz="1800" b="0" i="0" u="none" strike="noStrike" baseline="0" dirty="0" err="1">
-                <a:latin typeface="Times-Roman"/>
-              </a:rPr>
-              <a:t>gzipped</a:t>
-            </a:r>
-            <a:r>
-              <a:rPr lang="en-US" sz="1800" b="0" i="0" u="none" strike="noStrike" baseline="0" dirty="0">
-                <a:latin typeface="Times-Roman"/>
-              </a:rPr>
-              <a:t> files with the </a:t>
-            </a:r>
-            <a:r>
-              <a:rPr lang="en-US" sz="1800" b="0" i="0" u="none" strike="noStrike" baseline="0" dirty="0">
-                <a:latin typeface="Courier"/>
-              </a:rPr>
-              <a:t>-d </a:t>
-            </a:r>
-            <a:r>
-              <a:rPr lang="en-US" sz="1800" b="0" i="0" u="none" strike="noStrike" baseline="0" dirty="0">
-                <a:latin typeface="Times-Roman"/>
-              </a:rPr>
-              <a:t>option.</a:t>
-            </a:r>
-          </a:p>
-          <a:p>
-            <a:pPr algn="l"/>
-            <a:r>
-              <a:rPr lang="en-US" sz="1800" b="1" i="0" u="none" strike="noStrike" baseline="0" dirty="0">
-                <a:latin typeface="Times-Bold"/>
-              </a:rPr>
-              <a:t>bzip2 </a:t>
-            </a:r>
-            <a:r>
-              <a:rPr lang="en-US" sz="1800" b="0" i="0" u="none" strike="noStrike" baseline="0" dirty="0">
-                <a:latin typeface="Times-Roman"/>
-              </a:rPr>
-              <a:t>works in a similar way, but uses an improved compression algorithm, thus creating smaller files. See</a:t>
-            </a:r>
-          </a:p>
-          <a:p>
-            <a:pPr algn="l"/>
-            <a:r>
-              <a:rPr lang="en-US" sz="1800" b="0" i="0" u="none" strike="noStrike" baseline="0" dirty="0">
-                <a:latin typeface="Times-Roman"/>
-              </a:rPr>
-              <a:t>the </a:t>
-            </a:r>
-            <a:r>
-              <a:rPr lang="en-US" sz="1800" b="1" i="0" u="none" strike="noStrike" baseline="0" dirty="0">
-                <a:latin typeface="Times-Bold"/>
-              </a:rPr>
-              <a:t>bzip2 </a:t>
-            </a:r>
-            <a:r>
-              <a:rPr lang="en-US" sz="1800" b="0" i="0" u="none" strike="noStrike" baseline="0" dirty="0">
-                <a:latin typeface="Times-Roman"/>
-              </a:rPr>
-              <a:t>info pages for more.</a:t>
-            </a:r>
-          </a:p>
-          <a:p>
-            <a:pPr algn="l"/>
-            <a:r>
-              <a:rPr lang="en-US" sz="1800" b="0" i="0" u="none" strike="noStrike" baseline="0" dirty="0">
-                <a:latin typeface="Times-Roman"/>
-              </a:rPr>
-              <a:t>Linux software packages are often distributed in a </a:t>
-            </a:r>
-            <a:r>
-              <a:rPr lang="en-US" sz="1800" b="0" i="0" u="none" strike="noStrike" baseline="0" dirty="0" err="1">
-                <a:latin typeface="Times-Roman"/>
-              </a:rPr>
-              <a:t>gzipped</a:t>
-            </a:r>
-            <a:r>
-              <a:rPr lang="en-US" sz="1800" b="0" i="0" u="none" strike="noStrike" baseline="0" dirty="0">
-                <a:latin typeface="Times-Roman"/>
-              </a:rPr>
-              <a:t> </a:t>
-            </a:r>
-            <a:r>
-              <a:rPr lang="en-US" sz="1800" b="0" i="0" u="none" strike="noStrike" baseline="0" dirty="0" err="1">
-                <a:latin typeface="Times-Roman"/>
-              </a:rPr>
-              <a:t>tarball</a:t>
-            </a:r>
-            <a:r>
-              <a:rPr lang="en-US" sz="1800" b="0" i="0" u="none" strike="noStrike" baseline="0" dirty="0">
-                <a:latin typeface="Times-Roman"/>
-              </a:rPr>
-              <a:t>. The sensible thing to do after unpacking</a:t>
-            </a:r>
-          </a:p>
-          <a:p>
-            <a:pPr algn="l"/>
-            <a:r>
-              <a:rPr lang="en-US" sz="1800" b="0" i="0" u="none" strike="noStrike" baseline="0" dirty="0">
-                <a:latin typeface="Times-Roman"/>
-              </a:rPr>
-              <a:t>that kind of archives is find the </a:t>
-            </a:r>
-            <a:r>
-              <a:rPr lang="en-US" sz="1800" b="0" i="0" u="none" strike="noStrike" baseline="0" dirty="0">
-                <a:latin typeface="Courier"/>
-              </a:rPr>
-              <a:t>README </a:t>
-            </a:r>
-            <a:r>
-              <a:rPr lang="en-US" sz="1800" b="0" i="0" u="none" strike="noStrike" baseline="0" dirty="0">
-                <a:latin typeface="Times-Roman"/>
-              </a:rPr>
-              <a:t>and read it. It will generally contain guidelines to installing the</a:t>
-            </a:r>
-          </a:p>
-          <a:p>
-            <a:pPr algn="l"/>
-            <a:r>
-              <a:rPr lang="en-IN" sz="1800" b="0" i="0" u="none" strike="noStrike" baseline="0" dirty="0">
-                <a:latin typeface="Times-Roman"/>
-              </a:rPr>
-              <a:t>package.</a:t>
-            </a:r>
-          </a:p>
-          <a:p>
-            <a:pPr algn="l"/>
-            <a:r>
-              <a:rPr lang="en-US" sz="1800" b="0" i="0" u="none" strike="noStrike" baseline="0" dirty="0">
-                <a:latin typeface="Times-Roman"/>
-              </a:rPr>
-              <a:t>The GNU </a:t>
-            </a:r>
-            <a:r>
-              <a:rPr lang="en-US" sz="1800" b="1" i="0" u="none" strike="noStrike" baseline="0" dirty="0">
-                <a:latin typeface="Times-Bold"/>
-              </a:rPr>
-              <a:t>tar </a:t>
-            </a:r>
-            <a:r>
-              <a:rPr lang="en-US" sz="1800" b="0" i="0" u="none" strike="noStrike" baseline="0" dirty="0">
-                <a:latin typeface="Times-Roman"/>
-              </a:rPr>
-              <a:t>command is aware of </a:t>
-            </a:r>
-            <a:r>
-              <a:rPr lang="en-US" sz="1800" b="0" i="0" u="none" strike="noStrike" baseline="0" dirty="0" err="1">
-                <a:latin typeface="Times-Roman"/>
-              </a:rPr>
-              <a:t>gzipped</a:t>
-            </a:r>
-            <a:r>
-              <a:rPr lang="en-US" sz="1800" b="0" i="0" u="none" strike="noStrike" baseline="0" dirty="0">
-                <a:latin typeface="Times-Roman"/>
-              </a:rPr>
-              <a:t> files. Use the command</a:t>
-            </a:r>
-          </a:p>
-          <a:p>
-            <a:pPr algn="l"/>
-            <a:r>
-              <a:rPr lang="en-IN" sz="1800" b="1" i="0" u="none" strike="noStrike" baseline="0" dirty="0">
-                <a:latin typeface="Times-Bold"/>
-              </a:rPr>
-              <a:t>tar </a:t>
-            </a:r>
-            <a:r>
-              <a:rPr lang="en-IN" sz="1800" b="1" i="0" u="none" strike="noStrike" baseline="0" dirty="0" err="1">
-                <a:latin typeface="Courier-Bold"/>
-              </a:rPr>
-              <a:t>zxvf</a:t>
-            </a:r>
-            <a:r>
-              <a:rPr lang="en-IN" sz="1800" b="1" i="0" u="none" strike="noStrike" baseline="0" dirty="0">
-                <a:latin typeface="Courier-Bold"/>
-              </a:rPr>
-              <a:t> file.tar.gz</a:t>
-            </a:r>
-          </a:p>
-          <a:p>
-            <a:pPr algn="l"/>
-            <a:r>
-              <a:rPr lang="en-US" sz="1800" b="0" i="0" u="none" strike="noStrike" baseline="0" dirty="0">
-                <a:latin typeface="Times-Roman"/>
-              </a:rPr>
-              <a:t>for unzipping and </a:t>
-            </a:r>
-            <a:r>
-              <a:rPr lang="en-US" sz="1800" b="0" i="0" u="none" strike="noStrike" baseline="0" dirty="0" err="1">
-                <a:latin typeface="Times-Roman"/>
-              </a:rPr>
-              <a:t>untarring</a:t>
-            </a:r>
-            <a:r>
-              <a:rPr lang="en-US" sz="1800" b="0" i="0" u="none" strike="noStrike" baseline="0" dirty="0">
-                <a:latin typeface="Times-Roman"/>
-              </a:rPr>
-              <a:t> </a:t>
-            </a:r>
-            <a:r>
-              <a:rPr lang="en-US" sz="1800" b="0" i="0" u="none" strike="noStrike" baseline="0" dirty="0">
-                <a:latin typeface="Courier"/>
-              </a:rPr>
-              <a:t>.tar.gz </a:t>
-            </a:r>
-            <a:r>
-              <a:rPr lang="en-US" sz="1800" b="0" i="0" u="none" strike="noStrike" baseline="0" dirty="0">
-                <a:latin typeface="Times-Roman"/>
-              </a:rPr>
-              <a:t>or </a:t>
-            </a:r>
-            <a:r>
-              <a:rPr lang="en-US" sz="1800" b="0" i="0" u="none" strike="noStrike" baseline="0" dirty="0">
-                <a:latin typeface="Courier"/>
-              </a:rPr>
-              <a:t>.</a:t>
-            </a:r>
-            <a:r>
-              <a:rPr lang="en-US" sz="1800" b="0" i="0" u="none" strike="noStrike" baseline="0" dirty="0" err="1">
-                <a:latin typeface="Courier"/>
-              </a:rPr>
-              <a:t>tgz</a:t>
-            </a:r>
-            <a:r>
-              <a:rPr lang="en-US" sz="1800" b="0" i="0" u="none" strike="noStrike" baseline="0" dirty="0">
-                <a:latin typeface="Courier"/>
-              </a:rPr>
-              <a:t> </a:t>
-            </a:r>
-            <a:r>
-              <a:rPr lang="en-US" sz="1800" b="0" i="0" u="none" strike="noStrike" baseline="0" dirty="0">
-                <a:latin typeface="Times-Roman"/>
-              </a:rPr>
-              <a:t>files. Use</a:t>
-            </a:r>
-          </a:p>
-          <a:p>
-            <a:pPr algn="l"/>
-            <a:r>
-              <a:rPr lang="en-IN" sz="1800" b="1" i="0" u="none" strike="noStrike" baseline="0" dirty="0">
-                <a:latin typeface="Times-Bold"/>
-              </a:rPr>
-              <a:t>tar </a:t>
-            </a:r>
-            <a:r>
-              <a:rPr lang="en-IN" sz="1800" b="1" i="0" u="none" strike="noStrike" baseline="0" dirty="0" err="1">
-                <a:latin typeface="Courier-Bold"/>
-              </a:rPr>
-              <a:t>jxvf</a:t>
-            </a:r>
-            <a:r>
-              <a:rPr lang="en-IN" sz="1800" b="1" i="0" u="none" strike="noStrike" baseline="0" dirty="0">
-                <a:latin typeface="Courier-Bold"/>
-              </a:rPr>
-              <a:t> file.tar.bz2</a:t>
-            </a:r>
-          </a:p>
-          <a:p>
-            <a:pPr algn="l"/>
-            <a:r>
-              <a:rPr lang="en-US" sz="1800" b="0" i="0" u="none" strike="noStrike" baseline="0" dirty="0">
-                <a:latin typeface="Times-Roman"/>
-              </a:rPr>
-              <a:t>for unpacking </a:t>
-            </a:r>
-            <a:r>
-              <a:rPr lang="en-US" sz="1800" b="1" i="0" u="none" strike="noStrike" baseline="0" dirty="0">
-                <a:latin typeface="Times-Bold"/>
-              </a:rPr>
-              <a:t>tar </a:t>
-            </a:r>
-            <a:r>
-              <a:rPr lang="en-US" sz="1800" b="0" i="0" u="none" strike="noStrike" baseline="0" dirty="0">
-                <a:latin typeface="Times-Roman"/>
-              </a:rPr>
-              <a:t>archives that were compressed with </a:t>
-            </a:r>
-            <a:r>
-              <a:rPr lang="en-US" sz="1800" b="1" i="0" u="none" strike="noStrike" baseline="0" dirty="0">
-                <a:latin typeface="Times-Bold"/>
-              </a:rPr>
-              <a:t>bzip2</a:t>
-            </a:r>
-            <a:r>
-              <a:rPr lang="en-US" sz="1800" b="0" i="0" u="none" strike="noStrike" baseline="0" dirty="0">
-                <a:latin typeface="Times-Roman"/>
-              </a:rPr>
-              <a:t>.</a:t>
-            </a:r>
-            <a:endParaRPr lang="en-IN" dirty="0"/>
+            <a:endParaRPr lang="en-US" sz="2800" dirty="0"/>
           </a:p>
         </p:txBody>
       </p:sp>
@@ -12269,8 +12113,8 @@
         </p:nvSpPr>
         <p:spPr>
           <a:xfrm>
-            <a:off x="3048802" y="892250"/>
-            <a:ext cx="6097604" cy="5078313"/>
+            <a:off x="103695" y="892250"/>
+            <a:ext cx="11962614" cy="2862322"/>
           </a:xfrm>
           <a:prstGeom prst="rect">
             <a:avLst/>
@@ -12283,16 +12127,7 @@
           </a:bodyPr>
           <a:lstStyle/>
           <a:p>
-            <a:pPr algn="l"/>
-            <a:r>
-              <a:rPr lang="en-IN" sz="1800" b="1" i="0" u="none" strike="noStrike" baseline="0" dirty="0">
-                <a:latin typeface="Helvetica-Bold"/>
-              </a:rPr>
-              <a:t>9.1.1.4. Java archives</a:t>
-            </a:r>
-          </a:p>
-          <a:p>
-            <a:pPr algn="l"/>
+            <a:pPr algn="just"/>
             <a:r>
               <a:rPr lang="en-US" sz="1800" b="0" i="0" u="none" strike="noStrike" baseline="0" dirty="0">
                 <a:latin typeface="Times-Roman"/>
@@ -12309,113 +12144,86 @@
               <a:rPr lang="en-US" sz="1800" b="0" i="0" u="none" strike="noStrike" baseline="0" dirty="0">
                 <a:latin typeface="Times-Roman"/>
               </a:rPr>
-              <a:t>tool for creating Java archives. It is a Java application that</a:t>
-            </a:r>
-          </a:p>
-          <a:p>
-            <a:pPr algn="l"/>
+              <a:t>tool for creating Java archives. It is a Java application that combines multiple files into a single JAR archive file. While also being a general purpose archiving and compression tool, based on ZIP and the ZLIB compression format, </a:t>
+            </a:r>
+            <a:r>
+              <a:rPr lang="en-US" sz="1800" b="1" i="0" u="none" strike="noStrike" baseline="0" dirty="0">
+                <a:latin typeface="Times-Bold"/>
+              </a:rPr>
+              <a:t>jar </a:t>
+            </a:r>
             <a:r>
               <a:rPr lang="en-US" sz="1800" b="0" i="0" u="none" strike="noStrike" baseline="0" dirty="0">
                 <a:latin typeface="Times-Roman"/>
               </a:rPr>
-              <a:t>combines multiple files into a single JAR archive file. While also being a general purpose archiving and</a:t>
-            </a:r>
-          </a:p>
-          <a:p>
-            <a:pPr algn="l"/>
+              <a:t>was mainly designed to facilitate the packing of Java code, applets and/or applications in a single file. </a:t>
+            </a:r>
+          </a:p>
+          <a:p>
+            <a:pPr algn="just"/>
+            <a:endParaRPr lang="en-US" dirty="0">
+              <a:latin typeface="Times-Roman"/>
+            </a:endParaRPr>
+          </a:p>
+          <a:p>
+            <a:pPr algn="just"/>
             <a:r>
               <a:rPr lang="en-US" sz="1800" b="0" i="0" u="none" strike="noStrike" baseline="0" dirty="0">
                 <a:latin typeface="Times-Roman"/>
               </a:rPr>
-              <a:t>compression tool, based on ZIP and the ZLIB compression format, </a:t>
+              <a:t>When combined in a single archive, the components of a Java application, can be downloaded much faster.</a:t>
+            </a:r>
+          </a:p>
+          <a:p>
+            <a:pPr algn="just"/>
+            <a:endParaRPr lang="en-US" sz="1800" b="0" i="0" u="none" strike="noStrike" baseline="0" dirty="0">
+              <a:latin typeface="Times-Roman"/>
+            </a:endParaRPr>
+          </a:p>
+          <a:p>
+            <a:pPr algn="just"/>
+            <a:r>
+              <a:rPr lang="en-US" sz="1800" b="0" i="0" u="none" strike="noStrike" baseline="0" dirty="0">
+                <a:latin typeface="Times-Roman"/>
+              </a:rPr>
+              <a:t>Unlike </a:t>
             </a:r>
             <a:r>
               <a:rPr lang="en-US" sz="1800" b="1" i="0" u="none" strike="noStrike" baseline="0" dirty="0">
                 <a:latin typeface="Times-Bold"/>
               </a:rPr>
+              <a:t>tar</a:t>
+            </a:r>
+            <a:r>
+              <a:rPr lang="en-US" sz="1800" b="0" i="0" u="none" strike="noStrike" baseline="0" dirty="0">
+                <a:latin typeface="Times-Roman"/>
+              </a:rPr>
+              <a:t>, </a:t>
+            </a:r>
+            <a:r>
+              <a:rPr lang="en-US" sz="1800" b="1" i="0" u="none" strike="noStrike" baseline="0" dirty="0">
+                <a:latin typeface="Times-Bold"/>
+              </a:rPr>
               <a:t>jar </a:t>
             </a:r>
             <a:r>
               <a:rPr lang="en-US" sz="1800" b="0" i="0" u="none" strike="noStrike" baseline="0" dirty="0">
                 <a:latin typeface="Times-Roman"/>
               </a:rPr>
-              <a:t>was mainly designed to facilitate the</a:t>
-            </a:r>
-          </a:p>
-          <a:p>
-            <a:pPr algn="l"/>
+              <a:t>compresses by default, independent from other tools - because it is basically the Java version of </a:t>
+            </a:r>
+            <a:r>
+              <a:rPr lang="en-US" sz="1800" b="1" i="0" u="none" strike="noStrike" baseline="0" dirty="0">
+                <a:latin typeface="Times-Bold"/>
+              </a:rPr>
+              <a:t>zip</a:t>
+            </a:r>
             <a:r>
               <a:rPr lang="en-US" sz="1800" b="0" i="0" u="none" strike="noStrike" baseline="0" dirty="0">
                 <a:latin typeface="Times-Roman"/>
               </a:rPr>
-              <a:t>packing of Java code, applets and/or applications in a single file. When combined in a single archive, the</a:t>
-            </a:r>
-          </a:p>
-          <a:p>
-            <a:pPr algn="l"/>
-            <a:r>
-              <a:rPr lang="en-US" sz="1800" b="0" i="0" u="none" strike="noStrike" baseline="0" dirty="0">
-                <a:latin typeface="Times-Roman"/>
-              </a:rPr>
-              <a:t>components of a Java application, can be downloaded much faster.</a:t>
-            </a:r>
-          </a:p>
-          <a:p>
-            <a:pPr algn="l"/>
-            <a:r>
-              <a:rPr lang="en-US" sz="1800" b="0" i="0" u="none" strike="noStrike" baseline="0" dirty="0">
-                <a:latin typeface="Times-Roman"/>
-              </a:rPr>
-              <a:t>Unlike </a:t>
-            </a:r>
-            <a:r>
-              <a:rPr lang="en-US" sz="1800" b="1" i="0" u="none" strike="noStrike" baseline="0" dirty="0">
-                <a:latin typeface="Times-Bold"/>
-              </a:rPr>
-              <a:t>tar</a:t>
-            </a:r>
-            <a:r>
-              <a:rPr lang="en-US" sz="1800" b="0" i="0" u="none" strike="noStrike" baseline="0" dirty="0">
-                <a:latin typeface="Times-Roman"/>
-              </a:rPr>
-              <a:t>, </a:t>
-            </a:r>
-            <a:r>
-              <a:rPr lang="en-US" sz="1800" b="1" i="0" u="none" strike="noStrike" baseline="0" dirty="0">
-                <a:latin typeface="Times-Bold"/>
-              </a:rPr>
-              <a:t>jar </a:t>
-            </a:r>
-            <a:r>
-              <a:rPr lang="en-US" sz="1800" b="0" i="0" u="none" strike="noStrike" baseline="0" dirty="0">
-                <a:latin typeface="Times-Roman"/>
-              </a:rPr>
-              <a:t>compresses by default, independent from other tools - because it is basically the Java version</a:t>
-            </a:r>
-          </a:p>
-          <a:p>
-            <a:pPr algn="l"/>
-            <a:r>
-              <a:rPr lang="en-US" sz="1800" b="0" i="0" u="none" strike="noStrike" baseline="0" dirty="0">
-                <a:latin typeface="Times-Roman"/>
-              </a:rPr>
-              <a:t>of </a:t>
-            </a:r>
-            <a:r>
-              <a:rPr lang="en-US" sz="1800" b="1" i="0" u="none" strike="noStrike" baseline="0" dirty="0">
-                <a:latin typeface="Times-Bold"/>
-              </a:rPr>
-              <a:t>zip</a:t>
-            </a:r>
-            <a:r>
-              <a:rPr lang="en-US" sz="1800" b="0" i="0" u="none" strike="noStrike" baseline="0" dirty="0">
-                <a:latin typeface="Times-Roman"/>
-              </a:rPr>
-              <a:t>. In addition, it allows individual entries in an archive to be signed by the author, so that origins can be</a:t>
-            </a:r>
-          </a:p>
-          <a:p>
-            <a:pPr algn="l"/>
+              <a:t>. In addition, it allows individual entries in an archive to be signed by the author, so that origins can be </a:t>
+            </a:r>
             <a:r>
               <a:rPr lang="en-IN" sz="1800" b="0" i="0" u="none" strike="noStrike" baseline="0" dirty="0">
                 <a:latin typeface="Times-Roman"/>
@@ -12424,7 +12232,13 @@
             </a:r>
           </a:p>
           <a:p>
-            <a:pPr algn="l"/>
+            <a:pPr algn="just"/>
+            <a:endParaRPr lang="en-US" sz="1800" b="0" i="0" u="none" strike="noStrike" baseline="0" dirty="0">
+              <a:latin typeface="Times-Roman"/>
+            </a:endParaRPr>
+          </a:p>
+          <a:p>
+            <a:pPr algn="just"/>
             <a:r>
               <a:rPr lang="en-US" sz="1800" b="0" i="0" u="none" strike="noStrike" baseline="0" dirty="0">
                 <a:latin typeface="Times-Roman"/>
@@ -12462,6 +12276,42 @@
               <a:t>for specific differences.</a:t>
             </a:r>
             <a:endParaRPr lang="en-IN" dirty="0"/>
+          </a:p>
+        </p:txBody>
+      </p:sp>
+      <p:sp>
+        <p:nvSpPr>
+          <p:cNvPr id="2" name="Rectangle 1">
+            <a:extLst>
+              <a:ext uri="{FF2B5EF4-FFF2-40B4-BE49-F238E27FC236}">
+                <a16:creationId xmlns:a16="http://schemas.microsoft.com/office/drawing/2014/main" id="{76CAB57A-2D4E-4AFD-8863-47433768B840}"/>
+              </a:ext>
+            </a:extLst>
+          </p:cNvPr>
+          <p:cNvSpPr/>
+          <p:nvPr/>
+        </p:nvSpPr>
+        <p:spPr>
+          <a:xfrm>
+            <a:off x="0" y="0"/>
+            <a:ext cx="2545890" cy="523220"/>
+          </a:xfrm>
+          <a:prstGeom prst="rect">
+            <a:avLst/>
+          </a:prstGeom>
+        </p:spPr>
+        <p:txBody>
+          <a:bodyPr wrap="none">
+            <a:spAutoFit/>
+          </a:bodyPr>
+          <a:lstStyle/>
+          <a:p>
+            <a:r>
+              <a:rPr lang="en-IN" sz="2800" b="1" dirty="0">
+                <a:latin typeface="Helvetica-Bold"/>
+              </a:rPr>
+              <a:t>Java archives</a:t>
+            </a:r>
           </a:p>
         </p:txBody>
       </p:sp>
@@ -12500,7 +12350,7 @@
           <p:cNvPr id="3" name="TextBox 2">
             <a:extLst>
               <a:ext uri="{FF2B5EF4-FFF2-40B4-BE49-F238E27FC236}">
-                <a16:creationId xmlns:a16="http://schemas.microsoft.com/office/drawing/2014/main" id="{666EACFD-0FB5-7CB8-BCF5-F22DEB30C7E6}"/>
+                <a16:creationId xmlns:a16="http://schemas.microsoft.com/office/drawing/2014/main" id="{6AF1219A-1E4E-F440-7902-20AB8930B3A2}"/>
               </a:ext>
             </a:extLst>
           </p:cNvPr>
@@ -12509,8 +12359,8 @@
         </p:nvSpPr>
         <p:spPr>
           <a:xfrm>
-            <a:off x="3048802" y="-523523"/>
-            <a:ext cx="6097604" cy="7909858"/>
+            <a:off x="0" y="1002469"/>
+            <a:ext cx="11877773" cy="4062651"/>
           </a:xfrm>
           <a:prstGeom prst="rect">
             <a:avLst/>
@@ -12525,576 +12375,207 @@
           <a:p>
             <a:pPr algn="l"/>
             <a:r>
-              <a:rPr lang="en-US" sz="3600" b="1" i="0" u="none" strike="noStrike" baseline="0" dirty="0">
-                <a:latin typeface="Helvetica-Bold"/>
-              </a:rPr>
-              <a:t>9.2. Moving your data to a backup device</a:t>
-            </a:r>
-          </a:p>
-          <a:p>
-            <a:pPr algn="l"/>
-            <a:r>
-              <a:rPr lang="en-US" sz="3200" b="1" i="0" u="none" strike="noStrike" baseline="0" dirty="0">
-                <a:latin typeface="Helvetica-Bold"/>
-              </a:rPr>
-              <a:t>9.2.1. Making a copy on a floppy disk</a:t>
-            </a:r>
-          </a:p>
-          <a:p>
-            <a:pPr algn="l"/>
-            <a:r>
-              <a:rPr lang="en-IN" sz="1800" b="1" i="0" u="none" strike="noStrike" baseline="0" dirty="0">
-                <a:latin typeface="Helvetica-Bold"/>
-              </a:rPr>
-              <a:t>9.2.1.1. Formatting the floppy</a:t>
-            </a:r>
-          </a:p>
-          <a:p>
-            <a:pPr algn="l"/>
-            <a:r>
-              <a:rPr lang="en-US" sz="1800" b="0" i="0" u="none" strike="noStrike" baseline="0" dirty="0">
-                <a:latin typeface="Times-Roman"/>
-              </a:rPr>
-              <a:t>On most Linux systems, users have access to the floppy disk device. The name of the device may vary</a:t>
-            </a:r>
-          </a:p>
-          <a:p>
-            <a:pPr algn="l"/>
-            <a:r>
-              <a:rPr lang="en-US" sz="1800" b="0" i="0" u="none" strike="noStrike" baseline="0" dirty="0">
-                <a:latin typeface="Times-Roman"/>
-              </a:rPr>
-              <a:t>depending on the size and number of floppy drives, contact your system admin if you are unsure. On some</a:t>
-            </a:r>
-          </a:p>
-          <a:p>
-            <a:pPr algn="l"/>
-            <a:r>
-              <a:rPr lang="en-US" sz="1800" b="0" i="0" u="none" strike="noStrike" baseline="0" dirty="0">
-                <a:latin typeface="Times-Roman"/>
-              </a:rPr>
-              <a:t>systems, there will likely be a link </a:t>
-            </a:r>
-            <a:r>
-              <a:rPr lang="en-US" sz="1800" b="0" i="0" u="none" strike="noStrike" baseline="0" dirty="0">
-                <a:latin typeface="Courier"/>
-              </a:rPr>
-              <a:t>/dev/floppy </a:t>
-            </a:r>
-            <a:r>
-              <a:rPr lang="en-US" sz="1800" b="0" i="0" u="none" strike="noStrike" baseline="0" dirty="0">
-                <a:latin typeface="Times-Roman"/>
-              </a:rPr>
-              <a:t>pointing to the right device, probably </a:t>
-            </a:r>
-            <a:r>
-              <a:rPr lang="en-US" sz="1800" b="0" i="0" u="none" strike="noStrike" baseline="0" dirty="0">
-                <a:latin typeface="Courier"/>
-              </a:rPr>
-              <a:t>/dev/fd0 </a:t>
-            </a:r>
-            <a:r>
-              <a:rPr lang="en-US" sz="1800" b="0" i="0" u="none" strike="noStrike" baseline="0" dirty="0">
-                <a:latin typeface="Times-Roman"/>
-              </a:rPr>
-              <a:t>(the</a:t>
-            </a:r>
-          </a:p>
-          <a:p>
-            <a:pPr algn="l"/>
-            <a:r>
-              <a:rPr lang="en-US" sz="1800" b="0" i="0" u="none" strike="noStrike" baseline="0" dirty="0">
-                <a:latin typeface="Times-Roman"/>
-              </a:rPr>
-              <a:t>auto-detecting floppy device) or </a:t>
-            </a:r>
-            <a:r>
-              <a:rPr lang="en-US" sz="1800" b="0" i="0" u="none" strike="noStrike" baseline="0" dirty="0">
-                <a:latin typeface="Courier"/>
-              </a:rPr>
-              <a:t>/dev/fd0H1440 </a:t>
-            </a:r>
-            <a:r>
-              <a:rPr lang="en-US" sz="1800" b="0" i="0" u="none" strike="noStrike" baseline="0" dirty="0">
-                <a:latin typeface="Times-Roman"/>
-              </a:rPr>
-              <a:t>(set for 1,44MB floppies).</a:t>
-            </a:r>
-          </a:p>
-          <a:p>
-            <a:pPr algn="l"/>
-            <a:r>
-              <a:rPr lang="en-US" sz="1800" b="1" i="0" u="none" strike="noStrike" baseline="0" dirty="0" err="1">
-                <a:latin typeface="Times-Bold"/>
-              </a:rPr>
-              <a:t>fdformat</a:t>
-            </a:r>
-            <a:r>
-              <a:rPr lang="en-US" sz="1800" b="1" i="0" u="none" strike="noStrike" baseline="0" dirty="0">
-                <a:latin typeface="Times-Bold"/>
-              </a:rPr>
-              <a:t> </a:t>
-            </a:r>
-            <a:r>
-              <a:rPr lang="en-US" sz="1800" b="0" i="0" u="none" strike="noStrike" baseline="0" dirty="0">
-                <a:latin typeface="Times-Roman"/>
-              </a:rPr>
-              <a:t>is the low-level floppy disk formatting tool. It has the device name of the floppy disk as an option.</a:t>
-            </a:r>
-          </a:p>
-          <a:p>
-            <a:pPr algn="l"/>
-            <a:r>
-              <a:rPr lang="en-US" sz="1800" b="1" i="0" u="none" strike="noStrike" baseline="0" dirty="0" err="1">
-                <a:latin typeface="Times-Bold"/>
-              </a:rPr>
-              <a:t>fdformat</a:t>
-            </a:r>
-            <a:r>
-              <a:rPr lang="en-US" sz="1800" b="1" i="0" u="none" strike="noStrike" baseline="0" dirty="0">
-                <a:latin typeface="Times-Bold"/>
-              </a:rPr>
-              <a:t> </a:t>
-            </a:r>
-            <a:r>
-              <a:rPr lang="en-US" sz="1800" b="0" i="0" u="none" strike="noStrike" baseline="0" dirty="0">
-                <a:latin typeface="Times-Roman"/>
-              </a:rPr>
-              <a:t>will display an error when the floppy is write-protected.</a:t>
-            </a:r>
-          </a:p>
-          <a:p>
-            <a:pPr algn="l"/>
-            <a:r>
-              <a:rPr lang="en-IN" sz="1400" b="0" i="0" u="none" strike="noStrike" baseline="0" dirty="0" err="1">
-                <a:latin typeface="Courier"/>
-              </a:rPr>
-              <a:t>emma</a:t>
-            </a:r>
-            <a:r>
-              <a:rPr lang="en-IN" sz="1400" b="0" i="0" u="none" strike="noStrike" baseline="0" dirty="0">
+              <a:rPr lang="en-US" sz="2400" b="0" i="0" u="none" strike="noStrike" baseline="0" dirty="0">
+                <a:latin typeface="Times-Roman"/>
+              </a:rPr>
+              <a:t>The </a:t>
+            </a:r>
+            <a:r>
+              <a:rPr lang="en-US" sz="2400" b="1" i="0" u="none" strike="noStrike" baseline="0" dirty="0">
+                <a:latin typeface="Times-Bold"/>
+              </a:rPr>
+              <a:t>dd </a:t>
+            </a:r>
+            <a:r>
+              <a:rPr lang="en-US" sz="2400" b="0" i="0" u="none" strike="noStrike" baseline="0" dirty="0">
+                <a:latin typeface="Times-Roman"/>
+              </a:rPr>
+              <a:t>command can be used to put data on a disk, or get it off again, depending on the given input and </a:t>
+            </a:r>
+            <a:r>
+              <a:rPr lang="en-IN" sz="2400" b="0" i="0" u="none" strike="noStrike" baseline="0" dirty="0">
+                <a:latin typeface="Times-Roman"/>
+              </a:rPr>
+              <a:t>output devices. An example:</a:t>
+            </a:r>
+          </a:p>
+          <a:p>
+            <a:pPr algn="l"/>
+            <a:endParaRPr lang="en-US" b="0" i="0" u="none" strike="noStrike" baseline="0" dirty="0">
+              <a:latin typeface="Courier"/>
+            </a:endParaRPr>
+          </a:p>
+          <a:p>
+            <a:pPr algn="l"/>
+            <a:r>
+              <a:rPr lang="en-US" b="0" i="0" u="none" strike="noStrike" baseline="0" dirty="0" err="1">
+                <a:latin typeface="Courier"/>
+              </a:rPr>
+              <a:t>gaby</a:t>
+            </a:r>
+            <a:r>
+              <a:rPr lang="en-US" b="0" i="0" u="none" strike="noStrike" baseline="0" dirty="0">
                 <a:latin typeface="Courier"/>
               </a:rPr>
               <a:t>:~&gt; </a:t>
             </a:r>
             <a:r>
-              <a:rPr lang="en-IN" sz="1400" b="1" i="0" u="none" strike="noStrike" baseline="0" dirty="0" err="1">
-                <a:latin typeface="Courier-Bold"/>
-              </a:rPr>
-              <a:t>fdformat</a:t>
-            </a:r>
-            <a:r>
-              <a:rPr lang="en-IN" sz="1400" b="1" i="0" u="none" strike="noStrike" baseline="0" dirty="0">
-                <a:latin typeface="Courier-Bold"/>
-              </a:rPr>
-              <a:t> /dev/fd0H1440</a:t>
-            </a:r>
-          </a:p>
-          <a:p>
-            <a:pPr algn="l"/>
-            <a:r>
-              <a:rPr lang="en-US" sz="1400" b="0" i="0" u="none" strike="noStrike" baseline="0" dirty="0">
-                <a:latin typeface="Courier"/>
-              </a:rPr>
-              <a:t>Double-sided, 80 tracks, 18 sec/track. Total capacity 1440 kB.</a:t>
-            </a:r>
-          </a:p>
-          <a:p>
-            <a:pPr algn="l"/>
-            <a:r>
-              <a:rPr lang="en-IN" sz="1400" b="0" i="0" u="none" strike="noStrike" baseline="0" dirty="0">
-                <a:latin typeface="Courier"/>
-              </a:rPr>
-              <a:t>Formatting ... done</a:t>
-            </a:r>
-          </a:p>
-          <a:p>
-            <a:pPr algn="l"/>
-            <a:r>
-              <a:rPr lang="en-IN" sz="1400" b="0" i="0" u="none" strike="noStrike" baseline="0" dirty="0">
-                <a:latin typeface="Courier"/>
-              </a:rPr>
-              <a:t>Verifying ... done</a:t>
-            </a:r>
-          </a:p>
-          <a:p>
-            <a:pPr algn="l"/>
-            <a:r>
-              <a:rPr lang="en-IN" sz="1400" b="0" i="0" u="none" strike="noStrike" baseline="0" dirty="0" err="1">
-                <a:latin typeface="Courier"/>
-              </a:rPr>
-              <a:t>emma</a:t>
-            </a:r>
-            <a:r>
-              <a:rPr lang="en-IN" sz="1400" b="0" i="0" u="none" strike="noStrike" baseline="0" dirty="0">
-                <a:latin typeface="Courier"/>
-              </a:rPr>
-              <a:t>:~&gt;</a:t>
-            </a:r>
-          </a:p>
-          <a:p>
-            <a:pPr algn="l"/>
-            <a:r>
-              <a:rPr lang="en-US" sz="1800" b="0" i="0" u="none" strike="noStrike" baseline="0" dirty="0">
-                <a:latin typeface="Times-Roman"/>
-              </a:rPr>
-              <a:t>The </a:t>
-            </a:r>
-            <a:r>
-              <a:rPr lang="en-US" sz="1800" b="1" i="0" u="none" strike="noStrike" baseline="0" dirty="0" err="1">
-                <a:latin typeface="Times-Bold"/>
-              </a:rPr>
-              <a:t>mformat</a:t>
-            </a:r>
-            <a:r>
-              <a:rPr lang="en-US" sz="1800" b="1" i="0" u="none" strike="noStrike" baseline="0" dirty="0">
-                <a:latin typeface="Times-Bold"/>
-              </a:rPr>
-              <a:t> </a:t>
-            </a:r>
-            <a:r>
-              <a:rPr lang="en-US" sz="1800" b="0" i="0" u="none" strike="noStrike" baseline="0" dirty="0">
-                <a:latin typeface="Times-Roman"/>
-              </a:rPr>
-              <a:t>command (from the </a:t>
-            </a:r>
-            <a:r>
-              <a:rPr lang="en-US" sz="1800" b="0" i="0" u="none" strike="noStrike" baseline="0" dirty="0" err="1">
-                <a:latin typeface="Times-Roman"/>
-              </a:rPr>
-              <a:t>mtools</a:t>
-            </a:r>
-            <a:r>
-              <a:rPr lang="en-US" sz="1800" b="0" i="0" u="none" strike="noStrike" baseline="0" dirty="0">
-                <a:latin typeface="Times-Roman"/>
-              </a:rPr>
-              <a:t> package) is used to create DOS-compatible floppies which can then</a:t>
-            </a:r>
-          </a:p>
-          <a:p>
-            <a:pPr algn="l"/>
-            <a:r>
-              <a:rPr lang="en-US" sz="1800" b="0" i="0" u="none" strike="noStrike" baseline="0" dirty="0">
-                <a:latin typeface="Times-Roman"/>
-              </a:rPr>
-              <a:t>be accessed using the </a:t>
-            </a:r>
-            <a:r>
-              <a:rPr lang="en-US" sz="1800" b="1" i="0" u="none" strike="noStrike" baseline="0" dirty="0" err="1">
-                <a:latin typeface="Times-Bold"/>
-              </a:rPr>
-              <a:t>mcopy</a:t>
-            </a:r>
-            <a:r>
-              <a:rPr lang="en-US" sz="1800" b="0" i="0" u="none" strike="noStrike" baseline="0" dirty="0">
-                <a:latin typeface="Times-Roman"/>
-              </a:rPr>
-              <a:t>, </a:t>
-            </a:r>
-            <a:r>
-              <a:rPr lang="en-US" sz="1800" b="1" i="0" u="none" strike="noStrike" baseline="0" dirty="0" err="1">
-                <a:latin typeface="Times-Bold"/>
-              </a:rPr>
-              <a:t>mdir</a:t>
-            </a:r>
-            <a:r>
-              <a:rPr lang="en-US" sz="1800" b="1" i="0" u="none" strike="noStrike" baseline="0" dirty="0">
-                <a:latin typeface="Times-Bold"/>
-              </a:rPr>
-              <a:t> </a:t>
-            </a:r>
-            <a:r>
-              <a:rPr lang="en-US" sz="1800" b="0" i="0" u="none" strike="noStrike" baseline="0" dirty="0">
-                <a:latin typeface="Times-Roman"/>
-              </a:rPr>
-              <a:t>and other m-commands.</a:t>
-            </a:r>
-            <a:endParaRPr lang="en-IN" dirty="0"/>
+              <a:rPr lang="en-US" b="1" i="0" u="none" strike="noStrike" baseline="0" dirty="0">
+                <a:latin typeface="Courier-Bold"/>
+              </a:rPr>
+              <a:t>dd if=images-without-dir.tar.gz of=/dev/fd0H1440</a:t>
+            </a:r>
+          </a:p>
+          <a:p>
+            <a:pPr algn="l"/>
+            <a:r>
+              <a:rPr lang="en-IN" b="0" i="0" u="none" strike="noStrike" baseline="0" dirty="0">
+                <a:latin typeface="Courier"/>
+              </a:rPr>
+              <a:t>98+1 records in</a:t>
+            </a:r>
+          </a:p>
+          <a:p>
+            <a:pPr algn="l"/>
+            <a:r>
+              <a:rPr lang="en-IN" b="0" i="0" u="none" strike="noStrike" baseline="0" dirty="0">
+                <a:latin typeface="Courier"/>
+              </a:rPr>
+              <a:t>98+1 records out</a:t>
+            </a:r>
+          </a:p>
+          <a:p>
+            <a:pPr algn="l"/>
+            <a:r>
+              <a:rPr lang="en-IN" b="0" i="0" u="none" strike="noStrike" baseline="0" dirty="0">
+                <a:latin typeface="Courier"/>
+              </a:rPr>
+              <a:t>gaby~&gt; </a:t>
+            </a:r>
+            <a:r>
+              <a:rPr lang="en-IN" b="1" i="0" u="none" strike="noStrike" baseline="0" dirty="0">
+                <a:latin typeface="Courier-Bold"/>
+              </a:rPr>
+              <a:t>dd if=/dev/fd0H1440 of=/var/</a:t>
+            </a:r>
+            <a:r>
+              <a:rPr lang="en-IN" b="1" i="0" u="none" strike="noStrike" baseline="0" dirty="0" err="1">
+                <a:latin typeface="Courier-Bold"/>
+              </a:rPr>
+              <a:t>tmp</a:t>
+            </a:r>
+            <a:r>
+              <a:rPr lang="en-IN" b="1" i="0" u="none" strike="noStrike" baseline="0" dirty="0">
+                <a:latin typeface="Courier-Bold"/>
+              </a:rPr>
+              <a:t>/images.tar.gz</a:t>
+            </a:r>
+          </a:p>
+          <a:p>
+            <a:pPr algn="l"/>
+            <a:r>
+              <a:rPr lang="en-IN" b="0" i="0" u="none" strike="noStrike" baseline="0" dirty="0">
+                <a:latin typeface="Courier"/>
+              </a:rPr>
+              <a:t>2880+0 records in</a:t>
+            </a:r>
+          </a:p>
+          <a:p>
+            <a:pPr algn="l"/>
+            <a:r>
+              <a:rPr lang="en-IN" b="0" i="0" u="none" strike="noStrike" baseline="0" dirty="0">
+                <a:latin typeface="Courier"/>
+              </a:rPr>
+              <a:t>2880+0 records out</a:t>
+            </a:r>
+          </a:p>
+          <a:p>
+            <a:pPr algn="l"/>
+            <a:r>
+              <a:rPr lang="da-DK" b="0" i="0" u="none" strike="noStrike" baseline="0" dirty="0">
+                <a:latin typeface="Courier"/>
+              </a:rPr>
+              <a:t>gaby:~&gt; </a:t>
+            </a:r>
+            <a:r>
+              <a:rPr lang="da-DK" b="1" i="0" u="none" strike="noStrike" baseline="0" dirty="0">
+                <a:latin typeface="Courier-Bold"/>
+              </a:rPr>
+              <a:t>ls /var/tmp/images*</a:t>
+            </a:r>
+          </a:p>
+          <a:p>
+            <a:pPr algn="l"/>
+            <a:r>
+              <a:rPr lang="en-IN" b="0" i="0" u="none" strike="noStrike" baseline="0" dirty="0">
+                <a:latin typeface="Courier"/>
+              </a:rPr>
+              <a:t>/var/</a:t>
+            </a:r>
+            <a:r>
+              <a:rPr lang="en-IN" b="0" i="0" u="none" strike="noStrike" baseline="0" dirty="0" err="1">
+                <a:latin typeface="Courier"/>
+              </a:rPr>
+              <a:t>tmp</a:t>
+            </a:r>
+            <a:r>
+              <a:rPr lang="en-IN" b="0" i="0" u="none" strike="noStrike" baseline="0" dirty="0">
+                <a:latin typeface="Courier"/>
+              </a:rPr>
+              <a:t>/images.tar.gz</a:t>
+            </a:r>
+          </a:p>
+          <a:p>
+            <a:pPr algn="l"/>
+            <a:endParaRPr lang="en-US" sz="2400" b="0" i="0" u="none" strike="noStrike" baseline="0" dirty="0">
+              <a:latin typeface="Times-Roman"/>
+            </a:endParaRPr>
+          </a:p>
+          <a:p>
+            <a:pPr algn="l"/>
+            <a:r>
+              <a:rPr lang="en-US" sz="2400" b="0" i="0" u="none" strike="noStrike" baseline="0" dirty="0">
+                <a:latin typeface="Times-Roman"/>
+              </a:rPr>
+              <a:t>Note that the dumping is done on an unmounted device. </a:t>
+            </a:r>
+            <a:endParaRPr lang="en-IN" sz="2400" dirty="0"/>
           </a:p>
         </p:txBody>
       </p:sp>
-    </p:spTree>
-    <p:extLst>
-      <p:ext uri="{BB962C8B-B14F-4D97-AF65-F5344CB8AC3E}">
-        <p14:creationId xmlns:p14="http://schemas.microsoft.com/office/powerpoint/2010/main" val="3919764975"/>
-      </p:ext>
-    </p:extLst>
-  </p:cSld>
-  <p:clrMapOvr>
-    <a:masterClrMapping/>
-  </p:clrMapOvr>
-</p:sld>
-</file>
-
-<file path=ppt/slides/slide36.xml><?xml version="1.0" encoding="utf-8"?>
-<p:sld xmlns:a="http://schemas.openxmlformats.org/drawingml/2006/main" xmlns:r="http://schemas.openxmlformats.org/officeDocument/2006/relationships" xmlns:p="http://schemas.openxmlformats.org/presentationml/2006/main">
-  <p:cSld>
-    <p:spTree>
-      <p:nvGrpSpPr>
-        <p:cNvPr id="1" name=""/>
-        <p:cNvGrpSpPr/>
-        <p:nvPr/>
-      </p:nvGrpSpPr>
-      <p:grpSpPr>
-        <a:xfrm>
-          <a:off x="0" y="0"/>
-          <a:ext cx="0" cy="0"/>
-          <a:chOff x="0" y="0"/>
-          <a:chExt cx="0" cy="0"/>
-        </a:xfrm>
-      </p:grpSpPr>
       <p:sp>
         <p:nvSpPr>
-          <p:cNvPr id="3" name="TextBox 2">
+          <p:cNvPr id="2" name="Rectangle 1">
             <a:extLst>
               <a:ext uri="{FF2B5EF4-FFF2-40B4-BE49-F238E27FC236}">
-                <a16:creationId xmlns:a16="http://schemas.microsoft.com/office/drawing/2014/main" id="{6AF1219A-1E4E-F440-7902-20AB8930B3A2}"/>
+                <a16:creationId xmlns:a16="http://schemas.microsoft.com/office/drawing/2014/main" id="{5422C28C-F526-4965-BCFD-578FB345353E}"/>
               </a:ext>
             </a:extLst>
           </p:cNvPr>
-          <p:cNvSpPr txBox="1"/>
+          <p:cNvSpPr/>
           <p:nvPr/>
         </p:nvSpPr>
         <p:spPr>
           <a:xfrm>
-            <a:off x="3048802" y="1030749"/>
-            <a:ext cx="6097604" cy="4801314"/>
+            <a:off x="0" y="0"/>
+            <a:ext cx="6514925" cy="523220"/>
           </a:xfrm>
           <a:prstGeom prst="rect">
             <a:avLst/>
           </a:prstGeom>
-          <a:noFill/>
         </p:spPr>
         <p:txBody>
-          <a:bodyPr wrap="square">
+          <a:bodyPr wrap="none">
             <a:spAutoFit/>
           </a:bodyPr>
           <a:lstStyle/>
           <a:p>
-            <a:pPr algn="l"/>
-            <a:r>
-              <a:rPr lang="en-US" sz="1800" b="1" i="0" u="none" strike="noStrike" baseline="0" dirty="0">
+            <a:r>
+              <a:rPr lang="en-US" sz="2800" b="1" dirty="0">
                 <a:latin typeface="Helvetica-Bold"/>
               </a:rPr>
-              <a:t>9.2.1.2. Using the dd command to dump data</a:t>
-            </a:r>
-          </a:p>
-          <a:p>
-            <a:pPr algn="l"/>
-            <a:r>
-              <a:rPr lang="en-US" sz="1800" b="0" i="0" u="none" strike="noStrike" baseline="0" dirty="0">
-                <a:latin typeface="Times-Roman"/>
-              </a:rPr>
-              <a:t>The </a:t>
-            </a:r>
-            <a:r>
-              <a:rPr lang="en-US" sz="1800" b="1" i="0" u="none" strike="noStrike" baseline="0" dirty="0">
-                <a:latin typeface="Times-Bold"/>
-              </a:rPr>
-              <a:t>dd </a:t>
-            </a:r>
-            <a:r>
-              <a:rPr lang="en-US" sz="1800" b="0" i="0" u="none" strike="noStrike" baseline="0" dirty="0">
-                <a:latin typeface="Times-Roman"/>
-              </a:rPr>
-              <a:t>command can be used to put data on a disk, or get it off again, depending on the given input and</a:t>
-            </a:r>
-          </a:p>
-          <a:p>
-            <a:pPr algn="l"/>
-            <a:r>
-              <a:rPr lang="en-IN" sz="1800" b="0" i="0" u="none" strike="noStrike" baseline="0" dirty="0">
-                <a:latin typeface="Times-Roman"/>
-              </a:rPr>
-              <a:t>output devices. An example:</a:t>
-            </a:r>
-          </a:p>
-          <a:p>
-            <a:pPr algn="l"/>
-            <a:r>
-              <a:rPr lang="en-US" sz="1400" b="0" i="0" u="none" strike="noStrike" baseline="0" dirty="0" err="1">
-                <a:latin typeface="Courier"/>
-              </a:rPr>
-              <a:t>gaby</a:t>
-            </a:r>
-            <a:r>
-              <a:rPr lang="en-US" sz="1400" b="0" i="0" u="none" strike="noStrike" baseline="0" dirty="0">
-                <a:latin typeface="Courier"/>
-              </a:rPr>
-              <a:t>:~&gt; </a:t>
-            </a:r>
-            <a:r>
-              <a:rPr lang="en-US" sz="1400" b="1" i="0" u="none" strike="noStrike" baseline="0" dirty="0">
-                <a:latin typeface="Courier-Bold"/>
-              </a:rPr>
-              <a:t>dd if=images-without-dir.tar.gz of=/dev/fd0H1440</a:t>
-            </a:r>
-          </a:p>
-          <a:p>
-            <a:pPr algn="l"/>
-            <a:r>
-              <a:rPr lang="en-IN" sz="1400" b="0" i="0" u="none" strike="noStrike" baseline="0" dirty="0">
-                <a:latin typeface="Courier"/>
-              </a:rPr>
-              <a:t>98+1 records in</a:t>
-            </a:r>
-          </a:p>
-          <a:p>
-            <a:pPr algn="l"/>
-            <a:r>
-              <a:rPr lang="en-IN" sz="1400" b="0" i="0" u="none" strike="noStrike" baseline="0" dirty="0">
-                <a:latin typeface="Courier"/>
-              </a:rPr>
-              <a:t>98+1 records out</a:t>
-            </a:r>
-          </a:p>
-          <a:p>
-            <a:pPr algn="l"/>
-            <a:r>
-              <a:rPr lang="en-IN" sz="1400" b="0" i="0" u="none" strike="noStrike" baseline="0" dirty="0">
-                <a:latin typeface="Courier"/>
-              </a:rPr>
-              <a:t>gaby~&gt; </a:t>
-            </a:r>
-            <a:r>
-              <a:rPr lang="en-IN" sz="1400" b="1" i="0" u="none" strike="noStrike" baseline="0" dirty="0">
-                <a:latin typeface="Courier-Bold"/>
-              </a:rPr>
-              <a:t>dd if=/dev/fd0H1440 of=/var/</a:t>
-            </a:r>
-            <a:r>
-              <a:rPr lang="en-IN" sz="1400" b="1" i="0" u="none" strike="noStrike" baseline="0" dirty="0" err="1">
-                <a:latin typeface="Courier-Bold"/>
-              </a:rPr>
-              <a:t>tmp</a:t>
-            </a:r>
-            <a:r>
-              <a:rPr lang="en-IN" sz="1400" b="1" i="0" u="none" strike="noStrike" baseline="0" dirty="0">
-                <a:latin typeface="Courier-Bold"/>
-              </a:rPr>
-              <a:t>/images.tar.gz</a:t>
-            </a:r>
-          </a:p>
-          <a:p>
-            <a:pPr algn="l"/>
-            <a:r>
-              <a:rPr lang="en-IN" sz="1400" b="0" i="0" u="none" strike="noStrike" baseline="0" dirty="0">
-                <a:latin typeface="Courier"/>
-              </a:rPr>
-              <a:t>2880+0 records in</a:t>
-            </a:r>
-          </a:p>
-          <a:p>
-            <a:pPr algn="l"/>
-            <a:r>
-              <a:rPr lang="en-IN" sz="1400" b="0" i="0" u="none" strike="noStrike" baseline="0" dirty="0">
-                <a:latin typeface="Courier"/>
-              </a:rPr>
-              <a:t>2880+0 records out</a:t>
-            </a:r>
-          </a:p>
-          <a:p>
-            <a:pPr algn="l"/>
-            <a:r>
-              <a:rPr lang="da-DK" sz="1400" b="0" i="0" u="none" strike="noStrike" baseline="0" dirty="0">
-                <a:latin typeface="Courier"/>
-              </a:rPr>
-              <a:t>gaby:~&gt; </a:t>
-            </a:r>
-            <a:r>
-              <a:rPr lang="da-DK" sz="1400" b="1" i="0" u="none" strike="noStrike" baseline="0" dirty="0">
-                <a:latin typeface="Courier-Bold"/>
-              </a:rPr>
-              <a:t>ls /var/tmp/images*</a:t>
-            </a:r>
-          </a:p>
-          <a:p>
-            <a:pPr algn="l"/>
-            <a:r>
-              <a:rPr lang="en-IN" sz="1400" b="0" i="0" u="none" strike="noStrike" baseline="0" dirty="0">
-                <a:latin typeface="Courier"/>
-              </a:rPr>
-              <a:t>/var/</a:t>
-            </a:r>
-            <a:r>
-              <a:rPr lang="en-IN" sz="1400" b="0" i="0" u="none" strike="noStrike" baseline="0" dirty="0" err="1">
-                <a:latin typeface="Courier"/>
-              </a:rPr>
-              <a:t>tmp</a:t>
-            </a:r>
-            <a:r>
-              <a:rPr lang="en-IN" sz="1400" b="0" i="0" u="none" strike="noStrike" baseline="0" dirty="0">
-                <a:latin typeface="Courier"/>
-              </a:rPr>
-              <a:t>/images.tar.gz</a:t>
-            </a:r>
-          </a:p>
-          <a:p>
-            <a:pPr algn="l"/>
-            <a:r>
-              <a:rPr lang="en-US" sz="1800" b="0" i="0" u="none" strike="noStrike" baseline="0" dirty="0">
-                <a:latin typeface="Times-Roman"/>
-              </a:rPr>
-              <a:t>Note that the dumping is done on an unmounted device. Floppies created using this method will not be</a:t>
-            </a:r>
-          </a:p>
-          <a:p>
-            <a:pPr algn="l"/>
-            <a:r>
-              <a:rPr lang="en-US" sz="1800" b="0" i="0" u="none" strike="noStrike" baseline="0" dirty="0">
-                <a:latin typeface="Times-Roman"/>
-              </a:rPr>
-              <a:t>mountable in the file system, but it is of course the way to go for creating boot or rescue disks. For more</a:t>
-            </a:r>
-          </a:p>
-          <a:p>
-            <a:pPr algn="l"/>
-            <a:r>
-              <a:rPr lang="en-US" sz="1800" b="0" i="0" u="none" strike="noStrike" baseline="0" dirty="0">
-                <a:latin typeface="Times-Roman"/>
-              </a:rPr>
-              <a:t>information on the possibilities of </a:t>
-            </a:r>
-            <a:r>
-              <a:rPr lang="en-US" sz="1800" b="1" i="0" u="none" strike="noStrike" baseline="0" dirty="0">
-                <a:latin typeface="Times-Bold"/>
-              </a:rPr>
-              <a:t>dd</a:t>
-            </a:r>
-            <a:r>
-              <a:rPr lang="en-US" sz="1800" b="0" i="0" u="none" strike="noStrike" baseline="0" dirty="0">
-                <a:latin typeface="Times-Roman"/>
-              </a:rPr>
-              <a:t>, read the man pages.</a:t>
-            </a:r>
-          </a:p>
-          <a:p>
-            <a:pPr algn="l"/>
-            <a:r>
-              <a:rPr lang="en-US" sz="1800" b="0" i="0" u="none" strike="noStrike" baseline="0" dirty="0">
-                <a:latin typeface="Times-Roman"/>
-              </a:rPr>
-              <a:t>This tool is part of the GNU </a:t>
-            </a:r>
-            <a:r>
-              <a:rPr lang="en-US" sz="1800" b="0" i="1" u="none" strike="noStrike" baseline="0" dirty="0" err="1">
-                <a:latin typeface="Times-Italic"/>
-              </a:rPr>
-              <a:t>coreutils</a:t>
-            </a:r>
-            <a:r>
-              <a:rPr lang="en-US" sz="1800" b="0" i="1" u="none" strike="noStrike" baseline="0" dirty="0">
-                <a:latin typeface="Times-Italic"/>
-              </a:rPr>
-              <a:t> </a:t>
-            </a:r>
-            <a:r>
-              <a:rPr lang="en-US" sz="1800" b="0" i="0" u="none" strike="noStrike" baseline="0" dirty="0">
-                <a:latin typeface="Times-Roman"/>
-              </a:rPr>
-              <a:t>package.</a:t>
-            </a:r>
-            <a:endParaRPr lang="en-IN" dirty="0"/>
+              <a:t>Using the dd command to dump data</a:t>
+            </a:r>
           </a:p>
         </p:txBody>
       </p:sp>
@@ -13111,7 +12592,7 @@
 </p:sld>
 </file>
 
-<file path=ppt/slides/slide37.xml><?xml version="1.0" encoding="utf-8"?>
+<file path=ppt/slides/slide36.xml><?xml version="1.0" encoding="utf-8"?>
 <p:sld xmlns:a="http://schemas.openxmlformats.org/drawingml/2006/main" xmlns:r="http://schemas.openxmlformats.org/officeDocument/2006/relationships" xmlns:p="http://schemas.openxmlformats.org/presentationml/2006/main">
   <p:cSld>
     <p:spTree>
@@ -13494,7 +12975,7 @@
 </p:sld>
 </file>
 
-<file path=ppt/slides/slide38.xml><?xml version="1.0" encoding="utf-8"?>
+<file path=ppt/slides/slide37.xml><?xml version="1.0" encoding="utf-8"?>
 <p:sld xmlns:a="http://schemas.openxmlformats.org/drawingml/2006/main" xmlns:r="http://schemas.openxmlformats.org/officeDocument/2006/relationships" xmlns:p="http://schemas.openxmlformats.org/presentationml/2006/main">
   <p:cSld>
     <p:spTree>
@@ -13819,7 +13300,7 @@
 </p:sld>
 </file>
 
-<file path=ppt/slides/slide39.xml><?xml version="1.0" encoding="utf-8"?>
+<file path=ppt/slides/slide38.xml><?xml version="1.0" encoding="utf-8"?>
 <p:sld xmlns:a="http://schemas.openxmlformats.org/drawingml/2006/main" xmlns:r="http://schemas.openxmlformats.org/officeDocument/2006/relationships" xmlns:p="http://schemas.openxmlformats.org/presentationml/2006/main">
   <p:cSld>
     <p:spTree>
@@ -14178,6 +13659,173 @@
     <p:extLst>
       <p:ext uri="{BB962C8B-B14F-4D97-AF65-F5344CB8AC3E}">
         <p14:creationId xmlns:p14="http://schemas.microsoft.com/office/powerpoint/2010/main" val="1281042498"/>
+      </p:ext>
+    </p:extLst>
+  </p:cSld>
+  <p:clrMapOvr>
+    <a:masterClrMapping/>
+  </p:clrMapOvr>
+</p:sld>
+</file>
+
+<file path=ppt/slides/slide39.xml><?xml version="1.0" encoding="utf-8"?>
+<p:sld xmlns:a="http://schemas.openxmlformats.org/drawingml/2006/main" xmlns:r="http://schemas.openxmlformats.org/officeDocument/2006/relationships" xmlns:p="http://schemas.openxmlformats.org/presentationml/2006/main">
+  <p:cSld>
+    <p:spTree>
+      <p:nvGrpSpPr>
+        <p:cNvPr id="1" name=""/>
+        <p:cNvGrpSpPr/>
+        <p:nvPr/>
+      </p:nvGrpSpPr>
+      <p:grpSpPr>
+        <a:xfrm>
+          <a:off x="0" y="0"/>
+          <a:ext cx="0" cy="0"/>
+          <a:chOff x="0" y="0"/>
+          <a:chExt cx="0" cy="0"/>
+        </a:xfrm>
+      </p:grpSpPr>
+      <p:sp>
+        <p:nvSpPr>
+          <p:cNvPr id="3" name="TextBox 2">
+            <a:extLst>
+              <a:ext uri="{FF2B5EF4-FFF2-40B4-BE49-F238E27FC236}">
+                <a16:creationId xmlns:a16="http://schemas.microsoft.com/office/drawing/2014/main" id="{FDAF444E-8C0D-AB1A-CC68-CE062DF6B79A}"/>
+              </a:ext>
+            </a:extLst>
+          </p:cNvPr>
+          <p:cNvSpPr txBox="1"/>
+          <p:nvPr/>
+        </p:nvSpPr>
+        <p:spPr>
+          <a:xfrm>
+            <a:off x="228600" y="1338526"/>
+            <a:ext cx="11716352" cy="2862322"/>
+          </a:xfrm>
+          <a:prstGeom prst="rect">
+            <a:avLst/>
+          </a:prstGeom>
+          <a:noFill/>
+        </p:spPr>
+        <p:txBody>
+          <a:bodyPr wrap="square">
+            <a:spAutoFit/>
+          </a:bodyPr>
+          <a:lstStyle/>
+          <a:p>
+            <a:pPr algn="l"/>
+            <a:r>
+              <a:rPr lang="en-US" sz="2400" b="1" i="0" u="none" strike="noStrike" baseline="0" dirty="0">
+                <a:latin typeface="Helvetica-Bold"/>
+              </a:rPr>
+              <a:t>Why should you encrypt data?</a:t>
+            </a:r>
+          </a:p>
+          <a:p>
+            <a:pPr algn="l"/>
+            <a:endParaRPr lang="en-US" b="1" dirty="0">
+              <a:latin typeface="Helvetica-Bold"/>
+            </a:endParaRPr>
+          </a:p>
+          <a:p>
+            <a:pPr algn="l"/>
+            <a:endParaRPr lang="en-US" sz="1800" b="1" i="0" u="none" strike="noStrike" baseline="0" dirty="0">
+              <a:latin typeface="Helvetica-Bold"/>
+            </a:endParaRPr>
+          </a:p>
+          <a:p>
+            <a:pPr algn="l"/>
+            <a:r>
+              <a:rPr lang="en-US" sz="2000" b="0" i="0" u="none" strike="noStrike" baseline="0" dirty="0">
+                <a:latin typeface="Times-Roman"/>
+              </a:rPr>
+              <a:t>Encryption is synonym to secrecy. In the context of backups, encryption can be very useful, for instance if you need to leave your backed up data in a place where you can not control access, such as the server of your </a:t>
+            </a:r>
+            <a:r>
+              <a:rPr lang="en-IN" sz="2000" b="0" i="0" u="none" strike="noStrike" baseline="0" dirty="0">
+                <a:latin typeface="Times-Roman"/>
+              </a:rPr>
+              <a:t>provider.</a:t>
+            </a:r>
+          </a:p>
+          <a:p>
+            <a:pPr algn="l"/>
+            <a:endParaRPr lang="en-US" sz="2000" b="0" i="0" u="none" strike="noStrike" baseline="0" dirty="0">
+              <a:latin typeface="Times-Roman"/>
+            </a:endParaRPr>
+          </a:p>
+          <a:p>
+            <a:pPr algn="l"/>
+            <a:r>
+              <a:rPr lang="en-US" sz="2000" b="0" i="0" u="none" strike="noStrike" baseline="0" dirty="0">
+                <a:latin typeface="Times-Roman"/>
+              </a:rPr>
+              <a:t>Apart from that, encryption can be applied to E-mails as well: normally, mail is not encrypted and it is often sent in the open over the </a:t>
+            </a:r>
+            <a:r>
+              <a:rPr lang="en-US" sz="2000" b="0" i="0" u="none" strike="noStrike" baseline="0" dirty="0" err="1">
+                <a:latin typeface="Times-Roman"/>
+              </a:rPr>
+              <a:t>netwerk</a:t>
+            </a:r>
+            <a:r>
+              <a:rPr lang="en-US" sz="2000" b="0" i="0" u="none" strike="noStrike" baseline="0" dirty="0">
+                <a:latin typeface="Times-Roman"/>
+              </a:rPr>
+              <a:t> or the Internet. If your message contains sensitive information, better </a:t>
+            </a:r>
+            <a:r>
+              <a:rPr lang="en-IN" sz="2000" b="0" i="0" u="none" strike="noStrike" baseline="0" dirty="0">
+                <a:latin typeface="Times-Roman"/>
+              </a:rPr>
+              <a:t>encrypt it.</a:t>
+            </a:r>
+            <a:endParaRPr lang="en-IN" sz="2000" dirty="0"/>
+          </a:p>
+        </p:txBody>
+      </p:sp>
+      <p:sp>
+        <p:nvSpPr>
+          <p:cNvPr id="5" name="TextBox 4">
+            <a:extLst>
+              <a:ext uri="{FF2B5EF4-FFF2-40B4-BE49-F238E27FC236}">
+                <a16:creationId xmlns:a16="http://schemas.microsoft.com/office/drawing/2014/main" id="{CC168E5B-2581-DE87-BB72-648C48430CC3}"/>
+              </a:ext>
+            </a:extLst>
+          </p:cNvPr>
+          <p:cNvSpPr txBox="1"/>
+          <p:nvPr/>
+        </p:nvSpPr>
+        <p:spPr>
+          <a:xfrm>
+            <a:off x="228600" y="128155"/>
+            <a:ext cx="6097604" cy="523220"/>
+          </a:xfrm>
+          <a:prstGeom prst="rect">
+            <a:avLst/>
+          </a:prstGeom>
+          <a:noFill/>
+        </p:spPr>
+        <p:txBody>
+          <a:bodyPr wrap="square">
+            <a:spAutoFit/>
+          </a:bodyPr>
+          <a:lstStyle/>
+          <a:p>
+            <a:r>
+              <a:rPr lang="en-IN" sz="2800" b="1" i="0" u="none" strike="noStrike" baseline="0" dirty="0">
+                <a:latin typeface="Helvetica-Bold"/>
+              </a:rPr>
+              <a:t>Encryption</a:t>
+            </a:r>
+            <a:endParaRPr lang="en-IN" dirty="0"/>
+          </a:p>
+        </p:txBody>
+      </p:sp>
+    </p:spTree>
+    <p:extLst>
+      <p:ext uri="{BB962C8B-B14F-4D97-AF65-F5344CB8AC3E}">
+        <p14:creationId xmlns:p14="http://schemas.microsoft.com/office/powerpoint/2010/main" val="150202761"/>
       </p:ext>
     </p:extLst>
   </p:cSld>
@@ -14369,173 +14017,6 @@
           <p:cNvPr id="3" name="TextBox 2">
             <a:extLst>
               <a:ext uri="{FF2B5EF4-FFF2-40B4-BE49-F238E27FC236}">
-                <a16:creationId xmlns:a16="http://schemas.microsoft.com/office/drawing/2014/main" id="{FDAF444E-8C0D-AB1A-CC68-CE062DF6B79A}"/>
-              </a:ext>
-            </a:extLst>
-          </p:cNvPr>
-          <p:cNvSpPr txBox="1"/>
-          <p:nvPr/>
-        </p:nvSpPr>
-        <p:spPr>
-          <a:xfrm>
-            <a:off x="228600" y="1338526"/>
-            <a:ext cx="11716352" cy="2862322"/>
-          </a:xfrm>
-          <a:prstGeom prst="rect">
-            <a:avLst/>
-          </a:prstGeom>
-          <a:noFill/>
-        </p:spPr>
-        <p:txBody>
-          <a:bodyPr wrap="square">
-            <a:spAutoFit/>
-          </a:bodyPr>
-          <a:lstStyle/>
-          <a:p>
-            <a:pPr algn="l"/>
-            <a:r>
-              <a:rPr lang="en-US" sz="2400" b="1" i="0" u="none" strike="noStrike" baseline="0" dirty="0">
-                <a:latin typeface="Helvetica-Bold"/>
-              </a:rPr>
-              <a:t>Why should you encrypt data?</a:t>
-            </a:r>
-          </a:p>
-          <a:p>
-            <a:pPr algn="l"/>
-            <a:endParaRPr lang="en-US" b="1" dirty="0">
-              <a:latin typeface="Helvetica-Bold"/>
-            </a:endParaRPr>
-          </a:p>
-          <a:p>
-            <a:pPr algn="l"/>
-            <a:endParaRPr lang="en-US" sz="1800" b="1" i="0" u="none" strike="noStrike" baseline="0" dirty="0">
-              <a:latin typeface="Helvetica-Bold"/>
-            </a:endParaRPr>
-          </a:p>
-          <a:p>
-            <a:pPr algn="l"/>
-            <a:r>
-              <a:rPr lang="en-US" sz="2000" b="0" i="0" u="none" strike="noStrike" baseline="0" dirty="0">
-                <a:latin typeface="Times-Roman"/>
-              </a:rPr>
-              <a:t>Encryption is synonym to secrecy. In the context of backups, encryption can be very useful, for instance if you need to leave your backed up data in a place where you can not control access, such as the server of your </a:t>
-            </a:r>
-            <a:r>
-              <a:rPr lang="en-IN" sz="2000" b="0" i="0" u="none" strike="noStrike" baseline="0" dirty="0">
-                <a:latin typeface="Times-Roman"/>
-              </a:rPr>
-              <a:t>provider.</a:t>
-            </a:r>
-          </a:p>
-          <a:p>
-            <a:pPr algn="l"/>
-            <a:endParaRPr lang="en-US" sz="2000" b="0" i="0" u="none" strike="noStrike" baseline="0" dirty="0">
-              <a:latin typeface="Times-Roman"/>
-            </a:endParaRPr>
-          </a:p>
-          <a:p>
-            <a:pPr algn="l"/>
-            <a:r>
-              <a:rPr lang="en-US" sz="2000" b="0" i="0" u="none" strike="noStrike" baseline="0" dirty="0">
-                <a:latin typeface="Times-Roman"/>
-              </a:rPr>
-              <a:t>Apart from that, encryption can be applied to E-mails as well: normally, mail is not encrypted and it is often sent in the open over the </a:t>
-            </a:r>
-            <a:r>
-              <a:rPr lang="en-US" sz="2000" b="0" i="0" u="none" strike="noStrike" baseline="0" dirty="0" err="1">
-                <a:latin typeface="Times-Roman"/>
-              </a:rPr>
-              <a:t>netwerk</a:t>
-            </a:r>
-            <a:r>
-              <a:rPr lang="en-US" sz="2000" b="0" i="0" u="none" strike="noStrike" baseline="0" dirty="0">
-                <a:latin typeface="Times-Roman"/>
-              </a:rPr>
-              <a:t> or the Internet. If your message contains sensitive information, better </a:t>
-            </a:r>
-            <a:r>
-              <a:rPr lang="en-IN" sz="2000" b="0" i="0" u="none" strike="noStrike" baseline="0" dirty="0">
-                <a:latin typeface="Times-Roman"/>
-              </a:rPr>
-              <a:t>encrypt it.</a:t>
-            </a:r>
-            <a:endParaRPr lang="en-IN" sz="2000" dirty="0"/>
-          </a:p>
-        </p:txBody>
-      </p:sp>
-      <p:sp>
-        <p:nvSpPr>
-          <p:cNvPr id="5" name="TextBox 4">
-            <a:extLst>
-              <a:ext uri="{FF2B5EF4-FFF2-40B4-BE49-F238E27FC236}">
-                <a16:creationId xmlns:a16="http://schemas.microsoft.com/office/drawing/2014/main" id="{CC168E5B-2581-DE87-BB72-648C48430CC3}"/>
-              </a:ext>
-            </a:extLst>
-          </p:cNvPr>
-          <p:cNvSpPr txBox="1"/>
-          <p:nvPr/>
-        </p:nvSpPr>
-        <p:spPr>
-          <a:xfrm>
-            <a:off x="228600" y="128155"/>
-            <a:ext cx="6097604" cy="523220"/>
-          </a:xfrm>
-          <a:prstGeom prst="rect">
-            <a:avLst/>
-          </a:prstGeom>
-          <a:noFill/>
-        </p:spPr>
-        <p:txBody>
-          <a:bodyPr wrap="square">
-            <a:spAutoFit/>
-          </a:bodyPr>
-          <a:lstStyle/>
-          <a:p>
-            <a:r>
-              <a:rPr lang="en-IN" sz="2800" b="1" i="0" u="none" strike="noStrike" baseline="0" dirty="0">
-                <a:latin typeface="Helvetica-Bold"/>
-              </a:rPr>
-              <a:t>Encryption</a:t>
-            </a:r>
-            <a:endParaRPr lang="en-IN" dirty="0"/>
-          </a:p>
-        </p:txBody>
-      </p:sp>
-    </p:spTree>
-    <p:extLst>
-      <p:ext uri="{BB962C8B-B14F-4D97-AF65-F5344CB8AC3E}">
-        <p14:creationId xmlns:p14="http://schemas.microsoft.com/office/powerpoint/2010/main" val="150202761"/>
-      </p:ext>
-    </p:extLst>
-  </p:cSld>
-  <p:clrMapOvr>
-    <a:masterClrMapping/>
-  </p:clrMapOvr>
-</p:sld>
-</file>
-
-<file path=ppt/slides/slide41.xml><?xml version="1.0" encoding="utf-8"?>
-<p:sld xmlns:a="http://schemas.openxmlformats.org/drawingml/2006/main" xmlns:r="http://schemas.openxmlformats.org/officeDocument/2006/relationships" xmlns:p="http://schemas.openxmlformats.org/presentationml/2006/main">
-  <p:cSld>
-    <p:spTree>
-      <p:nvGrpSpPr>
-        <p:cNvPr id="1" name=""/>
-        <p:cNvGrpSpPr/>
-        <p:nvPr/>
-      </p:nvGrpSpPr>
-      <p:grpSpPr>
-        <a:xfrm>
-          <a:off x="0" y="0"/>
-          <a:ext cx="0" cy="0"/>
-          <a:chOff x="0" y="0"/>
-          <a:chExt cx="0" cy="0"/>
-        </a:xfrm>
-      </p:grpSpPr>
-      <p:sp>
-        <p:nvSpPr>
-          <p:cNvPr id="3" name="TextBox 2">
-            <a:extLst>
-              <a:ext uri="{FF2B5EF4-FFF2-40B4-BE49-F238E27FC236}">
                 <a16:creationId xmlns:a16="http://schemas.microsoft.com/office/drawing/2014/main" id="{5090606C-9B47-B693-BF73-4B6E8E3BCBAF}"/>
               </a:ext>
             </a:extLst>
@@ -14622,7 +14103,7 @@
 </p:sld>
 </file>
 
-<file path=ppt/slides/slide42.xml><?xml version="1.0" encoding="utf-8"?>
+<file path=ppt/slides/slide41.xml><?xml version="1.0" encoding="utf-8"?>
 <p:sld xmlns:a="http://schemas.openxmlformats.org/drawingml/2006/main" xmlns:r="http://schemas.openxmlformats.org/officeDocument/2006/relationships" xmlns:p="http://schemas.openxmlformats.org/presentationml/2006/main">
   <p:cSld>
     <p:spTree>
@@ -14775,7 +14256,7 @@
 </p:sld>
 </file>
 
-<file path=ppt/slides/slide43.xml><?xml version="1.0" encoding="utf-8"?>
+<file path=ppt/slides/slide42.xml><?xml version="1.0" encoding="utf-8"?>
 <p:sld xmlns:a="http://schemas.openxmlformats.org/drawingml/2006/main" xmlns:r="http://schemas.openxmlformats.org/officeDocument/2006/relationships" xmlns:p="http://schemas.openxmlformats.org/presentationml/2006/main">
   <p:cSld>
     <p:spTree>
@@ -15302,7 +14783,7 @@
 </p:sld>
 </file>
 
-<file path=ppt/slides/slide44.xml><?xml version="1.0" encoding="utf-8"?>
+<file path=ppt/slides/slide43.xml><?xml version="1.0" encoding="utf-8"?>
 <p:sld xmlns:a="http://schemas.openxmlformats.org/drawingml/2006/main" xmlns:r="http://schemas.openxmlformats.org/officeDocument/2006/relationships" xmlns:p="http://schemas.openxmlformats.org/presentationml/2006/main">
   <p:cSld>
     <p:spTree>
@@ -15598,7 +15079,7 @@
 </p:sld>
 </file>
 
-<file path=ppt/slides/slide45.xml><?xml version="1.0" encoding="utf-8"?>
+<file path=ppt/slides/slide44.xml><?xml version="1.0" encoding="utf-8"?>
 <p:sld xmlns:a="http://schemas.openxmlformats.org/drawingml/2006/main" xmlns:r="http://schemas.openxmlformats.org/officeDocument/2006/relationships" xmlns:p="http://schemas.openxmlformats.org/presentationml/2006/main">
   <p:cSld>
     <p:spTree>
@@ -15945,7 +15426,7 @@
 </p:sld>
 </file>
 
-<file path=ppt/slides/slide46.xml><?xml version="1.0" encoding="utf-8"?>
+<file path=ppt/slides/slide45.xml><?xml version="1.0" encoding="utf-8"?>
 <p:sld xmlns:a="http://schemas.openxmlformats.org/drawingml/2006/main" xmlns:r="http://schemas.openxmlformats.org/officeDocument/2006/relationships" xmlns:p="http://schemas.openxmlformats.org/presentationml/2006/main">
   <p:cSld>
     <p:spTree>
@@ -16257,7 +15738,7 @@
 </p:sld>
 </file>
 
-<file path=ppt/slides/slide47.xml><?xml version="1.0" encoding="utf-8"?>
+<file path=ppt/slides/slide46.xml><?xml version="1.0" encoding="utf-8"?>
 <p:sld xmlns:a="http://schemas.openxmlformats.org/drawingml/2006/main" xmlns:r="http://schemas.openxmlformats.org/officeDocument/2006/relationships" xmlns:p="http://schemas.openxmlformats.org/presentationml/2006/main">
   <p:cSld>
     <p:spTree>
@@ -16542,7 +16023,7 @@
 </p:sld>
 </file>
 
-<file path=ppt/slides/slide48.xml><?xml version="1.0" encoding="utf-8"?>
+<file path=ppt/slides/slide47.xml><?xml version="1.0" encoding="utf-8"?>
 <p:sld xmlns:a="http://schemas.openxmlformats.org/drawingml/2006/main" xmlns:r="http://schemas.openxmlformats.org/officeDocument/2006/relationships" xmlns:p="http://schemas.openxmlformats.org/presentationml/2006/main">
   <p:cSld>
     <p:spTree>
@@ -16887,7 +16368,7 @@
 </p:sld>
 </file>
 
-<file path=ppt/slides/slide49.xml><?xml version="1.0" encoding="utf-8"?>
+<file path=ppt/slides/slide48.xml><?xml version="1.0" encoding="utf-8"?>
 <p:sld xmlns:a="http://schemas.openxmlformats.org/drawingml/2006/main" xmlns:r="http://schemas.openxmlformats.org/officeDocument/2006/relationships" xmlns:p="http://schemas.openxmlformats.org/presentationml/2006/main">
   <p:cSld>
     <p:spTree>
